--- a/E-Cafe.pptx
+++ b/E-Cafe.pptx
@@ -1,45 +1,50 @@
 
 <file path=ppt/presentation.xml><?xml version="1.0" encoding="utf-8"?>
-<p:presentation xmlns:a="http://schemas.openxmlformats.org/drawingml/2006/main" xmlns:r="http://schemas.openxmlformats.org/officeDocument/2006/relationships" xmlns:mc="http://schemas.openxmlformats.org/markup-compatibility/2006" xmlns:mv="urn:schemas-microsoft-com:mac:vml" xmlns:p="http://schemas.openxmlformats.org/presentationml/2006/main" xmlns:c="http://schemas.openxmlformats.org/drawingml/2006/chart" xmlns:dgm="http://schemas.openxmlformats.org/drawingml/2006/diagram" xmlns:o="urn:schemas-microsoft-com:office:office" xmlns:v="urn:schemas-microsoft-com:vml" xmlns:pvml="urn:schemas-microsoft-com:office:powerpoint" xmlns:com="http://schemas.openxmlformats.org/drawingml/2006/compatibility" xmlns:p14="http://schemas.microsoft.com/office/powerpoint/2010/main" xmlns:p15="http://schemas.microsoft.com/office/powerpoint/2012/main" autoCompressPictures="0" embedTrueTypeFonts="1" strictFirstAndLastChars="0" saveSubsetFonts="1">
+<p:presentation xmlns:a="http://schemas.openxmlformats.org/drawingml/2006/main" xmlns:r="http://schemas.openxmlformats.org/officeDocument/2006/relationships" xmlns:p="http://schemas.openxmlformats.org/presentationml/2006/main" strictFirstAndLastChars="0" embedTrueTypeFonts="1" saveSubsetFonts="1" autoCompressPictures="0">
   <p:sldMasterIdLst>
-    <p:sldMasterId id="2147483659" r:id="rId4"/>
+    <p:sldMasterId id="2147483659" r:id="rId1"/>
   </p:sldMasterIdLst>
   <p:notesMasterIdLst>
-    <p:notesMasterId r:id="rId5"/>
+    <p:notesMasterId r:id="rId12"/>
   </p:notesMasterIdLst>
   <p:sldIdLst>
-    <p:sldId id="256" r:id="rId6"/>
-    <p:sldId id="257" r:id="rId7"/>
-    <p:sldId id="258" r:id="rId8"/>
-    <p:sldId id="259" r:id="rId9"/>
-    <p:sldId id="260" r:id="rId10"/>
-    <p:sldId id="261" r:id="rId11"/>
-    <p:sldId id="262" r:id="rId12"/>
-    <p:sldId id="263" r:id="rId13"/>
-    <p:sldId id="264" r:id="rId14"/>
-    <p:sldId id="265" r:id="rId15"/>
-    <p:sldId id="266" r:id="rId16"/>
+    <p:sldId id="256" r:id="rId2"/>
+    <p:sldId id="257" r:id="rId3"/>
+    <p:sldId id="258" r:id="rId4"/>
+    <p:sldId id="259" r:id="rId5"/>
+    <p:sldId id="260" r:id="rId6"/>
+    <p:sldId id="261" r:id="rId7"/>
+    <p:sldId id="262" r:id="rId8"/>
+    <p:sldId id="264" r:id="rId9"/>
+    <p:sldId id="265" r:id="rId10"/>
+    <p:sldId id="266" r:id="rId11"/>
   </p:sldIdLst>
-  <p:sldSz cy="5143500" cx="9144000"/>
+  <p:sldSz cx="9144000" cy="5143500" type="screen16x9"/>
   <p:notesSz cx="6858000" cy="9144000"/>
   <p:embeddedFontLst>
     <p:embeddedFont>
-      <p:font typeface="Proxima Nova"/>
+      <p:font typeface="EB Garamond" pitchFamily="2" charset="0"/>
+      <p:regular r:id="rId13"/>
+      <p:bold r:id="rId14"/>
+      <p:italic r:id="rId15"/>
+      <p:boldItalic r:id="rId16"/>
+    </p:embeddedFont>
+    <p:embeddedFont>
+      <p:font typeface="Proxima Nova" panose="02000506030000020004" pitchFamily="2" charset="0"/>
       <p:regular r:id="rId17"/>
       <p:bold r:id="rId18"/>
       <p:italic r:id="rId19"/>
       <p:boldItalic r:id="rId20"/>
     </p:embeddedFont>
     <p:embeddedFont>
-      <p:font typeface="EB Garamond"/>
+      <p:font typeface="Trebuchet MS" panose="020B0703020202090204" pitchFamily="34" charset="0"/>
       <p:regular r:id="rId21"/>
       <p:bold r:id="rId22"/>
       <p:italic r:id="rId23"/>
-      <p:boldItalic r:id="rId24"/>
     </p:embeddedFont>
   </p:embeddedFontLst>
   <p:defaultTextStyle>
-    <a:defPPr lvl="0" marR="0" rtl="0" algn="l">
+    <a:defPPr marR="0" lvl="0" algn="l" rtl="0">
       <a:lnSpc>
         <a:spcPct val="100000"/>
       </a:lnSpc>
@@ -50,7 +55,7 @@
         <a:spcPts val="0"/>
       </a:spcAft>
     </a:defPPr>
-    <a:lvl1pPr lvl="0" marR="0" rtl="0" algn="l">
+    <a:lvl1pPr marR="0" lvl="0" algn="l" rtl="0">
       <a:lnSpc>
         <a:spcPct val="100000"/>
       </a:lnSpc>
@@ -64,7 +69,7 @@
         <a:srgbClr val="000000"/>
       </a:buClr>
       <a:buFont typeface="Arial"/>
-      <a:defRPr b="0" i="0" sz="1400" u="none" cap="none" strike="noStrike">
+      <a:defRPr sz="1400" b="0" i="0" u="none" strike="noStrike" cap="none">
         <a:solidFill>
           <a:srgbClr val="000000"/>
         </a:solidFill>
@@ -74,7 +79,7 @@
         <a:sym typeface="Arial"/>
       </a:defRPr>
     </a:lvl1pPr>
-    <a:lvl2pPr lvl="1" marR="0" rtl="0" algn="l">
+    <a:lvl2pPr marR="0" lvl="1" algn="l" rtl="0">
       <a:lnSpc>
         <a:spcPct val="100000"/>
       </a:lnSpc>
@@ -88,7 +93,7 @@
         <a:srgbClr val="000000"/>
       </a:buClr>
       <a:buFont typeface="Arial"/>
-      <a:defRPr b="0" i="0" sz="1400" u="none" cap="none" strike="noStrike">
+      <a:defRPr sz="1400" b="0" i="0" u="none" strike="noStrike" cap="none">
         <a:solidFill>
           <a:srgbClr val="000000"/>
         </a:solidFill>
@@ -98,7 +103,7 @@
         <a:sym typeface="Arial"/>
       </a:defRPr>
     </a:lvl2pPr>
-    <a:lvl3pPr lvl="2" marR="0" rtl="0" algn="l">
+    <a:lvl3pPr marR="0" lvl="2" algn="l" rtl="0">
       <a:lnSpc>
         <a:spcPct val="100000"/>
       </a:lnSpc>
@@ -112,7 +117,7 @@
         <a:srgbClr val="000000"/>
       </a:buClr>
       <a:buFont typeface="Arial"/>
-      <a:defRPr b="0" i="0" sz="1400" u="none" cap="none" strike="noStrike">
+      <a:defRPr sz="1400" b="0" i="0" u="none" strike="noStrike" cap="none">
         <a:solidFill>
           <a:srgbClr val="000000"/>
         </a:solidFill>
@@ -122,7 +127,7 @@
         <a:sym typeface="Arial"/>
       </a:defRPr>
     </a:lvl3pPr>
-    <a:lvl4pPr lvl="3" marR="0" rtl="0" algn="l">
+    <a:lvl4pPr marR="0" lvl="3" algn="l" rtl="0">
       <a:lnSpc>
         <a:spcPct val="100000"/>
       </a:lnSpc>
@@ -136,7 +141,7 @@
         <a:srgbClr val="000000"/>
       </a:buClr>
       <a:buFont typeface="Arial"/>
-      <a:defRPr b="0" i="0" sz="1400" u="none" cap="none" strike="noStrike">
+      <a:defRPr sz="1400" b="0" i="0" u="none" strike="noStrike" cap="none">
         <a:solidFill>
           <a:srgbClr val="000000"/>
         </a:solidFill>
@@ -146,7 +151,7 @@
         <a:sym typeface="Arial"/>
       </a:defRPr>
     </a:lvl4pPr>
-    <a:lvl5pPr lvl="4" marR="0" rtl="0" algn="l">
+    <a:lvl5pPr marR="0" lvl="4" algn="l" rtl="0">
       <a:lnSpc>
         <a:spcPct val="100000"/>
       </a:lnSpc>
@@ -160,7 +165,7 @@
         <a:srgbClr val="000000"/>
       </a:buClr>
       <a:buFont typeface="Arial"/>
-      <a:defRPr b="0" i="0" sz="1400" u="none" cap="none" strike="noStrike">
+      <a:defRPr sz="1400" b="0" i="0" u="none" strike="noStrike" cap="none">
         <a:solidFill>
           <a:srgbClr val="000000"/>
         </a:solidFill>
@@ -170,7 +175,7 @@
         <a:sym typeface="Arial"/>
       </a:defRPr>
     </a:lvl5pPr>
-    <a:lvl6pPr lvl="5" marR="0" rtl="0" algn="l">
+    <a:lvl6pPr marR="0" lvl="5" algn="l" rtl="0">
       <a:lnSpc>
         <a:spcPct val="100000"/>
       </a:lnSpc>
@@ -184,7 +189,7 @@
         <a:srgbClr val="000000"/>
       </a:buClr>
       <a:buFont typeface="Arial"/>
-      <a:defRPr b="0" i="0" sz="1400" u="none" cap="none" strike="noStrike">
+      <a:defRPr sz="1400" b="0" i="0" u="none" strike="noStrike" cap="none">
         <a:solidFill>
           <a:srgbClr val="000000"/>
         </a:solidFill>
@@ -194,7 +199,7 @@
         <a:sym typeface="Arial"/>
       </a:defRPr>
     </a:lvl6pPr>
-    <a:lvl7pPr lvl="6" marR="0" rtl="0" algn="l">
+    <a:lvl7pPr marR="0" lvl="6" algn="l" rtl="0">
       <a:lnSpc>
         <a:spcPct val="100000"/>
       </a:lnSpc>
@@ -208,7 +213,7 @@
         <a:srgbClr val="000000"/>
       </a:buClr>
       <a:buFont typeface="Arial"/>
-      <a:defRPr b="0" i="0" sz="1400" u="none" cap="none" strike="noStrike">
+      <a:defRPr sz="1400" b="0" i="0" u="none" strike="noStrike" cap="none">
         <a:solidFill>
           <a:srgbClr val="000000"/>
         </a:solidFill>
@@ -218,7 +223,7 @@
         <a:sym typeface="Arial"/>
       </a:defRPr>
     </a:lvl7pPr>
-    <a:lvl8pPr lvl="7" marR="0" rtl="0" algn="l">
+    <a:lvl8pPr marR="0" lvl="7" algn="l" rtl="0">
       <a:lnSpc>
         <a:spcPct val="100000"/>
       </a:lnSpc>
@@ -232,7 +237,7 @@
         <a:srgbClr val="000000"/>
       </a:buClr>
       <a:buFont typeface="Arial"/>
-      <a:defRPr b="0" i="0" sz="1400" u="none" cap="none" strike="noStrike">
+      <a:defRPr sz="1400" b="0" i="0" u="none" strike="noStrike" cap="none">
         <a:solidFill>
           <a:srgbClr val="000000"/>
         </a:solidFill>
@@ -242,7 +247,7 @@
         <a:sym typeface="Arial"/>
       </a:defRPr>
     </a:lvl8pPr>
-    <a:lvl9pPr lvl="8" marR="0" rtl="0" algn="l">
+    <a:lvl9pPr marR="0" lvl="8" algn="l" rtl="0">
       <a:lnSpc>
         <a:spcPct val="100000"/>
       </a:lnSpc>
@@ -256,7 +261,7 @@
         <a:srgbClr val="000000"/>
       </a:buClr>
       <a:buFont typeface="Arial"/>
-      <a:defRPr b="0" i="0" sz="1400" u="none" cap="none" strike="noStrike">
+      <a:defRPr sz="1400" b="0" i="0" u="none" strike="noStrike" cap="none">
         <a:solidFill>
           <a:srgbClr val="000000"/>
         </a:solidFill>
@@ -269,7 +274,7 @@
   </p:defaultTextStyle>
   <p:extLst>
     <p:ext uri="{EFAFB233-063F-42B5-8137-9DF3F51BA10A}">
-      <p15:sldGuideLst>
+      <p15:sldGuideLst xmlns:p15="http://schemas.microsoft.com/office/powerpoint/2012/main">
         <p15:guide id="1" orient="horz" pos="1620">
           <p15:clr>
             <a:srgbClr val="A4A3A4"/>
@@ -286,12 +291,93 @@
 </p:presentation>
 </file>
 
+<file path=ppt/revisionInfo.xml><?xml version="1.0" encoding="utf-8"?>
+<p1510:revInfo xmlns:a="http://schemas.openxmlformats.org/drawingml/2006/main" xmlns:r="http://schemas.openxmlformats.org/officeDocument/2006/relationships" xmlns:p1510="http://schemas.microsoft.com/office/powerpoint/2015/10/main">
+  <p1510:revLst>
+    <p1510:client id="{A25DAB9D-DB86-A647-A88C-16EB8A1C7802}" v="3" dt="2020-06-12T10:31:18.218"/>
+  </p1510:revLst>
+</p1510:revInfo>
+</file>
+
+<file path=ppt/changesInfos/changesInfo1.xml><?xml version="1.0" encoding="utf-8"?>
+<pc:chgInfo xmlns:a="http://schemas.openxmlformats.org/drawingml/2006/main" xmlns:r="http://schemas.openxmlformats.org/officeDocument/2006/relationships" xmlns:ac="http://schemas.microsoft.com/office/drawing/2013/main/command" xmlns:pc="http://schemas.microsoft.com/office/powerpoint/2013/main/command">
+  <pc:docChgLst>
+    <pc:chgData name="Eduardo Santos" userId="82542871-0f17-465b-bfc1-b39955306892" providerId="ADAL" clId="{A25DAB9D-DB86-A647-A88C-16EB8A1C7802}"/>
+    <pc:docChg chg="undo redo custSel addSld delSld modSld">
+      <pc:chgData name="Eduardo Santos" userId="82542871-0f17-465b-bfc1-b39955306892" providerId="ADAL" clId="{A25DAB9D-DB86-A647-A88C-16EB8A1C7802}" dt="2020-06-12T10:31:32.468" v="54" actId="2696"/>
+      <pc:docMkLst>
+        <pc:docMk/>
+      </pc:docMkLst>
+      <pc:sldChg chg="addSp delSp modSp add del">
+        <pc:chgData name="Eduardo Santos" userId="82542871-0f17-465b-bfc1-b39955306892" providerId="ADAL" clId="{A25DAB9D-DB86-A647-A88C-16EB8A1C7802}" dt="2020-06-12T10:31:32.468" v="54" actId="2696"/>
+        <pc:sldMkLst>
+          <pc:docMk/>
+          <pc:sldMk cId="0" sldId="263"/>
+        </pc:sldMkLst>
+        <pc:spChg chg="mod">
+          <ac:chgData name="Eduardo Santos" userId="82542871-0f17-465b-bfc1-b39955306892" providerId="ADAL" clId="{A25DAB9D-DB86-A647-A88C-16EB8A1C7802}" dt="2020-06-12T10:30:11.372" v="24" actId="1076"/>
+          <ac:spMkLst>
+            <pc:docMk/>
+            <pc:sldMk cId="0" sldId="263"/>
+            <ac:spMk id="111" creationId="{00000000-0000-0000-0000-000000000000}"/>
+          </ac:spMkLst>
+        </pc:spChg>
+        <pc:picChg chg="add del">
+          <ac:chgData name="Eduardo Santos" userId="82542871-0f17-465b-bfc1-b39955306892" providerId="ADAL" clId="{A25DAB9D-DB86-A647-A88C-16EB8A1C7802}" dt="2020-06-12T10:30:12.875" v="27" actId="478"/>
+          <ac:picMkLst>
+            <pc:docMk/>
+            <pc:sldMk cId="0" sldId="263"/>
+            <ac:picMk id="112" creationId="{00000000-0000-0000-0000-000000000000}"/>
+          </ac:picMkLst>
+        </pc:picChg>
+        <pc:picChg chg="add del">
+          <ac:chgData name="Eduardo Santos" userId="82542871-0f17-465b-bfc1-b39955306892" providerId="ADAL" clId="{A25DAB9D-DB86-A647-A88C-16EB8A1C7802}" dt="2020-06-12T10:30:11.987" v="25" actId="478"/>
+          <ac:picMkLst>
+            <pc:docMk/>
+            <pc:sldMk cId="0" sldId="263"/>
+            <ac:picMk id="113" creationId="{00000000-0000-0000-0000-000000000000}"/>
+          </ac:picMkLst>
+        </pc:picChg>
+        <pc:picChg chg="add del">
+          <ac:chgData name="Eduardo Santos" userId="82542871-0f17-465b-bfc1-b39955306892" providerId="ADAL" clId="{A25DAB9D-DB86-A647-A88C-16EB8A1C7802}" dt="2020-06-12T10:30:12.548" v="26" actId="478"/>
+          <ac:picMkLst>
+            <pc:docMk/>
+            <pc:sldMk cId="0" sldId="263"/>
+            <ac:picMk id="114" creationId="{00000000-0000-0000-0000-000000000000}"/>
+          </ac:picMkLst>
+        </pc:picChg>
+      </pc:sldChg>
+      <pc:sldChg chg="modSp">
+        <pc:chgData name="Eduardo Santos" userId="82542871-0f17-465b-bfc1-b39955306892" providerId="ADAL" clId="{A25DAB9D-DB86-A647-A88C-16EB8A1C7802}" dt="2020-06-12T10:31:27.764" v="53" actId="255"/>
+        <pc:sldMkLst>
+          <pc:docMk/>
+          <pc:sldMk cId="0" sldId="264"/>
+        </pc:sldMkLst>
+        <pc:spChg chg="mod">
+          <ac:chgData name="Eduardo Santos" userId="82542871-0f17-465b-bfc1-b39955306892" providerId="ADAL" clId="{A25DAB9D-DB86-A647-A88C-16EB8A1C7802}" dt="2020-06-12T10:31:27.764" v="53" actId="255"/>
+          <ac:spMkLst>
+            <pc:docMk/>
+            <pc:sldMk cId="0" sldId="264"/>
+            <ac:spMk id="119" creationId="{00000000-0000-0000-0000-000000000000}"/>
+          </ac:spMkLst>
+        </pc:spChg>
+      </pc:sldChg>
+    </pc:docChg>
+  </pc:docChgLst>
+</pc:chgInfo>
+</file>
+
 <file path=ppt/notesMasters/notesMaster1.xml><?xml version="1.0" encoding="utf-8"?>
-<p:notesMaster xmlns:a="http://schemas.openxmlformats.org/drawingml/2006/main" xmlns:r="http://schemas.openxmlformats.org/officeDocument/2006/relationships" xmlns:mc="http://schemas.openxmlformats.org/markup-compatibility/2006" xmlns:mv="urn:schemas-microsoft-com:mac:vml" xmlns:p="http://schemas.openxmlformats.org/presentationml/2006/main" xmlns:c="http://schemas.openxmlformats.org/drawingml/2006/chart" xmlns:dgm="http://schemas.openxmlformats.org/drawingml/2006/diagram" xmlns:o="urn:schemas-microsoft-com:office:office" xmlns:v="urn:schemas-microsoft-com:vml" xmlns:pvml="urn:schemas-microsoft-com:office:powerpoint" xmlns:com="http://schemas.openxmlformats.org/drawingml/2006/compatibility" xmlns:p14="http://schemas.microsoft.com/office/powerpoint/2010/main" xmlns:p15="http://schemas.microsoft.com/office/powerpoint/2012/main">
+<p:notesMaster xmlns:a="http://schemas.openxmlformats.org/drawingml/2006/main" xmlns:r="http://schemas.openxmlformats.org/officeDocument/2006/relationships" xmlns:p="http://schemas.openxmlformats.org/presentationml/2006/main">
   <p:cSld>
+    <p:bg>
+      <p:bgRef idx="1001">
+        <a:schemeClr val="bg1"/>
+      </p:bgRef>
+    </p:bg>
     <p:spTree>
       <p:nvGrpSpPr>
-        <p:cNvPr id="2" name="Shape 2"/>
+        <p:cNvPr id="1" name="Shape 2"/>
         <p:cNvGrpSpPr/>
         <p:nvPr/>
       </p:nvGrpSpPr>
@@ -306,9 +392,11 @@
       <p:sp>
         <p:nvSpPr>
           <p:cNvPr id="3" name="Google Shape;3;n"/>
-          <p:cNvSpPr/>
+          <p:cNvSpPr>
+            <a:spLocks noGrp="1" noRot="1" noChangeAspect="1"/>
+          </p:cNvSpPr>
           <p:nvPr>
-            <p:ph idx="2" type="sldImg"/>
+            <p:ph type="sldImg" idx="2"/>
           </p:nvPr>
         </p:nvSpPr>
         <p:spPr>
@@ -317,9 +405,13 @@
             <a:ext cx="6096075" cy="3429000"/>
           </a:xfrm>
           <a:custGeom>
-            <a:rect b="b" l="l" r="r" t="t"/>
+            <a:avLst/>
+            <a:gdLst/>
+            <a:ahLst/>
+            <a:cxnLst/>
+            <a:rect l="l" t="t" r="r" b="b"/>
             <a:pathLst>
-              <a:path extrusionOk="0" h="120000" w="120000">
+              <a:path w="120000" h="120000" extrusionOk="0">
                 <a:moveTo>
                   <a:pt x="0" y="0"/>
                 </a:moveTo>
@@ -337,23 +429,25 @@
             </a:pathLst>
           </a:custGeom>
           <a:noFill/>
-          <a:ln cap="flat" cmpd="sng" w="9525">
+          <a:ln w="9525" cap="flat" cmpd="sng">
             <a:solidFill>
               <a:srgbClr val="000000"/>
             </a:solidFill>
             <a:prstDash val="solid"/>
             <a:round/>
-            <a:headEnd len="sm" w="sm" type="none"/>
-            <a:tailEnd len="sm" w="sm" type="none"/>
+            <a:headEnd type="none" w="sm" len="sm"/>
+            <a:tailEnd type="none" w="sm" len="sm"/>
           </a:ln>
         </p:spPr>
       </p:sp>
       <p:sp>
         <p:nvSpPr>
           <p:cNvPr id="4" name="Google Shape;4;n"/>
-          <p:cNvSpPr txBox="1"/>
+          <p:cNvSpPr txBox="1">
+            <a:spLocks noGrp="1"/>
+          </p:cNvSpPr>
           <p:nvPr>
-            <p:ph idx="1" type="body"/>
+            <p:ph type="body" idx="1"/>
           </p:nvPr>
         </p:nvSpPr>
         <p:spPr>
@@ -370,11 +464,11 @@
           </a:ln>
         </p:spPr>
         <p:txBody>
-          <a:bodyPr anchorCtr="0" anchor="t" bIns="91425" lIns="91425" spcFirstLastPara="1" rIns="91425" wrap="square" tIns="91425">
+          <a:bodyPr spcFirstLastPara="1" wrap="square" lIns="91425" tIns="91425" rIns="91425" bIns="91425" anchor="t" anchorCtr="0">
             <a:noAutofit/>
           </a:bodyPr>
           <a:lstStyle>
-            <a:lvl1pPr indent="-298450" lvl="0" marL="457200">
+            <a:lvl1pPr marL="457200" lvl="0" indent="-298450">
               <a:spcBef>
                 <a:spcPts val="0"/>
               </a:spcBef>
@@ -385,7 +479,7 @@
               <a:buChar char="●"/>
               <a:defRPr sz="1100"/>
             </a:lvl1pPr>
-            <a:lvl2pPr indent="-298450" lvl="1" marL="914400">
+            <a:lvl2pPr marL="914400" lvl="1" indent="-298450">
               <a:spcBef>
                 <a:spcPts val="0"/>
               </a:spcBef>
@@ -396,7 +490,7 @@
               <a:buChar char="○"/>
               <a:defRPr sz="1100"/>
             </a:lvl2pPr>
-            <a:lvl3pPr indent="-298450" lvl="2" marL="1371600">
+            <a:lvl3pPr marL="1371600" lvl="2" indent="-298450">
               <a:spcBef>
                 <a:spcPts val="0"/>
               </a:spcBef>
@@ -407,7 +501,7 @@
               <a:buChar char="■"/>
               <a:defRPr sz="1100"/>
             </a:lvl3pPr>
-            <a:lvl4pPr indent="-298450" lvl="3" marL="1828800">
+            <a:lvl4pPr marL="1828800" lvl="3" indent="-298450">
               <a:spcBef>
                 <a:spcPts val="0"/>
               </a:spcBef>
@@ -418,7 +512,7 @@
               <a:buChar char="●"/>
               <a:defRPr sz="1100"/>
             </a:lvl4pPr>
-            <a:lvl5pPr indent="-298450" lvl="4" marL="2286000">
+            <a:lvl5pPr marL="2286000" lvl="4" indent="-298450">
               <a:spcBef>
                 <a:spcPts val="0"/>
               </a:spcBef>
@@ -429,7 +523,7 @@
               <a:buChar char="○"/>
               <a:defRPr sz="1100"/>
             </a:lvl5pPr>
-            <a:lvl6pPr indent="-298450" lvl="5" marL="2743200">
+            <a:lvl6pPr marL="2743200" lvl="5" indent="-298450">
               <a:spcBef>
                 <a:spcPts val="0"/>
               </a:spcBef>
@@ -440,7 +534,7 @@
               <a:buChar char="■"/>
               <a:defRPr sz="1100"/>
             </a:lvl6pPr>
-            <a:lvl7pPr indent="-298450" lvl="6" marL="3200400">
+            <a:lvl7pPr marL="3200400" lvl="6" indent="-298450">
               <a:spcBef>
                 <a:spcPts val="0"/>
               </a:spcBef>
@@ -451,7 +545,7 @@
               <a:buChar char="●"/>
               <a:defRPr sz="1100"/>
             </a:lvl7pPr>
-            <a:lvl8pPr indent="-298450" lvl="7" marL="3657600">
+            <a:lvl8pPr marL="3657600" lvl="7" indent="-298450">
               <a:spcBef>
                 <a:spcPts val="0"/>
               </a:spcBef>
@@ -462,7 +556,7 @@
               <a:buChar char="○"/>
               <a:defRPr sz="1100"/>
             </a:lvl8pPr>
-            <a:lvl9pPr indent="-298450" lvl="8" marL="4114800">
+            <a:lvl9pPr marL="4114800" lvl="8" indent="-298450">
               <a:spcBef>
                 <a:spcPts val="0"/>
               </a:spcBef>
@@ -474,14 +568,16 @@
               <a:defRPr sz="1100"/>
             </a:lvl9pPr>
           </a:lstStyle>
-          <a:p/>
+          <a:p>
+            <a:endParaRPr/>
+          </a:p>
         </p:txBody>
       </p:sp>
     </p:spTree>
   </p:cSld>
-  <p:clrMap accent1="accent1" accent2="accent2" accent3="accent3" accent4="accent4" accent5="accent5" accent6="accent6" bg1="lt1" bg2="dk2" tx1="dk1" tx2="lt2" folHlink="folHlink" hlink="hlink"/>
+  <p:clrMap bg1="lt1" tx1="dk1" bg2="dk2" tx2="lt2" accent1="accent1" accent2="accent2" accent3="accent3" accent4="accent4" accent5="accent5" accent6="accent6" hlink="hlink" folHlink="folHlink"/>
   <p:notesStyle>
-    <a:defPPr lvl="0" marR="0" rtl="0" algn="l">
+    <a:defPPr marR="0" lvl="0" algn="l" rtl="0">
       <a:lnSpc>
         <a:spcPct val="100000"/>
       </a:lnSpc>
@@ -492,7 +588,7 @@
         <a:spcPts val="0"/>
       </a:spcAft>
     </a:defPPr>
-    <a:lvl1pPr lvl="0" marR="0" rtl="0" algn="l">
+    <a:lvl1pPr marR="0" lvl="0" algn="l" rtl="0">
       <a:lnSpc>
         <a:spcPct val="100000"/>
       </a:lnSpc>
@@ -506,7 +602,7 @@
         <a:srgbClr val="000000"/>
       </a:buClr>
       <a:buFont typeface="Arial"/>
-      <a:defRPr b="0" i="0" sz="1400" u="none" cap="none" strike="noStrike">
+      <a:defRPr sz="1400" b="0" i="0" u="none" strike="noStrike" cap="none">
         <a:solidFill>
           <a:srgbClr val="000000"/>
         </a:solidFill>
@@ -516,7 +612,7 @@
         <a:sym typeface="Arial"/>
       </a:defRPr>
     </a:lvl1pPr>
-    <a:lvl2pPr lvl="1" marR="0" rtl="0" algn="l">
+    <a:lvl2pPr marR="0" lvl="1" algn="l" rtl="0">
       <a:lnSpc>
         <a:spcPct val="100000"/>
       </a:lnSpc>
@@ -530,7 +626,7 @@
         <a:srgbClr val="000000"/>
       </a:buClr>
       <a:buFont typeface="Arial"/>
-      <a:defRPr b="0" i="0" sz="1400" u="none" cap="none" strike="noStrike">
+      <a:defRPr sz="1400" b="0" i="0" u="none" strike="noStrike" cap="none">
         <a:solidFill>
           <a:srgbClr val="000000"/>
         </a:solidFill>
@@ -540,7 +636,7 @@
         <a:sym typeface="Arial"/>
       </a:defRPr>
     </a:lvl2pPr>
-    <a:lvl3pPr lvl="2" marR="0" rtl="0" algn="l">
+    <a:lvl3pPr marR="0" lvl="2" algn="l" rtl="0">
       <a:lnSpc>
         <a:spcPct val="100000"/>
       </a:lnSpc>
@@ -554,7 +650,7 @@
         <a:srgbClr val="000000"/>
       </a:buClr>
       <a:buFont typeface="Arial"/>
-      <a:defRPr b="0" i="0" sz="1400" u="none" cap="none" strike="noStrike">
+      <a:defRPr sz="1400" b="0" i="0" u="none" strike="noStrike" cap="none">
         <a:solidFill>
           <a:srgbClr val="000000"/>
         </a:solidFill>
@@ -564,7 +660,7 @@
         <a:sym typeface="Arial"/>
       </a:defRPr>
     </a:lvl3pPr>
-    <a:lvl4pPr lvl="3" marR="0" rtl="0" algn="l">
+    <a:lvl4pPr marR="0" lvl="3" algn="l" rtl="0">
       <a:lnSpc>
         <a:spcPct val="100000"/>
       </a:lnSpc>
@@ -578,7 +674,7 @@
         <a:srgbClr val="000000"/>
       </a:buClr>
       <a:buFont typeface="Arial"/>
-      <a:defRPr b="0" i="0" sz="1400" u="none" cap="none" strike="noStrike">
+      <a:defRPr sz="1400" b="0" i="0" u="none" strike="noStrike" cap="none">
         <a:solidFill>
           <a:srgbClr val="000000"/>
         </a:solidFill>
@@ -588,7 +684,7 @@
         <a:sym typeface="Arial"/>
       </a:defRPr>
     </a:lvl4pPr>
-    <a:lvl5pPr lvl="4" marR="0" rtl="0" algn="l">
+    <a:lvl5pPr marR="0" lvl="4" algn="l" rtl="0">
       <a:lnSpc>
         <a:spcPct val="100000"/>
       </a:lnSpc>
@@ -602,7 +698,7 @@
         <a:srgbClr val="000000"/>
       </a:buClr>
       <a:buFont typeface="Arial"/>
-      <a:defRPr b="0" i="0" sz="1400" u="none" cap="none" strike="noStrike">
+      <a:defRPr sz="1400" b="0" i="0" u="none" strike="noStrike" cap="none">
         <a:solidFill>
           <a:srgbClr val="000000"/>
         </a:solidFill>
@@ -612,7 +708,7 @@
         <a:sym typeface="Arial"/>
       </a:defRPr>
     </a:lvl5pPr>
-    <a:lvl6pPr lvl="5" marR="0" rtl="0" algn="l">
+    <a:lvl6pPr marR="0" lvl="5" algn="l" rtl="0">
       <a:lnSpc>
         <a:spcPct val="100000"/>
       </a:lnSpc>
@@ -626,7 +722,7 @@
         <a:srgbClr val="000000"/>
       </a:buClr>
       <a:buFont typeface="Arial"/>
-      <a:defRPr b="0" i="0" sz="1400" u="none" cap="none" strike="noStrike">
+      <a:defRPr sz="1400" b="0" i="0" u="none" strike="noStrike" cap="none">
         <a:solidFill>
           <a:srgbClr val="000000"/>
         </a:solidFill>
@@ -636,7 +732,7 @@
         <a:sym typeface="Arial"/>
       </a:defRPr>
     </a:lvl6pPr>
-    <a:lvl7pPr lvl="6" marR="0" rtl="0" algn="l">
+    <a:lvl7pPr marR="0" lvl="6" algn="l" rtl="0">
       <a:lnSpc>
         <a:spcPct val="100000"/>
       </a:lnSpc>
@@ -650,7 +746,7 @@
         <a:srgbClr val="000000"/>
       </a:buClr>
       <a:buFont typeface="Arial"/>
-      <a:defRPr b="0" i="0" sz="1400" u="none" cap="none" strike="noStrike">
+      <a:defRPr sz="1400" b="0" i="0" u="none" strike="noStrike" cap="none">
         <a:solidFill>
           <a:srgbClr val="000000"/>
         </a:solidFill>
@@ -660,7 +756,7 @@
         <a:sym typeface="Arial"/>
       </a:defRPr>
     </a:lvl7pPr>
-    <a:lvl8pPr lvl="7" marR="0" rtl="0" algn="l">
+    <a:lvl8pPr marR="0" lvl="7" algn="l" rtl="0">
       <a:lnSpc>
         <a:spcPct val="100000"/>
       </a:lnSpc>
@@ -674,7 +770,7 @@
         <a:srgbClr val="000000"/>
       </a:buClr>
       <a:buFont typeface="Arial"/>
-      <a:defRPr b="0" i="0" sz="1400" u="none" cap="none" strike="noStrike">
+      <a:defRPr sz="1400" b="0" i="0" u="none" strike="noStrike" cap="none">
         <a:solidFill>
           <a:srgbClr val="000000"/>
         </a:solidFill>
@@ -684,7 +780,7 @@
         <a:sym typeface="Arial"/>
       </a:defRPr>
     </a:lvl8pPr>
-    <a:lvl9pPr lvl="8" marR="0" rtl="0" algn="l">
+    <a:lvl9pPr marR="0" lvl="8" algn="l" rtl="0">
       <a:lnSpc>
         <a:spcPct val="100000"/>
       </a:lnSpc>
@@ -698,7 +794,7 @@
         <a:srgbClr val="000000"/>
       </a:buClr>
       <a:buFont typeface="Arial"/>
-      <a:defRPr b="0" i="0" sz="1400" u="none" cap="none" strike="noStrike">
+      <a:defRPr sz="1400" b="0" i="0" u="none" strike="noStrike" cap="none">
         <a:solidFill>
           <a:srgbClr val="000000"/>
         </a:solidFill>
@@ -713,11 +809,11 @@
 </file>
 
 <file path=ppt/notesSlides/notesSlide1.xml><?xml version="1.0" encoding="utf-8"?>
-<p:notes xmlns:a="http://schemas.openxmlformats.org/drawingml/2006/main" xmlns:r="http://schemas.openxmlformats.org/officeDocument/2006/relationships" xmlns:mc="http://schemas.openxmlformats.org/markup-compatibility/2006" xmlns:mv="urn:schemas-microsoft-com:mac:vml" xmlns:p="http://schemas.openxmlformats.org/presentationml/2006/main" xmlns:c="http://schemas.openxmlformats.org/drawingml/2006/chart" xmlns:dgm="http://schemas.openxmlformats.org/drawingml/2006/diagram" xmlns:o="urn:schemas-microsoft-com:office:office" xmlns:v="urn:schemas-microsoft-com:vml" xmlns:pvml="urn:schemas-microsoft-com:office:powerpoint" xmlns:com="http://schemas.openxmlformats.org/drawingml/2006/compatibility" xmlns:p14="http://schemas.microsoft.com/office/powerpoint/2010/main" xmlns:p15="http://schemas.microsoft.com/office/powerpoint/2012/main" showMasterPhAnim="0" showMasterSp="0">
+<p:notes xmlns:a="http://schemas.openxmlformats.org/drawingml/2006/main" xmlns:r="http://schemas.openxmlformats.org/officeDocument/2006/relationships" xmlns:p="http://schemas.openxmlformats.org/presentationml/2006/main" showMasterSp="0" showMasterPhAnim="0">
   <p:cSld>
     <p:spTree>
       <p:nvGrpSpPr>
-        <p:cNvPr id="55" name="Shape 55"/>
+        <p:cNvPr id="1" name="Shape 55"/>
         <p:cNvGrpSpPr/>
         <p:nvPr/>
       </p:nvGrpSpPr>
@@ -732,9 +828,11 @@
       <p:sp>
         <p:nvSpPr>
           <p:cNvPr id="56" name="Google Shape;56;p:notes"/>
-          <p:cNvSpPr/>
+          <p:cNvSpPr>
+            <a:spLocks noGrp="1" noRot="1" noChangeAspect="1"/>
+          </p:cNvSpPr>
           <p:nvPr>
-            <p:ph idx="2" type="sldImg"/>
+            <p:ph type="sldImg" idx="2"/>
           </p:nvPr>
         </p:nvSpPr>
         <p:spPr>
@@ -743,9 +841,13 @@
             <a:ext cx="6096075" cy="3429000"/>
           </a:xfrm>
           <a:custGeom>
-            <a:rect b="b" l="l" r="r" t="t"/>
+            <a:avLst/>
+            <a:gdLst/>
+            <a:ahLst/>
+            <a:cxnLst/>
+            <a:rect l="l" t="t" r="r" b="b"/>
             <a:pathLst>
-              <a:path extrusionOk="0" h="120000" w="120000">
+              <a:path w="120000" h="120000" extrusionOk="0">
                 <a:moveTo>
                   <a:pt x="0" y="0"/>
                 </a:moveTo>
@@ -767,9 +869,11 @@
       <p:sp>
         <p:nvSpPr>
           <p:cNvPr id="57" name="Google Shape;57;p:notes"/>
-          <p:cNvSpPr txBox="1"/>
+          <p:cNvSpPr txBox="1">
+            <a:spLocks noGrp="1"/>
+          </p:cNvSpPr>
           <p:nvPr>
-            <p:ph idx="1" type="body"/>
+            <p:ph type="body" idx="1"/>
           </p:nvPr>
         </p:nvSpPr>
         <p:spPr>
@@ -782,12 +886,12 @@
           </a:prstGeom>
         </p:spPr>
         <p:txBody>
-          <a:bodyPr anchorCtr="0" anchor="t" bIns="91425" lIns="91425" spcFirstLastPara="1" rIns="91425" wrap="square" tIns="91425">
+          <a:bodyPr spcFirstLastPara="1" wrap="square" lIns="91425" tIns="91425" rIns="91425" bIns="91425" anchor="t" anchorCtr="0">
             <a:noAutofit/>
           </a:bodyPr>
           <a:lstStyle/>
           <a:p>
-            <a:pPr indent="0" lvl="0" marL="0" rtl="0" algn="l">
+            <a:pPr marL="0" lvl="0" indent="0" algn="l" rtl="0">
               <a:spcBef>
                 <a:spcPts val="0"/>
               </a:spcBef>
@@ -796,9 +900,6 @@
               </a:spcAft>
               <a:buNone/>
             </a:pPr>
-            <a:r>
-              <a:t/>
-            </a:r>
             <a:endParaRPr/>
           </a:p>
         </p:txBody>
@@ -812,11 +913,843 @@
 </file>
 
 <file path=ppt/notesSlides/notesSlide10.xml><?xml version="1.0" encoding="utf-8"?>
-<p:notes xmlns:a="http://schemas.openxmlformats.org/drawingml/2006/main" xmlns:r="http://schemas.openxmlformats.org/officeDocument/2006/relationships" xmlns:mc="http://schemas.openxmlformats.org/markup-compatibility/2006" xmlns:mv="urn:schemas-microsoft-com:mac:vml" xmlns:p="http://schemas.openxmlformats.org/presentationml/2006/main" xmlns:c="http://schemas.openxmlformats.org/drawingml/2006/chart" xmlns:dgm="http://schemas.openxmlformats.org/drawingml/2006/diagram" xmlns:o="urn:schemas-microsoft-com:office:office" xmlns:v="urn:schemas-microsoft-com:vml" xmlns:pvml="urn:schemas-microsoft-com:office:powerpoint" xmlns:com="http://schemas.openxmlformats.org/drawingml/2006/compatibility" xmlns:p14="http://schemas.microsoft.com/office/powerpoint/2010/main" xmlns:p15="http://schemas.microsoft.com/office/powerpoint/2012/main" showMasterPhAnim="0" showMasterSp="0">
+<p:notes xmlns:a="http://schemas.openxmlformats.org/drawingml/2006/main" xmlns:r="http://schemas.openxmlformats.org/officeDocument/2006/relationships" xmlns:p="http://schemas.openxmlformats.org/presentationml/2006/main" showMasterSp="0" showMasterPhAnim="0">
   <p:cSld>
     <p:spTree>
       <p:nvGrpSpPr>
-        <p:cNvPr id="123" name="Shape 123"/>
+        <p:cNvPr id="1" name="Shape 128"/>
+        <p:cNvGrpSpPr/>
+        <p:nvPr/>
+      </p:nvGrpSpPr>
+      <p:grpSpPr>
+        <a:xfrm>
+          <a:off x="0" y="0"/>
+          <a:ext cx="0" cy="0"/>
+          <a:chOff x="0" y="0"/>
+          <a:chExt cx="0" cy="0"/>
+        </a:xfrm>
+      </p:grpSpPr>
+      <p:sp>
+        <p:nvSpPr>
+          <p:cNvPr id="129" name="Google Shape;129;g88a0626cdf_4_18:notes"/>
+          <p:cNvSpPr>
+            <a:spLocks noGrp="1" noRot="1" noChangeAspect="1"/>
+          </p:cNvSpPr>
+          <p:nvPr>
+            <p:ph type="sldImg" idx="2"/>
+          </p:nvPr>
+        </p:nvSpPr>
+        <p:spPr>
+          <a:xfrm>
+            <a:off x="381300" y="685800"/>
+            <a:ext cx="6096000" cy="3429000"/>
+          </a:xfrm>
+          <a:custGeom>
+            <a:avLst/>
+            <a:gdLst/>
+            <a:ahLst/>
+            <a:cxnLst/>
+            <a:rect l="l" t="t" r="r" b="b"/>
+            <a:pathLst>
+              <a:path w="120000" h="120000" extrusionOk="0">
+                <a:moveTo>
+                  <a:pt x="0" y="0"/>
+                </a:moveTo>
+                <a:lnTo>
+                  <a:pt x="120000" y="0"/>
+                </a:lnTo>
+                <a:lnTo>
+                  <a:pt x="120000" y="120000"/>
+                </a:lnTo>
+                <a:lnTo>
+                  <a:pt x="0" y="120000"/>
+                </a:lnTo>
+                <a:close/>
+              </a:path>
+            </a:pathLst>
+          </a:custGeom>
+        </p:spPr>
+      </p:sp>
+      <p:sp>
+        <p:nvSpPr>
+          <p:cNvPr id="130" name="Google Shape;130;g88a0626cdf_4_18:notes"/>
+          <p:cNvSpPr txBox="1">
+            <a:spLocks noGrp="1"/>
+          </p:cNvSpPr>
+          <p:nvPr>
+            <p:ph type="body" idx="1"/>
+          </p:nvPr>
+        </p:nvSpPr>
+        <p:spPr>
+          <a:xfrm>
+            <a:off x="685800" y="4343400"/>
+            <a:ext cx="5486400" cy="4114800"/>
+          </a:xfrm>
+          <a:prstGeom prst="rect">
+            <a:avLst/>
+          </a:prstGeom>
+        </p:spPr>
+        <p:txBody>
+          <a:bodyPr spcFirstLastPara="1" wrap="square" lIns="91425" tIns="91425" rIns="91425" bIns="91425" anchor="t" anchorCtr="0">
+            <a:noAutofit/>
+          </a:bodyPr>
+          <a:lstStyle/>
+          <a:p>
+            <a:pPr marL="0" lvl="0" indent="0" algn="l" rtl="0">
+              <a:spcBef>
+                <a:spcPts val="0"/>
+              </a:spcBef>
+              <a:spcAft>
+                <a:spcPts val="0"/>
+              </a:spcAft>
+              <a:buNone/>
+            </a:pPr>
+            <a:endParaRPr/>
+          </a:p>
+        </p:txBody>
+      </p:sp>
+    </p:spTree>
+  </p:cSld>
+  <p:clrMapOvr>
+    <a:masterClrMapping/>
+  </p:clrMapOvr>
+</p:notes>
+</file>
+
+<file path=ppt/notesSlides/notesSlide2.xml><?xml version="1.0" encoding="utf-8"?>
+<p:notes xmlns:a="http://schemas.openxmlformats.org/drawingml/2006/main" xmlns:r="http://schemas.openxmlformats.org/officeDocument/2006/relationships" xmlns:p="http://schemas.openxmlformats.org/presentationml/2006/main" showMasterSp="0" showMasterPhAnim="0">
+  <p:cSld>
+    <p:spTree>
+      <p:nvGrpSpPr>
+        <p:cNvPr id="1" name="Shape 61"/>
+        <p:cNvGrpSpPr/>
+        <p:nvPr/>
+      </p:nvGrpSpPr>
+      <p:grpSpPr>
+        <a:xfrm>
+          <a:off x="0" y="0"/>
+          <a:ext cx="0" cy="0"/>
+          <a:chOff x="0" y="0"/>
+          <a:chExt cx="0" cy="0"/>
+        </a:xfrm>
+      </p:grpSpPr>
+      <p:sp>
+        <p:nvSpPr>
+          <p:cNvPr id="62" name="Google Shape;62;g889a5fa201_0_793:notes"/>
+          <p:cNvSpPr>
+            <a:spLocks noGrp="1" noRot="1" noChangeAspect="1"/>
+          </p:cNvSpPr>
+          <p:nvPr>
+            <p:ph type="sldImg" idx="2"/>
+          </p:nvPr>
+        </p:nvSpPr>
+        <p:spPr>
+          <a:xfrm>
+            <a:off x="381300" y="685800"/>
+            <a:ext cx="6096000" cy="3429000"/>
+          </a:xfrm>
+          <a:custGeom>
+            <a:avLst/>
+            <a:gdLst/>
+            <a:ahLst/>
+            <a:cxnLst/>
+            <a:rect l="l" t="t" r="r" b="b"/>
+            <a:pathLst>
+              <a:path w="120000" h="120000" extrusionOk="0">
+                <a:moveTo>
+                  <a:pt x="0" y="0"/>
+                </a:moveTo>
+                <a:lnTo>
+                  <a:pt x="120000" y="0"/>
+                </a:lnTo>
+                <a:lnTo>
+                  <a:pt x="120000" y="120000"/>
+                </a:lnTo>
+                <a:lnTo>
+                  <a:pt x="0" y="120000"/>
+                </a:lnTo>
+                <a:close/>
+              </a:path>
+            </a:pathLst>
+          </a:custGeom>
+        </p:spPr>
+      </p:sp>
+      <p:sp>
+        <p:nvSpPr>
+          <p:cNvPr id="63" name="Google Shape;63;g889a5fa201_0_793:notes"/>
+          <p:cNvSpPr txBox="1">
+            <a:spLocks noGrp="1"/>
+          </p:cNvSpPr>
+          <p:nvPr>
+            <p:ph type="body" idx="1"/>
+          </p:nvPr>
+        </p:nvSpPr>
+        <p:spPr>
+          <a:xfrm>
+            <a:off x="685800" y="4343400"/>
+            <a:ext cx="5486400" cy="4114800"/>
+          </a:xfrm>
+          <a:prstGeom prst="rect">
+            <a:avLst/>
+          </a:prstGeom>
+        </p:spPr>
+        <p:txBody>
+          <a:bodyPr spcFirstLastPara="1" wrap="square" lIns="91425" tIns="91425" rIns="91425" bIns="91425" anchor="t" anchorCtr="0">
+            <a:noAutofit/>
+          </a:bodyPr>
+          <a:lstStyle/>
+          <a:p>
+            <a:pPr marL="0" lvl="0" indent="0" algn="l" rtl="0">
+              <a:spcBef>
+                <a:spcPts val="0"/>
+              </a:spcBef>
+              <a:spcAft>
+                <a:spcPts val="0"/>
+              </a:spcAft>
+              <a:buNone/>
+            </a:pPr>
+            <a:endParaRPr/>
+          </a:p>
+        </p:txBody>
+      </p:sp>
+    </p:spTree>
+  </p:cSld>
+  <p:clrMapOvr>
+    <a:masterClrMapping/>
+  </p:clrMapOvr>
+</p:notes>
+</file>
+
+<file path=ppt/notesSlides/notesSlide3.xml><?xml version="1.0" encoding="utf-8"?>
+<p:notes xmlns:a="http://schemas.openxmlformats.org/drawingml/2006/main" xmlns:r="http://schemas.openxmlformats.org/officeDocument/2006/relationships" xmlns:p="http://schemas.openxmlformats.org/presentationml/2006/main" showMasterSp="0" showMasterPhAnim="0">
+  <p:cSld>
+    <p:spTree>
+      <p:nvGrpSpPr>
+        <p:cNvPr id="1" name="Shape 67"/>
+        <p:cNvGrpSpPr/>
+        <p:nvPr/>
+      </p:nvGrpSpPr>
+      <p:grpSpPr>
+        <a:xfrm>
+          <a:off x="0" y="0"/>
+          <a:ext cx="0" cy="0"/>
+          <a:chOff x="0" y="0"/>
+          <a:chExt cx="0" cy="0"/>
+        </a:xfrm>
+      </p:grpSpPr>
+      <p:sp>
+        <p:nvSpPr>
+          <p:cNvPr id="68" name="Google Shape;68;g88a0626cdf_0_0:notes"/>
+          <p:cNvSpPr>
+            <a:spLocks noGrp="1" noRot="1" noChangeAspect="1"/>
+          </p:cNvSpPr>
+          <p:nvPr>
+            <p:ph type="sldImg" idx="2"/>
+          </p:nvPr>
+        </p:nvSpPr>
+        <p:spPr>
+          <a:xfrm>
+            <a:off x="381300" y="685800"/>
+            <a:ext cx="6096000" cy="3429000"/>
+          </a:xfrm>
+          <a:custGeom>
+            <a:avLst/>
+            <a:gdLst/>
+            <a:ahLst/>
+            <a:cxnLst/>
+            <a:rect l="l" t="t" r="r" b="b"/>
+            <a:pathLst>
+              <a:path w="120000" h="120000" extrusionOk="0">
+                <a:moveTo>
+                  <a:pt x="0" y="0"/>
+                </a:moveTo>
+                <a:lnTo>
+                  <a:pt x="120000" y="0"/>
+                </a:lnTo>
+                <a:lnTo>
+                  <a:pt x="120000" y="120000"/>
+                </a:lnTo>
+                <a:lnTo>
+                  <a:pt x="0" y="120000"/>
+                </a:lnTo>
+                <a:close/>
+              </a:path>
+            </a:pathLst>
+          </a:custGeom>
+        </p:spPr>
+      </p:sp>
+      <p:sp>
+        <p:nvSpPr>
+          <p:cNvPr id="69" name="Google Shape;69;g88a0626cdf_0_0:notes"/>
+          <p:cNvSpPr txBox="1">
+            <a:spLocks noGrp="1"/>
+          </p:cNvSpPr>
+          <p:nvPr>
+            <p:ph type="body" idx="1"/>
+          </p:nvPr>
+        </p:nvSpPr>
+        <p:spPr>
+          <a:xfrm>
+            <a:off x="685800" y="4343400"/>
+            <a:ext cx="5486400" cy="4114800"/>
+          </a:xfrm>
+          <a:prstGeom prst="rect">
+            <a:avLst/>
+          </a:prstGeom>
+        </p:spPr>
+        <p:txBody>
+          <a:bodyPr spcFirstLastPara="1" wrap="square" lIns="91425" tIns="91425" rIns="91425" bIns="91425" anchor="t" anchorCtr="0">
+            <a:noAutofit/>
+          </a:bodyPr>
+          <a:lstStyle/>
+          <a:p>
+            <a:pPr marL="0" lvl="0" indent="0" algn="l" rtl="0">
+              <a:spcBef>
+                <a:spcPts val="0"/>
+              </a:spcBef>
+              <a:spcAft>
+                <a:spcPts val="0"/>
+              </a:spcAft>
+              <a:buNone/>
+            </a:pPr>
+            <a:endParaRPr/>
+          </a:p>
+        </p:txBody>
+      </p:sp>
+    </p:spTree>
+  </p:cSld>
+  <p:clrMapOvr>
+    <a:masterClrMapping/>
+  </p:clrMapOvr>
+</p:notes>
+</file>
+
+<file path=ppt/notesSlides/notesSlide4.xml><?xml version="1.0" encoding="utf-8"?>
+<p:notes xmlns:a="http://schemas.openxmlformats.org/drawingml/2006/main" xmlns:r="http://schemas.openxmlformats.org/officeDocument/2006/relationships" xmlns:p="http://schemas.openxmlformats.org/presentationml/2006/main" showMasterSp="0" showMasterPhAnim="0">
+  <p:cSld>
+    <p:spTree>
+      <p:nvGrpSpPr>
+        <p:cNvPr id="1" name="Shape 73"/>
+        <p:cNvGrpSpPr/>
+        <p:nvPr/>
+      </p:nvGrpSpPr>
+      <p:grpSpPr>
+        <a:xfrm>
+          <a:off x="0" y="0"/>
+          <a:ext cx="0" cy="0"/>
+          <a:chOff x="0" y="0"/>
+          <a:chExt cx="0" cy="0"/>
+        </a:xfrm>
+      </p:grpSpPr>
+      <p:sp>
+        <p:nvSpPr>
+          <p:cNvPr id="74" name="Google Shape;74;g88a0626cdf_1_0:notes"/>
+          <p:cNvSpPr>
+            <a:spLocks noGrp="1" noRot="1" noChangeAspect="1"/>
+          </p:cNvSpPr>
+          <p:nvPr>
+            <p:ph type="sldImg" idx="2"/>
+          </p:nvPr>
+        </p:nvSpPr>
+        <p:spPr>
+          <a:xfrm>
+            <a:off x="381300" y="685800"/>
+            <a:ext cx="6096000" cy="3429000"/>
+          </a:xfrm>
+          <a:custGeom>
+            <a:avLst/>
+            <a:gdLst/>
+            <a:ahLst/>
+            <a:cxnLst/>
+            <a:rect l="l" t="t" r="r" b="b"/>
+            <a:pathLst>
+              <a:path w="120000" h="120000" extrusionOk="0">
+                <a:moveTo>
+                  <a:pt x="0" y="0"/>
+                </a:moveTo>
+                <a:lnTo>
+                  <a:pt x="120000" y="0"/>
+                </a:lnTo>
+                <a:lnTo>
+                  <a:pt x="120000" y="120000"/>
+                </a:lnTo>
+                <a:lnTo>
+                  <a:pt x="0" y="120000"/>
+                </a:lnTo>
+                <a:close/>
+              </a:path>
+            </a:pathLst>
+          </a:custGeom>
+        </p:spPr>
+      </p:sp>
+      <p:sp>
+        <p:nvSpPr>
+          <p:cNvPr id="75" name="Google Shape;75;g88a0626cdf_1_0:notes"/>
+          <p:cNvSpPr txBox="1">
+            <a:spLocks noGrp="1"/>
+          </p:cNvSpPr>
+          <p:nvPr>
+            <p:ph type="body" idx="1"/>
+          </p:nvPr>
+        </p:nvSpPr>
+        <p:spPr>
+          <a:xfrm>
+            <a:off x="685800" y="4343400"/>
+            <a:ext cx="5486400" cy="4114800"/>
+          </a:xfrm>
+          <a:prstGeom prst="rect">
+            <a:avLst/>
+          </a:prstGeom>
+        </p:spPr>
+        <p:txBody>
+          <a:bodyPr spcFirstLastPara="1" wrap="square" lIns="91425" tIns="91425" rIns="91425" bIns="91425" anchor="t" anchorCtr="0">
+            <a:noAutofit/>
+          </a:bodyPr>
+          <a:lstStyle/>
+          <a:p>
+            <a:pPr marL="0" lvl="0" indent="0" algn="l" rtl="0">
+              <a:spcBef>
+                <a:spcPts val="0"/>
+              </a:spcBef>
+              <a:spcAft>
+                <a:spcPts val="0"/>
+              </a:spcAft>
+              <a:buNone/>
+            </a:pPr>
+            <a:endParaRPr/>
+          </a:p>
+        </p:txBody>
+      </p:sp>
+    </p:spTree>
+  </p:cSld>
+  <p:clrMapOvr>
+    <a:masterClrMapping/>
+  </p:clrMapOvr>
+</p:notes>
+</file>
+
+<file path=ppt/notesSlides/notesSlide5.xml><?xml version="1.0" encoding="utf-8"?>
+<p:notes xmlns:a="http://schemas.openxmlformats.org/drawingml/2006/main" xmlns:r="http://schemas.openxmlformats.org/officeDocument/2006/relationships" xmlns:p="http://schemas.openxmlformats.org/presentationml/2006/main" showMasterSp="0" showMasterPhAnim="0">
+  <p:cSld>
+    <p:spTree>
+      <p:nvGrpSpPr>
+        <p:cNvPr id="1" name="Shape 80"/>
+        <p:cNvGrpSpPr/>
+        <p:nvPr/>
+      </p:nvGrpSpPr>
+      <p:grpSpPr>
+        <a:xfrm>
+          <a:off x="0" y="0"/>
+          <a:ext cx="0" cy="0"/>
+          <a:chOff x="0" y="0"/>
+          <a:chExt cx="0" cy="0"/>
+        </a:xfrm>
+      </p:grpSpPr>
+      <p:sp>
+        <p:nvSpPr>
+          <p:cNvPr id="81" name="Google Shape;81;g88a0626cdf_2_91:notes"/>
+          <p:cNvSpPr>
+            <a:spLocks noGrp="1" noRot="1" noChangeAspect="1"/>
+          </p:cNvSpPr>
+          <p:nvPr>
+            <p:ph type="sldImg" idx="2"/>
+          </p:nvPr>
+        </p:nvSpPr>
+        <p:spPr>
+          <a:xfrm>
+            <a:off x="381300" y="685800"/>
+            <a:ext cx="6096000" cy="3429000"/>
+          </a:xfrm>
+          <a:custGeom>
+            <a:avLst/>
+            <a:gdLst/>
+            <a:ahLst/>
+            <a:cxnLst/>
+            <a:rect l="l" t="t" r="r" b="b"/>
+            <a:pathLst>
+              <a:path w="120000" h="120000" extrusionOk="0">
+                <a:moveTo>
+                  <a:pt x="0" y="0"/>
+                </a:moveTo>
+                <a:lnTo>
+                  <a:pt x="120000" y="0"/>
+                </a:lnTo>
+                <a:lnTo>
+                  <a:pt x="120000" y="120000"/>
+                </a:lnTo>
+                <a:lnTo>
+                  <a:pt x="0" y="120000"/>
+                </a:lnTo>
+                <a:close/>
+              </a:path>
+            </a:pathLst>
+          </a:custGeom>
+        </p:spPr>
+      </p:sp>
+      <p:sp>
+        <p:nvSpPr>
+          <p:cNvPr id="82" name="Google Shape;82;g88a0626cdf_2_91:notes"/>
+          <p:cNvSpPr txBox="1">
+            <a:spLocks noGrp="1"/>
+          </p:cNvSpPr>
+          <p:nvPr>
+            <p:ph type="body" idx="1"/>
+          </p:nvPr>
+        </p:nvSpPr>
+        <p:spPr>
+          <a:xfrm>
+            <a:off x="685800" y="4343400"/>
+            <a:ext cx="5486400" cy="4114800"/>
+          </a:xfrm>
+          <a:prstGeom prst="rect">
+            <a:avLst/>
+          </a:prstGeom>
+        </p:spPr>
+        <p:txBody>
+          <a:bodyPr spcFirstLastPara="1" wrap="square" lIns="91425" tIns="91425" rIns="91425" bIns="91425" anchor="t" anchorCtr="0">
+            <a:noAutofit/>
+          </a:bodyPr>
+          <a:lstStyle/>
+          <a:p>
+            <a:pPr marL="0" lvl="0" indent="0" algn="l" rtl="0">
+              <a:spcBef>
+                <a:spcPts val="0"/>
+              </a:spcBef>
+              <a:spcAft>
+                <a:spcPts val="0"/>
+              </a:spcAft>
+              <a:buNone/>
+            </a:pPr>
+            <a:endParaRPr/>
+          </a:p>
+        </p:txBody>
+      </p:sp>
+    </p:spTree>
+  </p:cSld>
+  <p:clrMapOvr>
+    <a:masterClrMapping/>
+  </p:clrMapOvr>
+</p:notes>
+</file>
+
+<file path=ppt/notesSlides/notesSlide6.xml><?xml version="1.0" encoding="utf-8"?>
+<p:notes xmlns:a="http://schemas.openxmlformats.org/drawingml/2006/main" xmlns:r="http://schemas.openxmlformats.org/officeDocument/2006/relationships" xmlns:p="http://schemas.openxmlformats.org/presentationml/2006/main" showMasterSp="0" showMasterPhAnim="0">
+  <p:cSld>
+    <p:spTree>
+      <p:nvGrpSpPr>
+        <p:cNvPr id="1" name="Shape 89"/>
+        <p:cNvGrpSpPr/>
+        <p:nvPr/>
+      </p:nvGrpSpPr>
+      <p:grpSpPr>
+        <a:xfrm>
+          <a:off x="0" y="0"/>
+          <a:ext cx="0" cy="0"/>
+          <a:chOff x="0" y="0"/>
+          <a:chExt cx="0" cy="0"/>
+        </a:xfrm>
+      </p:grpSpPr>
+      <p:sp>
+        <p:nvSpPr>
+          <p:cNvPr id="90" name="Google Shape;90;g88a0626cdf_2_101:notes"/>
+          <p:cNvSpPr>
+            <a:spLocks noGrp="1" noRot="1" noChangeAspect="1"/>
+          </p:cNvSpPr>
+          <p:nvPr>
+            <p:ph type="sldImg" idx="2"/>
+          </p:nvPr>
+        </p:nvSpPr>
+        <p:spPr>
+          <a:xfrm>
+            <a:off x="381300" y="685800"/>
+            <a:ext cx="6096000" cy="3429000"/>
+          </a:xfrm>
+          <a:custGeom>
+            <a:avLst/>
+            <a:gdLst/>
+            <a:ahLst/>
+            <a:cxnLst/>
+            <a:rect l="l" t="t" r="r" b="b"/>
+            <a:pathLst>
+              <a:path w="120000" h="120000" extrusionOk="0">
+                <a:moveTo>
+                  <a:pt x="0" y="0"/>
+                </a:moveTo>
+                <a:lnTo>
+                  <a:pt x="120000" y="0"/>
+                </a:lnTo>
+                <a:lnTo>
+                  <a:pt x="120000" y="120000"/>
+                </a:lnTo>
+                <a:lnTo>
+                  <a:pt x="0" y="120000"/>
+                </a:lnTo>
+                <a:close/>
+              </a:path>
+            </a:pathLst>
+          </a:custGeom>
+        </p:spPr>
+      </p:sp>
+      <p:sp>
+        <p:nvSpPr>
+          <p:cNvPr id="91" name="Google Shape;91;g88a0626cdf_2_101:notes"/>
+          <p:cNvSpPr txBox="1">
+            <a:spLocks noGrp="1"/>
+          </p:cNvSpPr>
+          <p:nvPr>
+            <p:ph type="body" idx="1"/>
+          </p:nvPr>
+        </p:nvSpPr>
+        <p:spPr>
+          <a:xfrm>
+            <a:off x="685800" y="4343400"/>
+            <a:ext cx="5486400" cy="4114800"/>
+          </a:xfrm>
+          <a:prstGeom prst="rect">
+            <a:avLst/>
+          </a:prstGeom>
+        </p:spPr>
+        <p:txBody>
+          <a:bodyPr spcFirstLastPara="1" wrap="square" lIns="91425" tIns="91425" rIns="91425" bIns="91425" anchor="t" anchorCtr="0">
+            <a:noAutofit/>
+          </a:bodyPr>
+          <a:lstStyle/>
+          <a:p>
+            <a:pPr marL="0" lvl="0" indent="0" algn="l" rtl="0">
+              <a:spcBef>
+                <a:spcPts val="0"/>
+              </a:spcBef>
+              <a:spcAft>
+                <a:spcPts val="0"/>
+              </a:spcAft>
+              <a:buNone/>
+            </a:pPr>
+            <a:endParaRPr/>
+          </a:p>
+        </p:txBody>
+      </p:sp>
+    </p:spTree>
+  </p:cSld>
+  <p:clrMapOvr>
+    <a:masterClrMapping/>
+  </p:clrMapOvr>
+</p:notes>
+</file>
+
+<file path=ppt/notesSlides/notesSlide7.xml><?xml version="1.0" encoding="utf-8"?>
+<p:notes xmlns:a="http://schemas.openxmlformats.org/drawingml/2006/main" xmlns:r="http://schemas.openxmlformats.org/officeDocument/2006/relationships" xmlns:p="http://schemas.openxmlformats.org/presentationml/2006/main" showMasterSp="0" showMasterPhAnim="0">
+  <p:cSld>
+    <p:spTree>
+      <p:nvGrpSpPr>
+        <p:cNvPr id="1" name="Shape 97"/>
+        <p:cNvGrpSpPr/>
+        <p:nvPr/>
+      </p:nvGrpSpPr>
+      <p:grpSpPr>
+        <a:xfrm>
+          <a:off x="0" y="0"/>
+          <a:ext cx="0" cy="0"/>
+          <a:chOff x="0" y="0"/>
+          <a:chExt cx="0" cy="0"/>
+        </a:xfrm>
+      </p:grpSpPr>
+      <p:sp>
+        <p:nvSpPr>
+          <p:cNvPr id="98" name="Google Shape;98;g88a0626cdf_2_96:notes"/>
+          <p:cNvSpPr>
+            <a:spLocks noGrp="1" noRot="1" noChangeAspect="1"/>
+          </p:cNvSpPr>
+          <p:nvPr>
+            <p:ph type="sldImg" idx="2"/>
+          </p:nvPr>
+        </p:nvSpPr>
+        <p:spPr>
+          <a:xfrm>
+            <a:off x="381300" y="685800"/>
+            <a:ext cx="6096000" cy="3429000"/>
+          </a:xfrm>
+          <a:custGeom>
+            <a:avLst/>
+            <a:gdLst/>
+            <a:ahLst/>
+            <a:cxnLst/>
+            <a:rect l="l" t="t" r="r" b="b"/>
+            <a:pathLst>
+              <a:path w="120000" h="120000" extrusionOk="0">
+                <a:moveTo>
+                  <a:pt x="0" y="0"/>
+                </a:moveTo>
+                <a:lnTo>
+                  <a:pt x="120000" y="0"/>
+                </a:lnTo>
+                <a:lnTo>
+                  <a:pt x="120000" y="120000"/>
+                </a:lnTo>
+                <a:lnTo>
+                  <a:pt x="0" y="120000"/>
+                </a:lnTo>
+                <a:close/>
+              </a:path>
+            </a:pathLst>
+          </a:custGeom>
+        </p:spPr>
+      </p:sp>
+      <p:sp>
+        <p:nvSpPr>
+          <p:cNvPr id="99" name="Google Shape;99;g88a0626cdf_2_96:notes"/>
+          <p:cNvSpPr txBox="1">
+            <a:spLocks noGrp="1"/>
+          </p:cNvSpPr>
+          <p:nvPr>
+            <p:ph type="body" idx="1"/>
+          </p:nvPr>
+        </p:nvSpPr>
+        <p:spPr>
+          <a:xfrm>
+            <a:off x="685800" y="4343400"/>
+            <a:ext cx="5486400" cy="4114800"/>
+          </a:xfrm>
+          <a:prstGeom prst="rect">
+            <a:avLst/>
+          </a:prstGeom>
+        </p:spPr>
+        <p:txBody>
+          <a:bodyPr spcFirstLastPara="1" wrap="square" lIns="91425" tIns="91425" rIns="91425" bIns="91425" anchor="t" anchorCtr="0">
+            <a:noAutofit/>
+          </a:bodyPr>
+          <a:lstStyle/>
+          <a:p>
+            <a:pPr marL="0" lvl="0" indent="0" algn="l" rtl="0">
+              <a:spcBef>
+                <a:spcPts val="0"/>
+              </a:spcBef>
+              <a:spcAft>
+                <a:spcPts val="0"/>
+              </a:spcAft>
+              <a:buNone/>
+            </a:pPr>
+            <a:endParaRPr/>
+          </a:p>
+        </p:txBody>
+      </p:sp>
+    </p:spTree>
+  </p:cSld>
+  <p:clrMapOvr>
+    <a:masterClrMapping/>
+  </p:clrMapOvr>
+</p:notes>
+</file>
+
+<file path=ppt/notesSlides/notesSlide8.xml><?xml version="1.0" encoding="utf-8"?>
+<p:notes xmlns:a="http://schemas.openxmlformats.org/drawingml/2006/main" xmlns:r="http://schemas.openxmlformats.org/officeDocument/2006/relationships" xmlns:p="http://schemas.openxmlformats.org/presentationml/2006/main" showMasterSp="0" showMasterPhAnim="0">
+  <p:cSld>
+    <p:spTree>
+      <p:nvGrpSpPr>
+        <p:cNvPr id="1" name="Shape 115"/>
+        <p:cNvGrpSpPr/>
+        <p:nvPr/>
+      </p:nvGrpSpPr>
+      <p:grpSpPr>
+        <a:xfrm>
+          <a:off x="0" y="0"/>
+          <a:ext cx="0" cy="0"/>
+          <a:chOff x="0" y="0"/>
+          <a:chExt cx="0" cy="0"/>
+        </a:xfrm>
+      </p:grpSpPr>
+      <p:sp>
+        <p:nvSpPr>
+          <p:cNvPr id="116" name="Google Shape;116;g88a0626cdf_4_6:notes"/>
+          <p:cNvSpPr>
+            <a:spLocks noGrp="1" noRot="1" noChangeAspect="1"/>
+          </p:cNvSpPr>
+          <p:nvPr>
+            <p:ph type="sldImg" idx="2"/>
+          </p:nvPr>
+        </p:nvSpPr>
+        <p:spPr>
+          <a:xfrm>
+            <a:off x="381000" y="685800"/>
+            <a:ext cx="6096000" cy="3429000"/>
+          </a:xfrm>
+          <a:custGeom>
+            <a:avLst/>
+            <a:gdLst/>
+            <a:ahLst/>
+            <a:cxnLst/>
+            <a:rect l="l" t="t" r="r" b="b"/>
+            <a:pathLst>
+              <a:path w="120000" h="120000" extrusionOk="0">
+                <a:moveTo>
+                  <a:pt x="0" y="0"/>
+                </a:moveTo>
+                <a:lnTo>
+                  <a:pt x="120000" y="0"/>
+                </a:lnTo>
+                <a:lnTo>
+                  <a:pt x="120000" y="120000"/>
+                </a:lnTo>
+                <a:lnTo>
+                  <a:pt x="0" y="120000"/>
+                </a:lnTo>
+                <a:close/>
+              </a:path>
+            </a:pathLst>
+          </a:custGeom>
+        </p:spPr>
+      </p:sp>
+      <p:sp>
+        <p:nvSpPr>
+          <p:cNvPr id="117" name="Google Shape;117;g88a0626cdf_4_6:notes"/>
+          <p:cNvSpPr txBox="1">
+            <a:spLocks noGrp="1"/>
+          </p:cNvSpPr>
+          <p:nvPr>
+            <p:ph type="body" idx="1"/>
+          </p:nvPr>
+        </p:nvSpPr>
+        <p:spPr>
+          <a:xfrm>
+            <a:off x="685800" y="4343400"/>
+            <a:ext cx="5486400" cy="4114800"/>
+          </a:xfrm>
+          <a:prstGeom prst="rect">
+            <a:avLst/>
+          </a:prstGeom>
+        </p:spPr>
+        <p:txBody>
+          <a:bodyPr spcFirstLastPara="1" wrap="square" lIns="91425" tIns="91425" rIns="91425" bIns="91425" anchor="t" anchorCtr="0">
+            <a:noAutofit/>
+          </a:bodyPr>
+          <a:lstStyle/>
+          <a:p>
+            <a:pPr marL="0" lvl="0" indent="0" algn="l" rtl="0">
+              <a:spcBef>
+                <a:spcPts val="0"/>
+              </a:spcBef>
+              <a:spcAft>
+                <a:spcPts val="0"/>
+              </a:spcAft>
+              <a:buNone/>
+            </a:pPr>
+            <a:endParaRPr/>
+          </a:p>
+        </p:txBody>
+      </p:sp>
+    </p:spTree>
+  </p:cSld>
+  <p:clrMapOvr>
+    <a:masterClrMapping/>
+  </p:clrMapOvr>
+</p:notes>
+</file>
+
+<file path=ppt/notesSlides/notesSlide9.xml><?xml version="1.0" encoding="utf-8"?>
+<p:notes xmlns:a="http://schemas.openxmlformats.org/drawingml/2006/main" xmlns:r="http://schemas.openxmlformats.org/officeDocument/2006/relationships" xmlns:p="http://schemas.openxmlformats.org/presentationml/2006/main" showMasterSp="0" showMasterPhAnim="0">
+  <p:cSld>
+    <p:spTree>
+      <p:nvGrpSpPr>
+        <p:cNvPr id="1" name="Shape 123"/>
         <p:cNvGrpSpPr/>
         <p:nvPr/>
       </p:nvGrpSpPr>
@@ -831,9 +1764,11 @@
       <p:sp>
         <p:nvSpPr>
           <p:cNvPr id="124" name="Google Shape;124;g88a0626cdf_1_527:notes"/>
-          <p:cNvSpPr/>
+          <p:cNvSpPr>
+            <a:spLocks noGrp="1" noRot="1" noChangeAspect="1"/>
+          </p:cNvSpPr>
           <p:nvPr>
-            <p:ph idx="2" type="sldImg"/>
+            <p:ph type="sldImg" idx="2"/>
           </p:nvPr>
         </p:nvSpPr>
         <p:spPr>
@@ -842,9 +1777,13 @@
             <a:ext cx="6096000" cy="3429000"/>
           </a:xfrm>
           <a:custGeom>
-            <a:rect b="b" l="l" r="r" t="t"/>
+            <a:avLst/>
+            <a:gdLst/>
+            <a:ahLst/>
+            <a:cxnLst/>
+            <a:rect l="l" t="t" r="r" b="b"/>
             <a:pathLst>
-              <a:path extrusionOk="0" h="120000" w="120000">
+              <a:path w="120000" h="120000" extrusionOk="0">
                 <a:moveTo>
                   <a:pt x="0" y="0"/>
                 </a:moveTo>
@@ -866,9 +1805,11 @@
       <p:sp>
         <p:nvSpPr>
           <p:cNvPr id="125" name="Google Shape;125;g88a0626cdf_1_527:notes"/>
-          <p:cNvSpPr txBox="1"/>
+          <p:cNvSpPr txBox="1">
+            <a:spLocks noGrp="1"/>
+          </p:cNvSpPr>
           <p:nvPr>
-            <p:ph idx="1" type="body"/>
+            <p:ph type="body" idx="1"/>
           </p:nvPr>
         </p:nvSpPr>
         <p:spPr>
@@ -881,12 +1822,12 @@
           </a:prstGeom>
         </p:spPr>
         <p:txBody>
-          <a:bodyPr anchorCtr="0" anchor="t" bIns="91425" lIns="91425" spcFirstLastPara="1" rIns="91425" wrap="square" tIns="91425">
+          <a:bodyPr spcFirstLastPara="1" wrap="square" lIns="91425" tIns="91425" rIns="91425" bIns="91425" anchor="t" anchorCtr="0">
             <a:noAutofit/>
           </a:bodyPr>
           <a:lstStyle/>
           <a:p>
-            <a:pPr indent="0" lvl="0" marL="0" rtl="0" algn="l">
+            <a:pPr marL="0" lvl="0" indent="0" algn="l" rtl="0">
               <a:spcBef>
                 <a:spcPts val="0"/>
               </a:spcBef>
@@ -895,900 +1836,6 @@
               </a:spcAft>
               <a:buNone/>
             </a:pPr>
-            <a:r>
-              <a:t/>
-            </a:r>
-            <a:endParaRPr/>
-          </a:p>
-        </p:txBody>
-      </p:sp>
-    </p:spTree>
-  </p:cSld>
-  <p:clrMapOvr>
-    <a:masterClrMapping/>
-  </p:clrMapOvr>
-</p:notes>
-</file>
-
-<file path=ppt/notesSlides/notesSlide11.xml><?xml version="1.0" encoding="utf-8"?>
-<p:notes xmlns:a="http://schemas.openxmlformats.org/drawingml/2006/main" xmlns:r="http://schemas.openxmlformats.org/officeDocument/2006/relationships" xmlns:mc="http://schemas.openxmlformats.org/markup-compatibility/2006" xmlns:mv="urn:schemas-microsoft-com:mac:vml" xmlns:p="http://schemas.openxmlformats.org/presentationml/2006/main" xmlns:c="http://schemas.openxmlformats.org/drawingml/2006/chart" xmlns:dgm="http://schemas.openxmlformats.org/drawingml/2006/diagram" xmlns:o="urn:schemas-microsoft-com:office:office" xmlns:v="urn:schemas-microsoft-com:vml" xmlns:pvml="urn:schemas-microsoft-com:office:powerpoint" xmlns:com="http://schemas.openxmlformats.org/drawingml/2006/compatibility" xmlns:p14="http://schemas.microsoft.com/office/powerpoint/2010/main" xmlns:p15="http://schemas.microsoft.com/office/powerpoint/2012/main" showMasterPhAnim="0" showMasterSp="0">
-  <p:cSld>
-    <p:spTree>
-      <p:nvGrpSpPr>
-        <p:cNvPr id="128" name="Shape 128"/>
-        <p:cNvGrpSpPr/>
-        <p:nvPr/>
-      </p:nvGrpSpPr>
-      <p:grpSpPr>
-        <a:xfrm>
-          <a:off x="0" y="0"/>
-          <a:ext cx="0" cy="0"/>
-          <a:chOff x="0" y="0"/>
-          <a:chExt cx="0" cy="0"/>
-        </a:xfrm>
-      </p:grpSpPr>
-      <p:sp>
-        <p:nvSpPr>
-          <p:cNvPr id="129" name="Google Shape;129;g88a0626cdf_4_18:notes"/>
-          <p:cNvSpPr/>
-          <p:nvPr>
-            <p:ph idx="2" type="sldImg"/>
-          </p:nvPr>
-        </p:nvSpPr>
-        <p:spPr>
-          <a:xfrm>
-            <a:off x="381300" y="685800"/>
-            <a:ext cx="6096000" cy="3429000"/>
-          </a:xfrm>
-          <a:custGeom>
-            <a:rect b="b" l="l" r="r" t="t"/>
-            <a:pathLst>
-              <a:path extrusionOk="0" h="120000" w="120000">
-                <a:moveTo>
-                  <a:pt x="0" y="0"/>
-                </a:moveTo>
-                <a:lnTo>
-                  <a:pt x="120000" y="0"/>
-                </a:lnTo>
-                <a:lnTo>
-                  <a:pt x="120000" y="120000"/>
-                </a:lnTo>
-                <a:lnTo>
-                  <a:pt x="0" y="120000"/>
-                </a:lnTo>
-                <a:close/>
-              </a:path>
-            </a:pathLst>
-          </a:custGeom>
-        </p:spPr>
-      </p:sp>
-      <p:sp>
-        <p:nvSpPr>
-          <p:cNvPr id="130" name="Google Shape;130;g88a0626cdf_4_18:notes"/>
-          <p:cNvSpPr txBox="1"/>
-          <p:nvPr>
-            <p:ph idx="1" type="body"/>
-          </p:nvPr>
-        </p:nvSpPr>
-        <p:spPr>
-          <a:xfrm>
-            <a:off x="685800" y="4343400"/>
-            <a:ext cx="5486400" cy="4114800"/>
-          </a:xfrm>
-          <a:prstGeom prst="rect">
-            <a:avLst/>
-          </a:prstGeom>
-        </p:spPr>
-        <p:txBody>
-          <a:bodyPr anchorCtr="0" anchor="t" bIns="91425" lIns="91425" spcFirstLastPara="1" rIns="91425" wrap="square" tIns="91425">
-            <a:noAutofit/>
-          </a:bodyPr>
-          <a:lstStyle/>
-          <a:p>
-            <a:pPr indent="0" lvl="0" marL="0" rtl="0" algn="l">
-              <a:spcBef>
-                <a:spcPts val="0"/>
-              </a:spcBef>
-              <a:spcAft>
-                <a:spcPts val="0"/>
-              </a:spcAft>
-              <a:buNone/>
-            </a:pPr>
-            <a:r>
-              <a:t/>
-            </a:r>
-            <a:endParaRPr/>
-          </a:p>
-        </p:txBody>
-      </p:sp>
-    </p:spTree>
-  </p:cSld>
-  <p:clrMapOvr>
-    <a:masterClrMapping/>
-  </p:clrMapOvr>
-</p:notes>
-</file>
-
-<file path=ppt/notesSlides/notesSlide2.xml><?xml version="1.0" encoding="utf-8"?>
-<p:notes xmlns:a="http://schemas.openxmlformats.org/drawingml/2006/main" xmlns:r="http://schemas.openxmlformats.org/officeDocument/2006/relationships" xmlns:mc="http://schemas.openxmlformats.org/markup-compatibility/2006" xmlns:mv="urn:schemas-microsoft-com:mac:vml" xmlns:p="http://schemas.openxmlformats.org/presentationml/2006/main" xmlns:c="http://schemas.openxmlformats.org/drawingml/2006/chart" xmlns:dgm="http://schemas.openxmlformats.org/drawingml/2006/diagram" xmlns:o="urn:schemas-microsoft-com:office:office" xmlns:v="urn:schemas-microsoft-com:vml" xmlns:pvml="urn:schemas-microsoft-com:office:powerpoint" xmlns:com="http://schemas.openxmlformats.org/drawingml/2006/compatibility" xmlns:p14="http://schemas.microsoft.com/office/powerpoint/2010/main" xmlns:p15="http://schemas.microsoft.com/office/powerpoint/2012/main" showMasterPhAnim="0" showMasterSp="0">
-  <p:cSld>
-    <p:spTree>
-      <p:nvGrpSpPr>
-        <p:cNvPr id="61" name="Shape 61"/>
-        <p:cNvGrpSpPr/>
-        <p:nvPr/>
-      </p:nvGrpSpPr>
-      <p:grpSpPr>
-        <a:xfrm>
-          <a:off x="0" y="0"/>
-          <a:ext cx="0" cy="0"/>
-          <a:chOff x="0" y="0"/>
-          <a:chExt cx="0" cy="0"/>
-        </a:xfrm>
-      </p:grpSpPr>
-      <p:sp>
-        <p:nvSpPr>
-          <p:cNvPr id="62" name="Google Shape;62;g889a5fa201_0_793:notes"/>
-          <p:cNvSpPr/>
-          <p:nvPr>
-            <p:ph idx="2" type="sldImg"/>
-          </p:nvPr>
-        </p:nvSpPr>
-        <p:spPr>
-          <a:xfrm>
-            <a:off x="381300" y="685800"/>
-            <a:ext cx="6096000" cy="3429000"/>
-          </a:xfrm>
-          <a:custGeom>
-            <a:rect b="b" l="l" r="r" t="t"/>
-            <a:pathLst>
-              <a:path extrusionOk="0" h="120000" w="120000">
-                <a:moveTo>
-                  <a:pt x="0" y="0"/>
-                </a:moveTo>
-                <a:lnTo>
-                  <a:pt x="120000" y="0"/>
-                </a:lnTo>
-                <a:lnTo>
-                  <a:pt x="120000" y="120000"/>
-                </a:lnTo>
-                <a:lnTo>
-                  <a:pt x="0" y="120000"/>
-                </a:lnTo>
-                <a:close/>
-              </a:path>
-            </a:pathLst>
-          </a:custGeom>
-        </p:spPr>
-      </p:sp>
-      <p:sp>
-        <p:nvSpPr>
-          <p:cNvPr id="63" name="Google Shape;63;g889a5fa201_0_793:notes"/>
-          <p:cNvSpPr txBox="1"/>
-          <p:nvPr>
-            <p:ph idx="1" type="body"/>
-          </p:nvPr>
-        </p:nvSpPr>
-        <p:spPr>
-          <a:xfrm>
-            <a:off x="685800" y="4343400"/>
-            <a:ext cx="5486400" cy="4114800"/>
-          </a:xfrm>
-          <a:prstGeom prst="rect">
-            <a:avLst/>
-          </a:prstGeom>
-        </p:spPr>
-        <p:txBody>
-          <a:bodyPr anchorCtr="0" anchor="t" bIns="91425" lIns="91425" spcFirstLastPara="1" rIns="91425" wrap="square" tIns="91425">
-            <a:noAutofit/>
-          </a:bodyPr>
-          <a:lstStyle/>
-          <a:p>
-            <a:pPr indent="0" lvl="0" marL="0" rtl="0" algn="l">
-              <a:spcBef>
-                <a:spcPts val="0"/>
-              </a:spcBef>
-              <a:spcAft>
-                <a:spcPts val="0"/>
-              </a:spcAft>
-              <a:buNone/>
-            </a:pPr>
-            <a:r>
-              <a:t/>
-            </a:r>
-            <a:endParaRPr/>
-          </a:p>
-        </p:txBody>
-      </p:sp>
-    </p:spTree>
-  </p:cSld>
-  <p:clrMapOvr>
-    <a:masterClrMapping/>
-  </p:clrMapOvr>
-</p:notes>
-</file>
-
-<file path=ppt/notesSlides/notesSlide3.xml><?xml version="1.0" encoding="utf-8"?>
-<p:notes xmlns:a="http://schemas.openxmlformats.org/drawingml/2006/main" xmlns:r="http://schemas.openxmlformats.org/officeDocument/2006/relationships" xmlns:mc="http://schemas.openxmlformats.org/markup-compatibility/2006" xmlns:mv="urn:schemas-microsoft-com:mac:vml" xmlns:p="http://schemas.openxmlformats.org/presentationml/2006/main" xmlns:c="http://schemas.openxmlformats.org/drawingml/2006/chart" xmlns:dgm="http://schemas.openxmlformats.org/drawingml/2006/diagram" xmlns:o="urn:schemas-microsoft-com:office:office" xmlns:v="urn:schemas-microsoft-com:vml" xmlns:pvml="urn:schemas-microsoft-com:office:powerpoint" xmlns:com="http://schemas.openxmlformats.org/drawingml/2006/compatibility" xmlns:p14="http://schemas.microsoft.com/office/powerpoint/2010/main" xmlns:p15="http://schemas.microsoft.com/office/powerpoint/2012/main" showMasterPhAnim="0" showMasterSp="0">
-  <p:cSld>
-    <p:spTree>
-      <p:nvGrpSpPr>
-        <p:cNvPr id="67" name="Shape 67"/>
-        <p:cNvGrpSpPr/>
-        <p:nvPr/>
-      </p:nvGrpSpPr>
-      <p:grpSpPr>
-        <a:xfrm>
-          <a:off x="0" y="0"/>
-          <a:ext cx="0" cy="0"/>
-          <a:chOff x="0" y="0"/>
-          <a:chExt cx="0" cy="0"/>
-        </a:xfrm>
-      </p:grpSpPr>
-      <p:sp>
-        <p:nvSpPr>
-          <p:cNvPr id="68" name="Google Shape;68;g88a0626cdf_0_0:notes"/>
-          <p:cNvSpPr/>
-          <p:nvPr>
-            <p:ph idx="2" type="sldImg"/>
-          </p:nvPr>
-        </p:nvSpPr>
-        <p:spPr>
-          <a:xfrm>
-            <a:off x="381300" y="685800"/>
-            <a:ext cx="6096000" cy="3429000"/>
-          </a:xfrm>
-          <a:custGeom>
-            <a:rect b="b" l="l" r="r" t="t"/>
-            <a:pathLst>
-              <a:path extrusionOk="0" h="120000" w="120000">
-                <a:moveTo>
-                  <a:pt x="0" y="0"/>
-                </a:moveTo>
-                <a:lnTo>
-                  <a:pt x="120000" y="0"/>
-                </a:lnTo>
-                <a:lnTo>
-                  <a:pt x="120000" y="120000"/>
-                </a:lnTo>
-                <a:lnTo>
-                  <a:pt x="0" y="120000"/>
-                </a:lnTo>
-                <a:close/>
-              </a:path>
-            </a:pathLst>
-          </a:custGeom>
-        </p:spPr>
-      </p:sp>
-      <p:sp>
-        <p:nvSpPr>
-          <p:cNvPr id="69" name="Google Shape;69;g88a0626cdf_0_0:notes"/>
-          <p:cNvSpPr txBox="1"/>
-          <p:nvPr>
-            <p:ph idx="1" type="body"/>
-          </p:nvPr>
-        </p:nvSpPr>
-        <p:spPr>
-          <a:xfrm>
-            <a:off x="685800" y="4343400"/>
-            <a:ext cx="5486400" cy="4114800"/>
-          </a:xfrm>
-          <a:prstGeom prst="rect">
-            <a:avLst/>
-          </a:prstGeom>
-        </p:spPr>
-        <p:txBody>
-          <a:bodyPr anchorCtr="0" anchor="t" bIns="91425" lIns="91425" spcFirstLastPara="1" rIns="91425" wrap="square" tIns="91425">
-            <a:noAutofit/>
-          </a:bodyPr>
-          <a:lstStyle/>
-          <a:p>
-            <a:pPr indent="0" lvl="0" marL="0" rtl="0" algn="l">
-              <a:spcBef>
-                <a:spcPts val="0"/>
-              </a:spcBef>
-              <a:spcAft>
-                <a:spcPts val="0"/>
-              </a:spcAft>
-              <a:buNone/>
-            </a:pPr>
-            <a:r>
-              <a:t/>
-            </a:r>
-            <a:endParaRPr/>
-          </a:p>
-        </p:txBody>
-      </p:sp>
-    </p:spTree>
-  </p:cSld>
-  <p:clrMapOvr>
-    <a:masterClrMapping/>
-  </p:clrMapOvr>
-</p:notes>
-</file>
-
-<file path=ppt/notesSlides/notesSlide4.xml><?xml version="1.0" encoding="utf-8"?>
-<p:notes xmlns:a="http://schemas.openxmlformats.org/drawingml/2006/main" xmlns:r="http://schemas.openxmlformats.org/officeDocument/2006/relationships" xmlns:mc="http://schemas.openxmlformats.org/markup-compatibility/2006" xmlns:mv="urn:schemas-microsoft-com:mac:vml" xmlns:p="http://schemas.openxmlformats.org/presentationml/2006/main" xmlns:c="http://schemas.openxmlformats.org/drawingml/2006/chart" xmlns:dgm="http://schemas.openxmlformats.org/drawingml/2006/diagram" xmlns:o="urn:schemas-microsoft-com:office:office" xmlns:v="urn:schemas-microsoft-com:vml" xmlns:pvml="urn:schemas-microsoft-com:office:powerpoint" xmlns:com="http://schemas.openxmlformats.org/drawingml/2006/compatibility" xmlns:p14="http://schemas.microsoft.com/office/powerpoint/2010/main" xmlns:p15="http://schemas.microsoft.com/office/powerpoint/2012/main" showMasterPhAnim="0" showMasterSp="0">
-  <p:cSld>
-    <p:spTree>
-      <p:nvGrpSpPr>
-        <p:cNvPr id="73" name="Shape 73"/>
-        <p:cNvGrpSpPr/>
-        <p:nvPr/>
-      </p:nvGrpSpPr>
-      <p:grpSpPr>
-        <a:xfrm>
-          <a:off x="0" y="0"/>
-          <a:ext cx="0" cy="0"/>
-          <a:chOff x="0" y="0"/>
-          <a:chExt cx="0" cy="0"/>
-        </a:xfrm>
-      </p:grpSpPr>
-      <p:sp>
-        <p:nvSpPr>
-          <p:cNvPr id="74" name="Google Shape;74;g88a0626cdf_1_0:notes"/>
-          <p:cNvSpPr/>
-          <p:nvPr>
-            <p:ph idx="2" type="sldImg"/>
-          </p:nvPr>
-        </p:nvSpPr>
-        <p:spPr>
-          <a:xfrm>
-            <a:off x="381300" y="685800"/>
-            <a:ext cx="6096000" cy="3429000"/>
-          </a:xfrm>
-          <a:custGeom>
-            <a:rect b="b" l="l" r="r" t="t"/>
-            <a:pathLst>
-              <a:path extrusionOk="0" h="120000" w="120000">
-                <a:moveTo>
-                  <a:pt x="0" y="0"/>
-                </a:moveTo>
-                <a:lnTo>
-                  <a:pt x="120000" y="0"/>
-                </a:lnTo>
-                <a:lnTo>
-                  <a:pt x="120000" y="120000"/>
-                </a:lnTo>
-                <a:lnTo>
-                  <a:pt x="0" y="120000"/>
-                </a:lnTo>
-                <a:close/>
-              </a:path>
-            </a:pathLst>
-          </a:custGeom>
-        </p:spPr>
-      </p:sp>
-      <p:sp>
-        <p:nvSpPr>
-          <p:cNvPr id="75" name="Google Shape;75;g88a0626cdf_1_0:notes"/>
-          <p:cNvSpPr txBox="1"/>
-          <p:nvPr>
-            <p:ph idx="1" type="body"/>
-          </p:nvPr>
-        </p:nvSpPr>
-        <p:spPr>
-          <a:xfrm>
-            <a:off x="685800" y="4343400"/>
-            <a:ext cx="5486400" cy="4114800"/>
-          </a:xfrm>
-          <a:prstGeom prst="rect">
-            <a:avLst/>
-          </a:prstGeom>
-        </p:spPr>
-        <p:txBody>
-          <a:bodyPr anchorCtr="0" anchor="t" bIns="91425" lIns="91425" spcFirstLastPara="1" rIns="91425" wrap="square" tIns="91425">
-            <a:noAutofit/>
-          </a:bodyPr>
-          <a:lstStyle/>
-          <a:p>
-            <a:pPr indent="0" lvl="0" marL="0" rtl="0" algn="l">
-              <a:spcBef>
-                <a:spcPts val="0"/>
-              </a:spcBef>
-              <a:spcAft>
-                <a:spcPts val="0"/>
-              </a:spcAft>
-              <a:buNone/>
-            </a:pPr>
-            <a:r>
-              <a:t/>
-            </a:r>
-            <a:endParaRPr/>
-          </a:p>
-        </p:txBody>
-      </p:sp>
-    </p:spTree>
-  </p:cSld>
-  <p:clrMapOvr>
-    <a:masterClrMapping/>
-  </p:clrMapOvr>
-</p:notes>
-</file>
-
-<file path=ppt/notesSlides/notesSlide5.xml><?xml version="1.0" encoding="utf-8"?>
-<p:notes xmlns:a="http://schemas.openxmlformats.org/drawingml/2006/main" xmlns:r="http://schemas.openxmlformats.org/officeDocument/2006/relationships" xmlns:mc="http://schemas.openxmlformats.org/markup-compatibility/2006" xmlns:mv="urn:schemas-microsoft-com:mac:vml" xmlns:p="http://schemas.openxmlformats.org/presentationml/2006/main" xmlns:c="http://schemas.openxmlformats.org/drawingml/2006/chart" xmlns:dgm="http://schemas.openxmlformats.org/drawingml/2006/diagram" xmlns:o="urn:schemas-microsoft-com:office:office" xmlns:v="urn:schemas-microsoft-com:vml" xmlns:pvml="urn:schemas-microsoft-com:office:powerpoint" xmlns:com="http://schemas.openxmlformats.org/drawingml/2006/compatibility" xmlns:p14="http://schemas.microsoft.com/office/powerpoint/2010/main" xmlns:p15="http://schemas.microsoft.com/office/powerpoint/2012/main" showMasterPhAnim="0" showMasterSp="0">
-  <p:cSld>
-    <p:spTree>
-      <p:nvGrpSpPr>
-        <p:cNvPr id="80" name="Shape 80"/>
-        <p:cNvGrpSpPr/>
-        <p:nvPr/>
-      </p:nvGrpSpPr>
-      <p:grpSpPr>
-        <a:xfrm>
-          <a:off x="0" y="0"/>
-          <a:ext cx="0" cy="0"/>
-          <a:chOff x="0" y="0"/>
-          <a:chExt cx="0" cy="0"/>
-        </a:xfrm>
-      </p:grpSpPr>
-      <p:sp>
-        <p:nvSpPr>
-          <p:cNvPr id="81" name="Google Shape;81;g88a0626cdf_2_91:notes"/>
-          <p:cNvSpPr/>
-          <p:nvPr>
-            <p:ph idx="2" type="sldImg"/>
-          </p:nvPr>
-        </p:nvSpPr>
-        <p:spPr>
-          <a:xfrm>
-            <a:off x="381300" y="685800"/>
-            <a:ext cx="6096000" cy="3429000"/>
-          </a:xfrm>
-          <a:custGeom>
-            <a:rect b="b" l="l" r="r" t="t"/>
-            <a:pathLst>
-              <a:path extrusionOk="0" h="120000" w="120000">
-                <a:moveTo>
-                  <a:pt x="0" y="0"/>
-                </a:moveTo>
-                <a:lnTo>
-                  <a:pt x="120000" y="0"/>
-                </a:lnTo>
-                <a:lnTo>
-                  <a:pt x="120000" y="120000"/>
-                </a:lnTo>
-                <a:lnTo>
-                  <a:pt x="0" y="120000"/>
-                </a:lnTo>
-                <a:close/>
-              </a:path>
-            </a:pathLst>
-          </a:custGeom>
-        </p:spPr>
-      </p:sp>
-      <p:sp>
-        <p:nvSpPr>
-          <p:cNvPr id="82" name="Google Shape;82;g88a0626cdf_2_91:notes"/>
-          <p:cNvSpPr txBox="1"/>
-          <p:nvPr>
-            <p:ph idx="1" type="body"/>
-          </p:nvPr>
-        </p:nvSpPr>
-        <p:spPr>
-          <a:xfrm>
-            <a:off x="685800" y="4343400"/>
-            <a:ext cx="5486400" cy="4114800"/>
-          </a:xfrm>
-          <a:prstGeom prst="rect">
-            <a:avLst/>
-          </a:prstGeom>
-        </p:spPr>
-        <p:txBody>
-          <a:bodyPr anchorCtr="0" anchor="t" bIns="91425" lIns="91425" spcFirstLastPara="1" rIns="91425" wrap="square" tIns="91425">
-            <a:noAutofit/>
-          </a:bodyPr>
-          <a:lstStyle/>
-          <a:p>
-            <a:pPr indent="0" lvl="0" marL="0" rtl="0" algn="l">
-              <a:spcBef>
-                <a:spcPts val="0"/>
-              </a:spcBef>
-              <a:spcAft>
-                <a:spcPts val="0"/>
-              </a:spcAft>
-              <a:buNone/>
-            </a:pPr>
-            <a:r>
-              <a:t/>
-            </a:r>
-            <a:endParaRPr/>
-          </a:p>
-        </p:txBody>
-      </p:sp>
-    </p:spTree>
-  </p:cSld>
-  <p:clrMapOvr>
-    <a:masterClrMapping/>
-  </p:clrMapOvr>
-</p:notes>
-</file>
-
-<file path=ppt/notesSlides/notesSlide6.xml><?xml version="1.0" encoding="utf-8"?>
-<p:notes xmlns:a="http://schemas.openxmlformats.org/drawingml/2006/main" xmlns:r="http://schemas.openxmlformats.org/officeDocument/2006/relationships" xmlns:mc="http://schemas.openxmlformats.org/markup-compatibility/2006" xmlns:mv="urn:schemas-microsoft-com:mac:vml" xmlns:p="http://schemas.openxmlformats.org/presentationml/2006/main" xmlns:c="http://schemas.openxmlformats.org/drawingml/2006/chart" xmlns:dgm="http://schemas.openxmlformats.org/drawingml/2006/diagram" xmlns:o="urn:schemas-microsoft-com:office:office" xmlns:v="urn:schemas-microsoft-com:vml" xmlns:pvml="urn:schemas-microsoft-com:office:powerpoint" xmlns:com="http://schemas.openxmlformats.org/drawingml/2006/compatibility" xmlns:p14="http://schemas.microsoft.com/office/powerpoint/2010/main" xmlns:p15="http://schemas.microsoft.com/office/powerpoint/2012/main" showMasterPhAnim="0" showMasterSp="0">
-  <p:cSld>
-    <p:spTree>
-      <p:nvGrpSpPr>
-        <p:cNvPr id="89" name="Shape 89"/>
-        <p:cNvGrpSpPr/>
-        <p:nvPr/>
-      </p:nvGrpSpPr>
-      <p:grpSpPr>
-        <a:xfrm>
-          <a:off x="0" y="0"/>
-          <a:ext cx="0" cy="0"/>
-          <a:chOff x="0" y="0"/>
-          <a:chExt cx="0" cy="0"/>
-        </a:xfrm>
-      </p:grpSpPr>
-      <p:sp>
-        <p:nvSpPr>
-          <p:cNvPr id="90" name="Google Shape;90;g88a0626cdf_2_101:notes"/>
-          <p:cNvSpPr/>
-          <p:nvPr>
-            <p:ph idx="2" type="sldImg"/>
-          </p:nvPr>
-        </p:nvSpPr>
-        <p:spPr>
-          <a:xfrm>
-            <a:off x="381300" y="685800"/>
-            <a:ext cx="6096000" cy="3429000"/>
-          </a:xfrm>
-          <a:custGeom>
-            <a:rect b="b" l="l" r="r" t="t"/>
-            <a:pathLst>
-              <a:path extrusionOk="0" h="120000" w="120000">
-                <a:moveTo>
-                  <a:pt x="0" y="0"/>
-                </a:moveTo>
-                <a:lnTo>
-                  <a:pt x="120000" y="0"/>
-                </a:lnTo>
-                <a:lnTo>
-                  <a:pt x="120000" y="120000"/>
-                </a:lnTo>
-                <a:lnTo>
-                  <a:pt x="0" y="120000"/>
-                </a:lnTo>
-                <a:close/>
-              </a:path>
-            </a:pathLst>
-          </a:custGeom>
-        </p:spPr>
-      </p:sp>
-      <p:sp>
-        <p:nvSpPr>
-          <p:cNvPr id="91" name="Google Shape;91;g88a0626cdf_2_101:notes"/>
-          <p:cNvSpPr txBox="1"/>
-          <p:nvPr>
-            <p:ph idx="1" type="body"/>
-          </p:nvPr>
-        </p:nvSpPr>
-        <p:spPr>
-          <a:xfrm>
-            <a:off x="685800" y="4343400"/>
-            <a:ext cx="5486400" cy="4114800"/>
-          </a:xfrm>
-          <a:prstGeom prst="rect">
-            <a:avLst/>
-          </a:prstGeom>
-        </p:spPr>
-        <p:txBody>
-          <a:bodyPr anchorCtr="0" anchor="t" bIns="91425" lIns="91425" spcFirstLastPara="1" rIns="91425" wrap="square" tIns="91425">
-            <a:noAutofit/>
-          </a:bodyPr>
-          <a:lstStyle/>
-          <a:p>
-            <a:pPr indent="0" lvl="0" marL="0" rtl="0" algn="l">
-              <a:spcBef>
-                <a:spcPts val="0"/>
-              </a:spcBef>
-              <a:spcAft>
-                <a:spcPts val="0"/>
-              </a:spcAft>
-              <a:buNone/>
-            </a:pPr>
-            <a:r>
-              <a:t/>
-            </a:r>
-            <a:endParaRPr/>
-          </a:p>
-        </p:txBody>
-      </p:sp>
-    </p:spTree>
-  </p:cSld>
-  <p:clrMapOvr>
-    <a:masterClrMapping/>
-  </p:clrMapOvr>
-</p:notes>
-</file>
-
-<file path=ppt/notesSlides/notesSlide7.xml><?xml version="1.0" encoding="utf-8"?>
-<p:notes xmlns:a="http://schemas.openxmlformats.org/drawingml/2006/main" xmlns:r="http://schemas.openxmlformats.org/officeDocument/2006/relationships" xmlns:mc="http://schemas.openxmlformats.org/markup-compatibility/2006" xmlns:mv="urn:schemas-microsoft-com:mac:vml" xmlns:p="http://schemas.openxmlformats.org/presentationml/2006/main" xmlns:c="http://schemas.openxmlformats.org/drawingml/2006/chart" xmlns:dgm="http://schemas.openxmlformats.org/drawingml/2006/diagram" xmlns:o="urn:schemas-microsoft-com:office:office" xmlns:v="urn:schemas-microsoft-com:vml" xmlns:pvml="urn:schemas-microsoft-com:office:powerpoint" xmlns:com="http://schemas.openxmlformats.org/drawingml/2006/compatibility" xmlns:p14="http://schemas.microsoft.com/office/powerpoint/2010/main" xmlns:p15="http://schemas.microsoft.com/office/powerpoint/2012/main" showMasterPhAnim="0" showMasterSp="0">
-  <p:cSld>
-    <p:spTree>
-      <p:nvGrpSpPr>
-        <p:cNvPr id="97" name="Shape 97"/>
-        <p:cNvGrpSpPr/>
-        <p:nvPr/>
-      </p:nvGrpSpPr>
-      <p:grpSpPr>
-        <a:xfrm>
-          <a:off x="0" y="0"/>
-          <a:ext cx="0" cy="0"/>
-          <a:chOff x="0" y="0"/>
-          <a:chExt cx="0" cy="0"/>
-        </a:xfrm>
-      </p:grpSpPr>
-      <p:sp>
-        <p:nvSpPr>
-          <p:cNvPr id="98" name="Google Shape;98;g88a0626cdf_2_96:notes"/>
-          <p:cNvSpPr/>
-          <p:nvPr>
-            <p:ph idx="2" type="sldImg"/>
-          </p:nvPr>
-        </p:nvSpPr>
-        <p:spPr>
-          <a:xfrm>
-            <a:off x="381300" y="685800"/>
-            <a:ext cx="6096000" cy="3429000"/>
-          </a:xfrm>
-          <a:custGeom>
-            <a:rect b="b" l="l" r="r" t="t"/>
-            <a:pathLst>
-              <a:path extrusionOk="0" h="120000" w="120000">
-                <a:moveTo>
-                  <a:pt x="0" y="0"/>
-                </a:moveTo>
-                <a:lnTo>
-                  <a:pt x="120000" y="0"/>
-                </a:lnTo>
-                <a:lnTo>
-                  <a:pt x="120000" y="120000"/>
-                </a:lnTo>
-                <a:lnTo>
-                  <a:pt x="0" y="120000"/>
-                </a:lnTo>
-                <a:close/>
-              </a:path>
-            </a:pathLst>
-          </a:custGeom>
-        </p:spPr>
-      </p:sp>
-      <p:sp>
-        <p:nvSpPr>
-          <p:cNvPr id="99" name="Google Shape;99;g88a0626cdf_2_96:notes"/>
-          <p:cNvSpPr txBox="1"/>
-          <p:nvPr>
-            <p:ph idx="1" type="body"/>
-          </p:nvPr>
-        </p:nvSpPr>
-        <p:spPr>
-          <a:xfrm>
-            <a:off x="685800" y="4343400"/>
-            <a:ext cx="5486400" cy="4114800"/>
-          </a:xfrm>
-          <a:prstGeom prst="rect">
-            <a:avLst/>
-          </a:prstGeom>
-        </p:spPr>
-        <p:txBody>
-          <a:bodyPr anchorCtr="0" anchor="t" bIns="91425" lIns="91425" spcFirstLastPara="1" rIns="91425" wrap="square" tIns="91425">
-            <a:noAutofit/>
-          </a:bodyPr>
-          <a:lstStyle/>
-          <a:p>
-            <a:pPr indent="0" lvl="0" marL="0" rtl="0" algn="l">
-              <a:spcBef>
-                <a:spcPts val="0"/>
-              </a:spcBef>
-              <a:spcAft>
-                <a:spcPts val="0"/>
-              </a:spcAft>
-              <a:buNone/>
-            </a:pPr>
-            <a:r>
-              <a:t/>
-            </a:r>
-            <a:endParaRPr/>
-          </a:p>
-        </p:txBody>
-      </p:sp>
-    </p:spTree>
-  </p:cSld>
-  <p:clrMapOvr>
-    <a:masterClrMapping/>
-  </p:clrMapOvr>
-</p:notes>
-</file>
-
-<file path=ppt/notesSlides/notesSlide8.xml><?xml version="1.0" encoding="utf-8"?>
-<p:notes xmlns:a="http://schemas.openxmlformats.org/drawingml/2006/main" xmlns:r="http://schemas.openxmlformats.org/officeDocument/2006/relationships" xmlns:mc="http://schemas.openxmlformats.org/markup-compatibility/2006" xmlns:mv="urn:schemas-microsoft-com:mac:vml" xmlns:p="http://schemas.openxmlformats.org/presentationml/2006/main" xmlns:c="http://schemas.openxmlformats.org/drawingml/2006/chart" xmlns:dgm="http://schemas.openxmlformats.org/drawingml/2006/diagram" xmlns:o="urn:schemas-microsoft-com:office:office" xmlns:v="urn:schemas-microsoft-com:vml" xmlns:pvml="urn:schemas-microsoft-com:office:powerpoint" xmlns:com="http://schemas.openxmlformats.org/drawingml/2006/compatibility" xmlns:p14="http://schemas.microsoft.com/office/powerpoint/2010/main" xmlns:p15="http://schemas.microsoft.com/office/powerpoint/2012/main" showMasterPhAnim="0" showMasterSp="0">
-  <p:cSld>
-    <p:spTree>
-      <p:nvGrpSpPr>
-        <p:cNvPr id="106" name="Shape 106"/>
-        <p:cNvGrpSpPr/>
-        <p:nvPr/>
-      </p:nvGrpSpPr>
-      <p:grpSpPr>
-        <a:xfrm>
-          <a:off x="0" y="0"/>
-          <a:ext cx="0" cy="0"/>
-          <a:chOff x="0" y="0"/>
-          <a:chExt cx="0" cy="0"/>
-        </a:xfrm>
-      </p:grpSpPr>
-      <p:sp>
-        <p:nvSpPr>
-          <p:cNvPr id="107" name="Google Shape;107;g88a0626cdf_2_106:notes"/>
-          <p:cNvSpPr/>
-          <p:nvPr>
-            <p:ph idx="2" type="sldImg"/>
-          </p:nvPr>
-        </p:nvSpPr>
-        <p:spPr>
-          <a:xfrm>
-            <a:off x="381300" y="685800"/>
-            <a:ext cx="6096000" cy="3429000"/>
-          </a:xfrm>
-          <a:custGeom>
-            <a:rect b="b" l="l" r="r" t="t"/>
-            <a:pathLst>
-              <a:path extrusionOk="0" h="120000" w="120000">
-                <a:moveTo>
-                  <a:pt x="0" y="0"/>
-                </a:moveTo>
-                <a:lnTo>
-                  <a:pt x="120000" y="0"/>
-                </a:lnTo>
-                <a:lnTo>
-                  <a:pt x="120000" y="120000"/>
-                </a:lnTo>
-                <a:lnTo>
-                  <a:pt x="0" y="120000"/>
-                </a:lnTo>
-                <a:close/>
-              </a:path>
-            </a:pathLst>
-          </a:custGeom>
-        </p:spPr>
-      </p:sp>
-      <p:sp>
-        <p:nvSpPr>
-          <p:cNvPr id="108" name="Google Shape;108;g88a0626cdf_2_106:notes"/>
-          <p:cNvSpPr txBox="1"/>
-          <p:nvPr>
-            <p:ph idx="1" type="body"/>
-          </p:nvPr>
-        </p:nvSpPr>
-        <p:spPr>
-          <a:xfrm>
-            <a:off x="685800" y="4343400"/>
-            <a:ext cx="5486400" cy="4114800"/>
-          </a:xfrm>
-          <a:prstGeom prst="rect">
-            <a:avLst/>
-          </a:prstGeom>
-        </p:spPr>
-        <p:txBody>
-          <a:bodyPr anchorCtr="0" anchor="t" bIns="91425" lIns="91425" spcFirstLastPara="1" rIns="91425" wrap="square" tIns="91425">
-            <a:noAutofit/>
-          </a:bodyPr>
-          <a:lstStyle/>
-          <a:p>
-            <a:pPr indent="0" lvl="0" marL="0" rtl="0" algn="l">
-              <a:spcBef>
-                <a:spcPts val="0"/>
-              </a:spcBef>
-              <a:spcAft>
-                <a:spcPts val="0"/>
-              </a:spcAft>
-              <a:buNone/>
-            </a:pPr>
-            <a:r>
-              <a:t/>
-            </a:r>
-            <a:endParaRPr/>
-          </a:p>
-        </p:txBody>
-      </p:sp>
-    </p:spTree>
-  </p:cSld>
-  <p:clrMapOvr>
-    <a:masterClrMapping/>
-  </p:clrMapOvr>
-</p:notes>
-</file>
-
-<file path=ppt/notesSlides/notesSlide9.xml><?xml version="1.0" encoding="utf-8"?>
-<p:notes xmlns:a="http://schemas.openxmlformats.org/drawingml/2006/main" xmlns:r="http://schemas.openxmlformats.org/officeDocument/2006/relationships" xmlns:mc="http://schemas.openxmlformats.org/markup-compatibility/2006" xmlns:mv="urn:schemas-microsoft-com:mac:vml" xmlns:p="http://schemas.openxmlformats.org/presentationml/2006/main" xmlns:c="http://schemas.openxmlformats.org/drawingml/2006/chart" xmlns:dgm="http://schemas.openxmlformats.org/drawingml/2006/diagram" xmlns:o="urn:schemas-microsoft-com:office:office" xmlns:v="urn:schemas-microsoft-com:vml" xmlns:pvml="urn:schemas-microsoft-com:office:powerpoint" xmlns:com="http://schemas.openxmlformats.org/drawingml/2006/compatibility" xmlns:p14="http://schemas.microsoft.com/office/powerpoint/2010/main" xmlns:p15="http://schemas.microsoft.com/office/powerpoint/2012/main" showMasterPhAnim="0" showMasterSp="0">
-  <p:cSld>
-    <p:spTree>
-      <p:nvGrpSpPr>
-        <p:cNvPr id="115" name="Shape 115"/>
-        <p:cNvGrpSpPr/>
-        <p:nvPr/>
-      </p:nvGrpSpPr>
-      <p:grpSpPr>
-        <a:xfrm>
-          <a:off x="0" y="0"/>
-          <a:ext cx="0" cy="0"/>
-          <a:chOff x="0" y="0"/>
-          <a:chExt cx="0" cy="0"/>
-        </a:xfrm>
-      </p:grpSpPr>
-      <p:sp>
-        <p:nvSpPr>
-          <p:cNvPr id="116" name="Google Shape;116;g88a0626cdf_4_6:notes"/>
-          <p:cNvSpPr/>
-          <p:nvPr>
-            <p:ph idx="2" type="sldImg"/>
-          </p:nvPr>
-        </p:nvSpPr>
-        <p:spPr>
-          <a:xfrm>
-            <a:off x="381300" y="685800"/>
-            <a:ext cx="6096000" cy="3429000"/>
-          </a:xfrm>
-          <a:custGeom>
-            <a:rect b="b" l="l" r="r" t="t"/>
-            <a:pathLst>
-              <a:path extrusionOk="0" h="120000" w="120000">
-                <a:moveTo>
-                  <a:pt x="0" y="0"/>
-                </a:moveTo>
-                <a:lnTo>
-                  <a:pt x="120000" y="0"/>
-                </a:lnTo>
-                <a:lnTo>
-                  <a:pt x="120000" y="120000"/>
-                </a:lnTo>
-                <a:lnTo>
-                  <a:pt x="0" y="120000"/>
-                </a:lnTo>
-                <a:close/>
-              </a:path>
-            </a:pathLst>
-          </a:custGeom>
-        </p:spPr>
-      </p:sp>
-      <p:sp>
-        <p:nvSpPr>
-          <p:cNvPr id="117" name="Google Shape;117;g88a0626cdf_4_6:notes"/>
-          <p:cNvSpPr txBox="1"/>
-          <p:nvPr>
-            <p:ph idx="1" type="body"/>
-          </p:nvPr>
-        </p:nvSpPr>
-        <p:spPr>
-          <a:xfrm>
-            <a:off x="685800" y="4343400"/>
-            <a:ext cx="5486400" cy="4114800"/>
-          </a:xfrm>
-          <a:prstGeom prst="rect">
-            <a:avLst/>
-          </a:prstGeom>
-        </p:spPr>
-        <p:txBody>
-          <a:bodyPr anchorCtr="0" anchor="t" bIns="91425" lIns="91425" spcFirstLastPara="1" rIns="91425" wrap="square" tIns="91425">
-            <a:noAutofit/>
-          </a:bodyPr>
-          <a:lstStyle/>
-          <a:p>
-            <a:pPr indent="0" lvl="0" marL="0" rtl="0" algn="l">
-              <a:spcBef>
-                <a:spcPts val="0"/>
-              </a:spcBef>
-              <a:spcAft>
-                <a:spcPts val="0"/>
-              </a:spcAft>
-              <a:buNone/>
-            </a:pPr>
-            <a:r>
-              <a:t/>
-            </a:r>
             <a:endParaRPr/>
           </a:p>
         </p:txBody>
@@ -1802,18 +1849,19 @@
 </file>
 
 <file path=ppt/slideLayouts/slideLayout1.xml><?xml version="1.0" encoding="utf-8"?>
-<p:sldLayout xmlns:a="http://schemas.openxmlformats.org/drawingml/2006/main" xmlns:r="http://schemas.openxmlformats.org/officeDocument/2006/relationships" xmlns:mc="http://schemas.openxmlformats.org/markup-compatibility/2006" xmlns:mv="urn:schemas-microsoft-com:mac:vml" xmlns:p="http://schemas.openxmlformats.org/presentationml/2006/main" xmlns:c="http://schemas.openxmlformats.org/drawingml/2006/chart" xmlns:dgm="http://schemas.openxmlformats.org/drawingml/2006/diagram" xmlns:o="urn:schemas-microsoft-com:office:office" xmlns:v="urn:schemas-microsoft-com:vml" xmlns:pvml="urn:schemas-microsoft-com:office:powerpoint" xmlns:com="http://schemas.openxmlformats.org/drawingml/2006/compatibility" xmlns:p14="http://schemas.microsoft.com/office/powerpoint/2010/main" xmlns:p15="http://schemas.microsoft.com/office/powerpoint/2012/main" matchingName="Title slide" type="title">
+<p:sldLayout xmlns:a="http://schemas.openxmlformats.org/drawingml/2006/main" xmlns:r="http://schemas.openxmlformats.org/officeDocument/2006/relationships" xmlns:p="http://schemas.openxmlformats.org/presentationml/2006/main" matchingName="Title slide" type="title">
   <p:cSld name="TITLE">
     <p:bg>
       <p:bgPr>
         <a:solidFill>
           <a:schemeClr val="dk1"/>
         </a:solidFill>
+        <a:effectLst/>
       </p:bgPr>
     </p:bg>
     <p:spTree>
       <p:nvGrpSpPr>
-        <p:cNvPr id="9" name="Shape 9"/>
+        <p:cNvPr id="1" name="Shape 9"/>
         <p:cNvGrpSpPr/>
         <p:nvPr/>
       </p:nvGrpSpPr>
@@ -1840,21 +1888,23 @@
             <a:avLst/>
           </a:prstGeom>
           <a:noFill/>
-          <a:ln cap="flat" cmpd="sng" w="19050">
+          <a:ln w="19050" cap="flat" cmpd="sng">
             <a:solidFill>
               <a:schemeClr val="lt2"/>
             </a:solidFill>
             <a:prstDash val="solid"/>
             <a:round/>
-            <a:headEnd len="sm" w="sm" type="none"/>
-            <a:tailEnd len="sm" w="sm" type="none"/>
+            <a:headEnd type="none" w="sm" len="sm"/>
+            <a:tailEnd type="none" w="sm" len="sm"/>
           </a:ln>
         </p:spPr>
       </p:cxnSp>
       <p:sp>
         <p:nvSpPr>
           <p:cNvPr id="11" name="Google Shape;11;p2"/>
-          <p:cNvSpPr txBox="1"/>
+          <p:cNvSpPr txBox="1">
+            <a:spLocks noGrp="1"/>
+          </p:cNvSpPr>
           <p:nvPr>
             <p:ph type="ctrTitle"/>
           </p:nvPr>
@@ -1869,7 +1919,7 @@
           </a:prstGeom>
         </p:spPr>
         <p:txBody>
-          <a:bodyPr anchorCtr="0" anchor="b" bIns="91425" lIns="91425" spcFirstLastPara="1" rIns="91425" wrap="square" tIns="91425">
+          <a:bodyPr spcFirstLastPara="1" wrap="square" lIns="91425" tIns="91425" rIns="91425" bIns="91425" anchor="b" anchorCtr="0">
             <a:noAutofit/>
           </a:bodyPr>
           <a:lstStyle>
@@ -2036,15 +2086,19 @@
               </a:defRPr>
             </a:lvl9pPr>
           </a:lstStyle>
-          <a:p/>
+          <a:p>
+            <a:endParaRPr/>
+          </a:p>
         </p:txBody>
       </p:sp>
       <p:sp>
         <p:nvSpPr>
           <p:cNvPr id="12" name="Google Shape;12;p2"/>
-          <p:cNvSpPr txBox="1"/>
+          <p:cNvSpPr txBox="1">
+            <a:spLocks noGrp="1"/>
+          </p:cNvSpPr>
           <p:nvPr>
-            <p:ph idx="1" type="subTitle"/>
+            <p:ph type="subTitle" idx="1"/>
           </p:nvPr>
         </p:nvSpPr>
         <p:spPr>
@@ -2057,7 +2111,7 @@
           </a:prstGeom>
         </p:spPr>
         <p:txBody>
-          <a:bodyPr anchorCtr="0" anchor="t" bIns="91425" lIns="91425" spcFirstLastPara="1" rIns="91425" wrap="square" tIns="91425">
+          <a:bodyPr spcFirstLastPara="1" wrap="square" lIns="91425" tIns="91425" rIns="91425" bIns="91425" anchor="t" anchorCtr="0">
             <a:noAutofit/>
           </a:bodyPr>
           <a:lstStyle>
@@ -2251,15 +2305,19 @@
               </a:defRPr>
             </a:lvl9pPr>
           </a:lstStyle>
-          <a:p/>
+          <a:p>
+            <a:endParaRPr/>
+          </a:p>
         </p:txBody>
       </p:sp>
       <p:sp>
         <p:nvSpPr>
           <p:cNvPr id="13" name="Google Shape;13;p2"/>
-          <p:cNvSpPr txBox="1"/>
+          <p:cNvSpPr txBox="1">
+            <a:spLocks noGrp="1"/>
+          </p:cNvSpPr>
           <p:nvPr>
-            <p:ph idx="12" type="sldNum"/>
+            <p:ph type="sldNum" idx="12"/>
           </p:nvPr>
         </p:nvSpPr>
         <p:spPr>
@@ -2272,7 +2330,7 @@
           </a:prstGeom>
         </p:spPr>
         <p:txBody>
-          <a:bodyPr anchorCtr="0" anchor="ctr" bIns="91425" lIns="91425" spcFirstLastPara="1" rIns="91425" wrap="square" tIns="91425">
+          <a:bodyPr spcFirstLastPara="1" wrap="square" lIns="91425" tIns="91425" rIns="91425" bIns="91425" anchor="ctr" anchorCtr="0">
             <a:noAutofit/>
           </a:bodyPr>
           <a:lstStyle>
@@ -2350,7 +2408,7 @@
             </a:lvl9pPr>
           </a:lstStyle>
           <a:p>
-            <a:pPr indent="0" lvl="0" marL="0" rtl="0" algn="r">
+            <a:pPr marL="0" lvl="0" indent="0" algn="r" rtl="0">
               <a:spcBef>
                 <a:spcPts val="0"/>
               </a:spcBef>
@@ -2376,11 +2434,11 @@
 </file>
 
 <file path=ppt/slideLayouts/slideLayout10.xml><?xml version="1.0" encoding="utf-8"?>
-<p:sldLayout xmlns:a="http://schemas.openxmlformats.org/drawingml/2006/main" xmlns:r="http://schemas.openxmlformats.org/officeDocument/2006/relationships" xmlns:mc="http://schemas.openxmlformats.org/markup-compatibility/2006" xmlns:mv="urn:schemas-microsoft-com:mac:vml" xmlns:p="http://schemas.openxmlformats.org/presentationml/2006/main" xmlns:c="http://schemas.openxmlformats.org/drawingml/2006/chart" xmlns:dgm="http://schemas.openxmlformats.org/drawingml/2006/diagram" xmlns:o="urn:schemas-microsoft-com:office:office" xmlns:v="urn:schemas-microsoft-com:vml" xmlns:pvml="urn:schemas-microsoft-com:office:powerpoint" xmlns:com="http://schemas.openxmlformats.org/drawingml/2006/compatibility" xmlns:p14="http://schemas.microsoft.com/office/powerpoint/2010/main" xmlns:p15="http://schemas.microsoft.com/office/powerpoint/2012/main" matchingName="Big number">
+<p:sldLayout xmlns:a="http://schemas.openxmlformats.org/drawingml/2006/main" xmlns:r="http://schemas.openxmlformats.org/officeDocument/2006/relationships" xmlns:p="http://schemas.openxmlformats.org/presentationml/2006/main" matchingName="Big number">
   <p:cSld name="BIG_NUMBER">
     <p:spTree>
       <p:nvGrpSpPr>
-        <p:cNvPr id="48" name="Shape 48"/>
+        <p:cNvPr id="1" name="Shape 48"/>
         <p:cNvGrpSpPr/>
         <p:nvPr/>
       </p:nvGrpSpPr>
@@ -2414,12 +2472,12 @@
           </a:ln>
         </p:spPr>
         <p:txBody>
-          <a:bodyPr anchorCtr="0" anchor="ctr" bIns="91425" lIns="91425" spcFirstLastPara="1" rIns="91425" wrap="square" tIns="91425">
+          <a:bodyPr spcFirstLastPara="1" wrap="square" lIns="91425" tIns="91425" rIns="91425" bIns="91425" anchor="ctr" anchorCtr="0">
             <a:noAutofit/>
           </a:bodyPr>
           <a:lstStyle/>
           <a:p>
-            <a:pPr indent="0" lvl="0" marL="0" rtl="0" algn="l">
+            <a:pPr marL="0" lvl="0" indent="0" algn="l" rtl="0">
               <a:spcBef>
                 <a:spcPts val="0"/>
               </a:spcBef>
@@ -2428,9 +2486,6 @@
               </a:spcAft>
               <a:buNone/>
             </a:pPr>
-            <a:r>
-              <a:t/>
-            </a:r>
             <a:endParaRPr/>
           </a:p>
         </p:txBody>
@@ -2438,9 +2493,11 @@
       <p:sp>
         <p:nvSpPr>
           <p:cNvPr id="50" name="Google Shape;50;p11"/>
-          <p:cNvSpPr txBox="1"/>
+          <p:cNvSpPr txBox="1">
+            <a:spLocks noGrp="1"/>
+          </p:cNvSpPr>
           <p:nvPr>
-            <p:ph hasCustomPrompt="1" type="title"/>
+            <p:ph type="title" hasCustomPrompt="1"/>
           </p:nvPr>
         </p:nvSpPr>
         <p:spPr>
@@ -2453,11 +2510,11 @@
           </a:prstGeom>
         </p:spPr>
         <p:txBody>
-          <a:bodyPr anchorCtr="0" anchor="ctr" bIns="91425" lIns="91425" spcFirstLastPara="1" rIns="91425" wrap="square" tIns="91425">
+          <a:bodyPr spcFirstLastPara="1" wrap="square" lIns="91425" tIns="91425" rIns="91425" bIns="91425" anchor="ctr" anchorCtr="0">
             <a:noAutofit/>
           </a:bodyPr>
           <a:lstStyle>
-            <a:lvl1pPr lvl="0" rtl="0" algn="ctr">
+            <a:lvl1pPr lvl="0" algn="ctr" rtl="0">
               <a:spcBef>
                 <a:spcPts val="0"/>
               </a:spcBef>
@@ -2466,9 +2523,9 @@
               </a:spcAft>
               <a:buSzPts val="14000"/>
               <a:buNone/>
-              <a:defRPr b="1" sz="14000"/>
+              <a:defRPr sz="14000" b="1"/>
             </a:lvl1pPr>
-            <a:lvl2pPr lvl="1" rtl="0" algn="ctr">
+            <a:lvl2pPr lvl="1" algn="ctr" rtl="0">
               <a:spcBef>
                 <a:spcPts val="0"/>
               </a:spcBef>
@@ -2477,9 +2534,9 @@
               </a:spcAft>
               <a:buSzPts val="14000"/>
               <a:buNone/>
-              <a:defRPr b="1" sz="14000"/>
+              <a:defRPr sz="14000" b="1"/>
             </a:lvl2pPr>
-            <a:lvl3pPr lvl="2" rtl="0" algn="ctr">
+            <a:lvl3pPr lvl="2" algn="ctr" rtl="0">
               <a:spcBef>
                 <a:spcPts val="0"/>
               </a:spcBef>
@@ -2488,9 +2545,9 @@
               </a:spcAft>
               <a:buSzPts val="14000"/>
               <a:buNone/>
-              <a:defRPr b="1" sz="14000"/>
+              <a:defRPr sz="14000" b="1"/>
             </a:lvl3pPr>
-            <a:lvl4pPr lvl="3" rtl="0" algn="ctr">
+            <a:lvl4pPr lvl="3" algn="ctr" rtl="0">
               <a:spcBef>
                 <a:spcPts val="0"/>
               </a:spcBef>
@@ -2499,9 +2556,9 @@
               </a:spcAft>
               <a:buSzPts val="14000"/>
               <a:buNone/>
-              <a:defRPr b="1" sz="14000"/>
+              <a:defRPr sz="14000" b="1"/>
             </a:lvl4pPr>
-            <a:lvl5pPr lvl="4" rtl="0" algn="ctr">
+            <a:lvl5pPr lvl="4" algn="ctr" rtl="0">
               <a:spcBef>
                 <a:spcPts val="0"/>
               </a:spcBef>
@@ -2510,9 +2567,9 @@
               </a:spcAft>
               <a:buSzPts val="14000"/>
               <a:buNone/>
-              <a:defRPr b="1" sz="14000"/>
+              <a:defRPr sz="14000" b="1"/>
             </a:lvl5pPr>
-            <a:lvl6pPr lvl="5" rtl="0" algn="ctr">
+            <a:lvl6pPr lvl="5" algn="ctr" rtl="0">
               <a:spcBef>
                 <a:spcPts val="0"/>
               </a:spcBef>
@@ -2521,9 +2578,9 @@
               </a:spcAft>
               <a:buSzPts val="14000"/>
               <a:buNone/>
-              <a:defRPr b="1" sz="14000"/>
+              <a:defRPr sz="14000" b="1"/>
             </a:lvl6pPr>
-            <a:lvl7pPr lvl="6" rtl="0" algn="ctr">
+            <a:lvl7pPr lvl="6" algn="ctr" rtl="0">
               <a:spcBef>
                 <a:spcPts val="0"/>
               </a:spcBef>
@@ -2532,9 +2589,9 @@
               </a:spcAft>
               <a:buSzPts val="14000"/>
               <a:buNone/>
-              <a:defRPr b="1" sz="14000"/>
+              <a:defRPr sz="14000" b="1"/>
             </a:lvl7pPr>
-            <a:lvl8pPr lvl="7" rtl="0" algn="ctr">
+            <a:lvl8pPr lvl="7" algn="ctr" rtl="0">
               <a:spcBef>
                 <a:spcPts val="0"/>
               </a:spcBef>
@@ -2543,9 +2600,9 @@
               </a:spcAft>
               <a:buSzPts val="14000"/>
               <a:buNone/>
-              <a:defRPr b="1" sz="14000"/>
+              <a:defRPr sz="14000" b="1"/>
             </a:lvl8pPr>
-            <a:lvl9pPr lvl="8" rtl="0" algn="ctr">
+            <a:lvl9pPr lvl="8" algn="ctr" rtl="0">
               <a:spcBef>
                 <a:spcPts val="0"/>
               </a:spcBef>
@@ -2554,7 +2611,7 @@
               </a:spcAft>
               <a:buSzPts val="14000"/>
               <a:buNone/>
-              <a:defRPr b="1" sz="14000"/>
+              <a:defRPr sz="14000" b="1"/>
             </a:lvl9pPr>
           </a:lstStyle>
           <a:p>
@@ -2567,9 +2624,11 @@
       <p:sp>
         <p:nvSpPr>
           <p:cNvPr id="51" name="Google Shape;51;p11"/>
-          <p:cNvSpPr txBox="1"/>
+          <p:cNvSpPr txBox="1">
+            <a:spLocks noGrp="1"/>
+          </p:cNvSpPr>
           <p:nvPr>
-            <p:ph idx="1" type="body"/>
+            <p:ph type="body" idx="1"/>
           </p:nvPr>
         </p:nvSpPr>
         <p:spPr>
@@ -2582,11 +2641,11 @@
           </a:prstGeom>
         </p:spPr>
         <p:txBody>
-          <a:bodyPr anchorCtr="0" anchor="t" bIns="91425" lIns="91425" spcFirstLastPara="1" rIns="91425" wrap="square" tIns="91425">
+          <a:bodyPr spcFirstLastPara="1" wrap="square" lIns="91425" tIns="91425" rIns="91425" bIns="91425" anchor="t" anchorCtr="0">
             <a:noAutofit/>
           </a:bodyPr>
           <a:lstStyle>
-            <a:lvl1pPr indent="-342900" lvl="0" marL="457200" rtl="0" algn="ctr">
+            <a:lvl1pPr marL="457200" lvl="0" indent="-342900" algn="ctr" rtl="0">
               <a:spcBef>
                 <a:spcPts val="0"/>
               </a:spcBef>
@@ -2597,7 +2656,7 @@
               <a:buChar char="●"/>
               <a:defRPr/>
             </a:lvl1pPr>
-            <a:lvl2pPr indent="-317500" lvl="1" marL="914400" rtl="0" algn="ctr">
+            <a:lvl2pPr marL="914400" lvl="1" indent="-317500" algn="ctr" rtl="0">
               <a:spcBef>
                 <a:spcPts val="1600"/>
               </a:spcBef>
@@ -2608,7 +2667,7 @@
               <a:buChar char="○"/>
               <a:defRPr/>
             </a:lvl2pPr>
-            <a:lvl3pPr indent="-317500" lvl="2" marL="1371600" rtl="0" algn="ctr">
+            <a:lvl3pPr marL="1371600" lvl="2" indent="-317500" algn="ctr" rtl="0">
               <a:spcBef>
                 <a:spcPts val="1600"/>
               </a:spcBef>
@@ -2619,7 +2678,7 @@
               <a:buChar char="■"/>
               <a:defRPr/>
             </a:lvl3pPr>
-            <a:lvl4pPr indent="-317500" lvl="3" marL="1828800" rtl="0" algn="ctr">
+            <a:lvl4pPr marL="1828800" lvl="3" indent="-317500" algn="ctr" rtl="0">
               <a:spcBef>
                 <a:spcPts val="1600"/>
               </a:spcBef>
@@ -2630,7 +2689,7 @@
               <a:buChar char="●"/>
               <a:defRPr/>
             </a:lvl4pPr>
-            <a:lvl5pPr indent="-317500" lvl="4" marL="2286000" rtl="0" algn="ctr">
+            <a:lvl5pPr marL="2286000" lvl="4" indent="-317500" algn="ctr" rtl="0">
               <a:spcBef>
                 <a:spcPts val="1600"/>
               </a:spcBef>
@@ -2641,7 +2700,7 @@
               <a:buChar char="○"/>
               <a:defRPr/>
             </a:lvl5pPr>
-            <a:lvl6pPr indent="-317500" lvl="5" marL="2743200" rtl="0" algn="ctr">
+            <a:lvl6pPr marL="2743200" lvl="5" indent="-317500" algn="ctr" rtl="0">
               <a:spcBef>
                 <a:spcPts val="1600"/>
               </a:spcBef>
@@ -2652,7 +2711,7 @@
               <a:buChar char="■"/>
               <a:defRPr/>
             </a:lvl6pPr>
-            <a:lvl7pPr indent="-317500" lvl="6" marL="3200400" rtl="0" algn="ctr">
+            <a:lvl7pPr marL="3200400" lvl="6" indent="-317500" algn="ctr" rtl="0">
               <a:spcBef>
                 <a:spcPts val="1600"/>
               </a:spcBef>
@@ -2663,7 +2722,7 @@
               <a:buChar char="●"/>
               <a:defRPr/>
             </a:lvl7pPr>
-            <a:lvl8pPr indent="-317500" lvl="7" marL="3657600" rtl="0" algn="ctr">
+            <a:lvl8pPr marL="3657600" lvl="7" indent="-317500" algn="ctr" rtl="0">
               <a:spcBef>
                 <a:spcPts val="1600"/>
               </a:spcBef>
@@ -2674,7 +2733,7 @@
               <a:buChar char="○"/>
               <a:defRPr/>
             </a:lvl8pPr>
-            <a:lvl9pPr indent="-317500" lvl="8" marL="4114800" rtl="0" algn="ctr">
+            <a:lvl9pPr marL="4114800" lvl="8" indent="-317500" algn="ctr" rtl="0">
               <a:spcBef>
                 <a:spcPts val="1600"/>
               </a:spcBef>
@@ -2686,15 +2745,19 @@
               <a:defRPr/>
             </a:lvl9pPr>
           </a:lstStyle>
-          <a:p/>
+          <a:p>
+            <a:endParaRPr/>
+          </a:p>
         </p:txBody>
       </p:sp>
       <p:sp>
         <p:nvSpPr>
           <p:cNvPr id="52" name="Google Shape;52;p11"/>
-          <p:cNvSpPr txBox="1"/>
+          <p:cNvSpPr txBox="1">
+            <a:spLocks noGrp="1"/>
+          </p:cNvSpPr>
           <p:nvPr>
-            <p:ph idx="12" type="sldNum"/>
+            <p:ph type="sldNum" idx="12"/>
           </p:nvPr>
         </p:nvSpPr>
         <p:spPr>
@@ -2707,7 +2770,7 @@
           </a:prstGeom>
         </p:spPr>
         <p:txBody>
-          <a:bodyPr anchorCtr="0" anchor="ctr" bIns="91425" lIns="91425" spcFirstLastPara="1" rIns="91425" wrap="square" tIns="91425">
+          <a:bodyPr spcFirstLastPara="1" wrap="square" lIns="91425" tIns="91425" rIns="91425" bIns="91425" anchor="ctr" anchorCtr="0">
             <a:noAutofit/>
           </a:bodyPr>
           <a:lstStyle>
@@ -2749,7 +2812,7 @@
             </a:lvl9pPr>
           </a:lstStyle>
           <a:p>
-            <a:pPr indent="0" lvl="0" marL="0" rtl="0" algn="r">
+            <a:pPr marL="0" lvl="0" indent="0" algn="r" rtl="0">
               <a:spcBef>
                 <a:spcPts val="0"/>
               </a:spcBef>
@@ -2775,11 +2838,11 @@
 </file>
 
 <file path=ppt/slideLayouts/slideLayout11.xml><?xml version="1.0" encoding="utf-8"?>
-<p:sldLayout xmlns:a="http://schemas.openxmlformats.org/drawingml/2006/main" xmlns:r="http://schemas.openxmlformats.org/officeDocument/2006/relationships" xmlns:mc="http://schemas.openxmlformats.org/markup-compatibility/2006" xmlns:mv="urn:schemas-microsoft-com:mac:vml" xmlns:p="http://schemas.openxmlformats.org/presentationml/2006/main" xmlns:c="http://schemas.openxmlformats.org/drawingml/2006/chart" xmlns:dgm="http://schemas.openxmlformats.org/drawingml/2006/diagram" xmlns:o="urn:schemas-microsoft-com:office:office" xmlns:v="urn:schemas-microsoft-com:vml" xmlns:pvml="urn:schemas-microsoft-com:office:powerpoint" xmlns:com="http://schemas.openxmlformats.org/drawingml/2006/compatibility" xmlns:p14="http://schemas.microsoft.com/office/powerpoint/2010/main" xmlns:p15="http://schemas.microsoft.com/office/powerpoint/2012/main" matchingName="Blank" type="blank">
+<p:sldLayout xmlns:a="http://schemas.openxmlformats.org/drawingml/2006/main" xmlns:r="http://schemas.openxmlformats.org/officeDocument/2006/relationships" xmlns:p="http://schemas.openxmlformats.org/presentationml/2006/main" matchingName="Blank" type="blank">
   <p:cSld name="BLANK">
     <p:spTree>
       <p:nvGrpSpPr>
-        <p:cNvPr id="53" name="Shape 53"/>
+        <p:cNvPr id="1" name="Shape 53"/>
         <p:cNvGrpSpPr/>
         <p:nvPr/>
       </p:nvGrpSpPr>
@@ -2794,9 +2857,11 @@
       <p:sp>
         <p:nvSpPr>
           <p:cNvPr id="54" name="Google Shape;54;p12"/>
-          <p:cNvSpPr txBox="1"/>
+          <p:cNvSpPr txBox="1">
+            <a:spLocks noGrp="1"/>
+          </p:cNvSpPr>
           <p:nvPr>
-            <p:ph idx="12" type="sldNum"/>
+            <p:ph type="sldNum" idx="12"/>
           </p:nvPr>
         </p:nvSpPr>
         <p:spPr>
@@ -2809,7 +2874,7 @@
           </a:prstGeom>
         </p:spPr>
         <p:txBody>
-          <a:bodyPr anchorCtr="0" anchor="ctr" bIns="91425" lIns="91425" spcFirstLastPara="1" rIns="91425" wrap="square" tIns="91425">
+          <a:bodyPr spcFirstLastPara="1" wrap="square" lIns="91425" tIns="91425" rIns="91425" bIns="91425" anchor="ctr" anchorCtr="0">
             <a:noAutofit/>
           </a:bodyPr>
           <a:lstStyle>
@@ -2851,7 +2916,7 @@
             </a:lvl9pPr>
           </a:lstStyle>
           <a:p>
-            <a:pPr indent="0" lvl="0" marL="0" rtl="0" algn="r">
+            <a:pPr marL="0" lvl="0" indent="0" algn="r" rtl="0">
               <a:spcBef>
                 <a:spcPts val="0"/>
               </a:spcBef>
@@ -2877,18 +2942,19 @@
 </file>
 
 <file path=ppt/slideLayouts/slideLayout2.xml><?xml version="1.0" encoding="utf-8"?>
-<p:sldLayout xmlns:a="http://schemas.openxmlformats.org/drawingml/2006/main" xmlns:r="http://schemas.openxmlformats.org/officeDocument/2006/relationships" xmlns:mc="http://schemas.openxmlformats.org/markup-compatibility/2006" xmlns:mv="urn:schemas-microsoft-com:mac:vml" xmlns:p="http://schemas.openxmlformats.org/presentationml/2006/main" xmlns:c="http://schemas.openxmlformats.org/drawingml/2006/chart" xmlns:dgm="http://schemas.openxmlformats.org/drawingml/2006/diagram" xmlns:o="urn:schemas-microsoft-com:office:office" xmlns:v="urn:schemas-microsoft-com:vml" xmlns:pvml="urn:schemas-microsoft-com:office:powerpoint" xmlns:com="http://schemas.openxmlformats.org/drawingml/2006/compatibility" xmlns:p14="http://schemas.microsoft.com/office/powerpoint/2010/main" xmlns:p15="http://schemas.microsoft.com/office/powerpoint/2012/main" matchingName="Section header" type="secHead">
+<p:sldLayout xmlns:a="http://schemas.openxmlformats.org/drawingml/2006/main" xmlns:r="http://schemas.openxmlformats.org/officeDocument/2006/relationships" xmlns:p="http://schemas.openxmlformats.org/presentationml/2006/main" matchingName="Section header" type="secHead">
   <p:cSld name="SECTION_HEADER">
     <p:bg>
       <p:bgPr>
         <a:solidFill>
           <a:schemeClr val="dk1"/>
         </a:solidFill>
+        <a:effectLst/>
       </p:bgPr>
     </p:bg>
     <p:spTree>
       <p:nvGrpSpPr>
-        <p:cNvPr id="14" name="Shape 14"/>
+        <p:cNvPr id="1" name="Shape 14"/>
         <p:cNvGrpSpPr/>
         <p:nvPr/>
       </p:nvGrpSpPr>
@@ -2915,21 +2981,23 @@
             <a:avLst/>
           </a:prstGeom>
           <a:noFill/>
-          <a:ln cap="flat" cmpd="sng" w="19050">
+          <a:ln w="19050" cap="flat" cmpd="sng">
             <a:solidFill>
               <a:schemeClr val="lt2"/>
             </a:solidFill>
             <a:prstDash val="solid"/>
             <a:round/>
-            <a:headEnd len="sm" w="sm" type="none"/>
-            <a:tailEnd len="sm" w="sm" type="none"/>
+            <a:headEnd type="none" w="sm" len="sm"/>
+            <a:tailEnd type="none" w="sm" len="sm"/>
           </a:ln>
         </p:spPr>
       </p:cxnSp>
       <p:sp>
         <p:nvSpPr>
           <p:cNvPr id="16" name="Google Shape;16;p3"/>
-          <p:cNvSpPr txBox="1"/>
+          <p:cNvSpPr txBox="1">
+            <a:spLocks noGrp="1"/>
+          </p:cNvSpPr>
           <p:nvPr>
             <p:ph type="title"/>
           </p:nvPr>
@@ -2944,7 +3012,7 @@
           </a:prstGeom>
         </p:spPr>
         <p:txBody>
-          <a:bodyPr anchorCtr="0" anchor="b" bIns="91425" lIns="91425" spcFirstLastPara="1" rIns="91425" wrap="square" tIns="91425">
+          <a:bodyPr spcFirstLastPara="1" wrap="square" lIns="91425" tIns="91425" rIns="91425" bIns="91425" anchor="b" anchorCtr="0">
             <a:noAutofit/>
           </a:bodyPr>
           <a:lstStyle>
@@ -3111,15 +3179,19 @@
               </a:defRPr>
             </a:lvl9pPr>
           </a:lstStyle>
-          <a:p/>
+          <a:p>
+            <a:endParaRPr/>
+          </a:p>
         </p:txBody>
       </p:sp>
       <p:sp>
         <p:nvSpPr>
           <p:cNvPr id="17" name="Google Shape;17;p3"/>
-          <p:cNvSpPr txBox="1"/>
+          <p:cNvSpPr txBox="1">
+            <a:spLocks noGrp="1"/>
+          </p:cNvSpPr>
           <p:nvPr>
-            <p:ph idx="12" type="sldNum"/>
+            <p:ph type="sldNum" idx="12"/>
           </p:nvPr>
         </p:nvSpPr>
         <p:spPr>
@@ -3132,7 +3204,7 @@
           </a:prstGeom>
         </p:spPr>
         <p:txBody>
-          <a:bodyPr anchorCtr="0" anchor="ctr" bIns="91425" lIns="91425" spcFirstLastPara="1" rIns="91425" wrap="square" tIns="91425">
+          <a:bodyPr spcFirstLastPara="1" wrap="square" lIns="91425" tIns="91425" rIns="91425" bIns="91425" anchor="ctr" anchorCtr="0">
             <a:noAutofit/>
           </a:bodyPr>
           <a:lstStyle>
@@ -3210,7 +3282,7 @@
             </a:lvl9pPr>
           </a:lstStyle>
           <a:p>
-            <a:pPr indent="0" lvl="0" marL="0" rtl="0" algn="r">
+            <a:pPr marL="0" lvl="0" indent="0" algn="r" rtl="0">
               <a:spcBef>
                 <a:spcPts val="0"/>
               </a:spcBef>
@@ -3236,11 +3308,11 @@
 </file>
 
 <file path=ppt/slideLayouts/slideLayout3.xml><?xml version="1.0" encoding="utf-8"?>
-<p:sldLayout xmlns:a="http://schemas.openxmlformats.org/drawingml/2006/main" xmlns:r="http://schemas.openxmlformats.org/officeDocument/2006/relationships" xmlns:mc="http://schemas.openxmlformats.org/markup-compatibility/2006" xmlns:mv="urn:schemas-microsoft-com:mac:vml" xmlns:p="http://schemas.openxmlformats.org/presentationml/2006/main" xmlns:c="http://schemas.openxmlformats.org/drawingml/2006/chart" xmlns:dgm="http://schemas.openxmlformats.org/drawingml/2006/diagram" xmlns:o="urn:schemas-microsoft-com:office:office" xmlns:v="urn:schemas-microsoft-com:vml" xmlns:pvml="urn:schemas-microsoft-com:office:powerpoint" xmlns:com="http://schemas.openxmlformats.org/drawingml/2006/compatibility" xmlns:p14="http://schemas.microsoft.com/office/powerpoint/2010/main" xmlns:p15="http://schemas.microsoft.com/office/powerpoint/2012/main" matchingName="Title and body" type="tx">
+<p:sldLayout xmlns:a="http://schemas.openxmlformats.org/drawingml/2006/main" xmlns:r="http://schemas.openxmlformats.org/officeDocument/2006/relationships" xmlns:p="http://schemas.openxmlformats.org/presentationml/2006/main" matchingName="Title and body" type="tx">
   <p:cSld name="TITLE_AND_BODY">
     <p:spTree>
       <p:nvGrpSpPr>
-        <p:cNvPr id="18" name="Shape 18"/>
+        <p:cNvPr id="1" name="Shape 18"/>
         <p:cNvGrpSpPr/>
         <p:nvPr/>
       </p:nvGrpSpPr>
@@ -3274,12 +3346,12 @@
           </a:ln>
         </p:spPr>
         <p:txBody>
-          <a:bodyPr anchorCtr="0" anchor="ctr" bIns="91425" lIns="91425" spcFirstLastPara="1" rIns="91425" wrap="square" tIns="91425">
+          <a:bodyPr spcFirstLastPara="1" wrap="square" lIns="91425" tIns="91425" rIns="91425" bIns="91425" anchor="ctr" anchorCtr="0">
             <a:noAutofit/>
           </a:bodyPr>
           <a:lstStyle/>
           <a:p>
-            <a:pPr indent="0" lvl="0" marL="0" rtl="0" algn="l">
+            <a:pPr marL="0" lvl="0" indent="0" algn="l" rtl="0">
               <a:spcBef>
                 <a:spcPts val="0"/>
               </a:spcBef>
@@ -3288,9 +3360,6 @@
               </a:spcAft>
               <a:buNone/>
             </a:pPr>
-            <a:r>
-              <a:t/>
-            </a:r>
             <a:endParaRPr/>
           </a:p>
         </p:txBody>
@@ -3298,7 +3367,9 @@
       <p:sp>
         <p:nvSpPr>
           <p:cNvPr id="20" name="Google Shape;20;p4"/>
-          <p:cNvSpPr txBox="1"/>
+          <p:cNvSpPr txBox="1">
+            <a:spLocks noGrp="1"/>
+          </p:cNvSpPr>
           <p:nvPr>
             <p:ph type="title"/>
           </p:nvPr>
@@ -3313,7 +3384,7 @@
           </a:prstGeom>
         </p:spPr>
         <p:txBody>
-          <a:bodyPr anchorCtr="0" anchor="t" bIns="91425" lIns="91425" spcFirstLastPara="1" rIns="91425" wrap="square" tIns="91425">
+          <a:bodyPr spcFirstLastPara="1" wrap="square" lIns="91425" tIns="91425" rIns="91425" bIns="91425" anchor="t" anchorCtr="0">
             <a:noAutofit/>
           </a:bodyPr>
           <a:lstStyle>
@@ -3417,15 +3488,19 @@
               <a:defRPr/>
             </a:lvl9pPr>
           </a:lstStyle>
-          <a:p/>
+          <a:p>
+            <a:endParaRPr/>
+          </a:p>
         </p:txBody>
       </p:sp>
       <p:sp>
         <p:nvSpPr>
           <p:cNvPr id="21" name="Google Shape;21;p4"/>
-          <p:cNvSpPr txBox="1"/>
+          <p:cNvSpPr txBox="1">
+            <a:spLocks noGrp="1"/>
+          </p:cNvSpPr>
           <p:nvPr>
-            <p:ph idx="1" type="body"/>
+            <p:ph type="body" idx="1"/>
           </p:nvPr>
         </p:nvSpPr>
         <p:spPr>
@@ -3438,11 +3513,11 @@
           </a:prstGeom>
         </p:spPr>
         <p:txBody>
-          <a:bodyPr anchorCtr="0" anchor="t" bIns="91425" lIns="91425" spcFirstLastPara="1" rIns="91425" wrap="square" tIns="91425">
+          <a:bodyPr spcFirstLastPara="1" wrap="square" lIns="91425" tIns="91425" rIns="91425" bIns="91425" anchor="t" anchorCtr="0">
             <a:noAutofit/>
           </a:bodyPr>
           <a:lstStyle>
-            <a:lvl1pPr indent="-342900" lvl="0" marL="457200" rtl="0">
+            <a:lvl1pPr marL="457200" lvl="0" indent="-342900" rtl="0">
               <a:spcBef>
                 <a:spcPts val="0"/>
               </a:spcBef>
@@ -3453,7 +3528,7 @@
               <a:buChar char="●"/>
               <a:defRPr/>
             </a:lvl1pPr>
-            <a:lvl2pPr indent="-317500" lvl="1" marL="914400" rtl="0">
+            <a:lvl2pPr marL="914400" lvl="1" indent="-317500" rtl="0">
               <a:spcBef>
                 <a:spcPts val="1600"/>
               </a:spcBef>
@@ -3464,7 +3539,7 @@
               <a:buChar char="○"/>
               <a:defRPr/>
             </a:lvl2pPr>
-            <a:lvl3pPr indent="-317500" lvl="2" marL="1371600" rtl="0">
+            <a:lvl3pPr marL="1371600" lvl="2" indent="-317500" rtl="0">
               <a:spcBef>
                 <a:spcPts val="1600"/>
               </a:spcBef>
@@ -3475,7 +3550,7 @@
               <a:buChar char="■"/>
               <a:defRPr/>
             </a:lvl3pPr>
-            <a:lvl4pPr indent="-317500" lvl="3" marL="1828800" rtl="0">
+            <a:lvl4pPr marL="1828800" lvl="3" indent="-317500" rtl="0">
               <a:spcBef>
                 <a:spcPts val="1600"/>
               </a:spcBef>
@@ -3486,7 +3561,7 @@
               <a:buChar char="●"/>
               <a:defRPr/>
             </a:lvl4pPr>
-            <a:lvl5pPr indent="-317500" lvl="4" marL="2286000" rtl="0">
+            <a:lvl5pPr marL="2286000" lvl="4" indent="-317500" rtl="0">
               <a:spcBef>
                 <a:spcPts val="1600"/>
               </a:spcBef>
@@ -3497,7 +3572,7 @@
               <a:buChar char="○"/>
               <a:defRPr/>
             </a:lvl5pPr>
-            <a:lvl6pPr indent="-317500" lvl="5" marL="2743200" rtl="0">
+            <a:lvl6pPr marL="2743200" lvl="5" indent="-317500" rtl="0">
               <a:spcBef>
                 <a:spcPts val="1600"/>
               </a:spcBef>
@@ -3508,7 +3583,7 @@
               <a:buChar char="■"/>
               <a:defRPr/>
             </a:lvl6pPr>
-            <a:lvl7pPr indent="-317500" lvl="6" marL="3200400" rtl="0">
+            <a:lvl7pPr marL="3200400" lvl="6" indent="-317500" rtl="0">
               <a:spcBef>
                 <a:spcPts val="1600"/>
               </a:spcBef>
@@ -3519,7 +3594,7 @@
               <a:buChar char="●"/>
               <a:defRPr/>
             </a:lvl7pPr>
-            <a:lvl8pPr indent="-317500" lvl="7" marL="3657600" rtl="0">
+            <a:lvl8pPr marL="3657600" lvl="7" indent="-317500" rtl="0">
               <a:spcBef>
                 <a:spcPts val="1600"/>
               </a:spcBef>
@@ -3530,7 +3605,7 @@
               <a:buChar char="○"/>
               <a:defRPr/>
             </a:lvl8pPr>
-            <a:lvl9pPr indent="-317500" lvl="8" marL="4114800" rtl="0">
+            <a:lvl9pPr marL="4114800" lvl="8" indent="-317500" rtl="0">
               <a:spcBef>
                 <a:spcPts val="1600"/>
               </a:spcBef>
@@ -3542,15 +3617,19 @@
               <a:defRPr/>
             </a:lvl9pPr>
           </a:lstStyle>
-          <a:p/>
+          <a:p>
+            <a:endParaRPr/>
+          </a:p>
         </p:txBody>
       </p:sp>
       <p:sp>
         <p:nvSpPr>
           <p:cNvPr id="22" name="Google Shape;22;p4"/>
-          <p:cNvSpPr txBox="1"/>
+          <p:cNvSpPr txBox="1">
+            <a:spLocks noGrp="1"/>
+          </p:cNvSpPr>
           <p:nvPr>
-            <p:ph idx="12" type="sldNum"/>
+            <p:ph type="sldNum" idx="12"/>
           </p:nvPr>
         </p:nvSpPr>
         <p:spPr>
@@ -3563,7 +3642,7 @@
           </a:prstGeom>
         </p:spPr>
         <p:txBody>
-          <a:bodyPr anchorCtr="0" anchor="ctr" bIns="91425" lIns="91425" spcFirstLastPara="1" rIns="91425" wrap="square" tIns="91425">
+          <a:bodyPr spcFirstLastPara="1" wrap="square" lIns="91425" tIns="91425" rIns="91425" bIns="91425" anchor="ctr" anchorCtr="0">
             <a:noAutofit/>
           </a:bodyPr>
           <a:lstStyle>
@@ -3605,7 +3684,7 @@
             </a:lvl9pPr>
           </a:lstStyle>
           <a:p>
-            <a:pPr indent="0" lvl="0" marL="0" rtl="0" algn="r">
+            <a:pPr marL="0" lvl="0" indent="0" algn="r" rtl="0">
               <a:spcBef>
                 <a:spcPts val="0"/>
               </a:spcBef>
@@ -3631,11 +3710,11 @@
 </file>
 
 <file path=ppt/slideLayouts/slideLayout4.xml><?xml version="1.0" encoding="utf-8"?>
-<p:sldLayout xmlns:a="http://schemas.openxmlformats.org/drawingml/2006/main" xmlns:r="http://schemas.openxmlformats.org/officeDocument/2006/relationships" xmlns:mc="http://schemas.openxmlformats.org/markup-compatibility/2006" xmlns:mv="urn:schemas-microsoft-com:mac:vml" xmlns:p="http://schemas.openxmlformats.org/presentationml/2006/main" xmlns:c="http://schemas.openxmlformats.org/drawingml/2006/chart" xmlns:dgm="http://schemas.openxmlformats.org/drawingml/2006/diagram" xmlns:o="urn:schemas-microsoft-com:office:office" xmlns:v="urn:schemas-microsoft-com:vml" xmlns:pvml="urn:schemas-microsoft-com:office:powerpoint" xmlns:com="http://schemas.openxmlformats.org/drawingml/2006/compatibility" xmlns:p14="http://schemas.microsoft.com/office/powerpoint/2010/main" xmlns:p15="http://schemas.microsoft.com/office/powerpoint/2012/main" matchingName="Title and two columns" type="twoColTx">
+<p:sldLayout xmlns:a="http://schemas.openxmlformats.org/drawingml/2006/main" xmlns:r="http://schemas.openxmlformats.org/officeDocument/2006/relationships" xmlns:p="http://schemas.openxmlformats.org/presentationml/2006/main" matchingName="Title and two columns" type="twoColTx">
   <p:cSld name="TITLE_AND_TWO_COLUMNS">
     <p:spTree>
       <p:nvGrpSpPr>
-        <p:cNvPr id="23" name="Shape 23"/>
+        <p:cNvPr id="1" name="Shape 23"/>
         <p:cNvGrpSpPr/>
         <p:nvPr/>
       </p:nvGrpSpPr>
@@ -3650,7 +3729,9 @@
       <p:sp>
         <p:nvSpPr>
           <p:cNvPr id="24" name="Google Shape;24;p5"/>
-          <p:cNvSpPr txBox="1"/>
+          <p:cNvSpPr txBox="1">
+            <a:spLocks noGrp="1"/>
+          </p:cNvSpPr>
           <p:nvPr>
             <p:ph type="title"/>
           </p:nvPr>
@@ -3665,7 +3746,7 @@
           </a:prstGeom>
         </p:spPr>
         <p:txBody>
-          <a:bodyPr anchorCtr="0" anchor="t" bIns="91425" lIns="91425" spcFirstLastPara="1" rIns="91425" wrap="square" tIns="91425">
+          <a:bodyPr spcFirstLastPara="1" wrap="square" lIns="91425" tIns="91425" rIns="91425" bIns="91425" anchor="t" anchorCtr="0">
             <a:noAutofit/>
           </a:bodyPr>
           <a:lstStyle>
@@ -3769,15 +3850,19 @@
               <a:defRPr/>
             </a:lvl9pPr>
           </a:lstStyle>
-          <a:p/>
+          <a:p>
+            <a:endParaRPr/>
+          </a:p>
         </p:txBody>
       </p:sp>
       <p:sp>
         <p:nvSpPr>
           <p:cNvPr id="25" name="Google Shape;25;p5"/>
-          <p:cNvSpPr txBox="1"/>
+          <p:cNvSpPr txBox="1">
+            <a:spLocks noGrp="1"/>
+          </p:cNvSpPr>
           <p:nvPr>
-            <p:ph idx="1" type="body"/>
+            <p:ph type="body" idx="1"/>
           </p:nvPr>
         </p:nvSpPr>
         <p:spPr>
@@ -3790,11 +3875,11 @@
           </a:prstGeom>
         </p:spPr>
         <p:txBody>
-          <a:bodyPr anchorCtr="0" anchor="t" bIns="91425" lIns="91425" spcFirstLastPara="1" rIns="91425" wrap="square" tIns="91425">
+          <a:bodyPr spcFirstLastPara="1" wrap="square" lIns="91425" tIns="91425" rIns="91425" bIns="91425" anchor="t" anchorCtr="0">
             <a:noAutofit/>
           </a:bodyPr>
           <a:lstStyle>
-            <a:lvl1pPr indent="-317500" lvl="0" marL="457200" rtl="0">
+            <a:lvl1pPr marL="457200" lvl="0" indent="-317500" rtl="0">
               <a:spcBef>
                 <a:spcPts val="0"/>
               </a:spcBef>
@@ -3805,7 +3890,7 @@
               <a:buChar char="●"/>
               <a:defRPr sz="1400"/>
             </a:lvl1pPr>
-            <a:lvl2pPr indent="-304800" lvl="1" marL="914400" rtl="0">
+            <a:lvl2pPr marL="914400" lvl="1" indent="-304800" rtl="0">
               <a:spcBef>
                 <a:spcPts val="1600"/>
               </a:spcBef>
@@ -3816,7 +3901,7 @@
               <a:buChar char="○"/>
               <a:defRPr sz="1200"/>
             </a:lvl2pPr>
-            <a:lvl3pPr indent="-304800" lvl="2" marL="1371600" rtl="0">
+            <a:lvl3pPr marL="1371600" lvl="2" indent="-304800" rtl="0">
               <a:spcBef>
                 <a:spcPts val="1600"/>
               </a:spcBef>
@@ -3827,7 +3912,7 @@
               <a:buChar char="■"/>
               <a:defRPr sz="1200"/>
             </a:lvl3pPr>
-            <a:lvl4pPr indent="-304800" lvl="3" marL="1828800" rtl="0">
+            <a:lvl4pPr marL="1828800" lvl="3" indent="-304800" rtl="0">
               <a:spcBef>
                 <a:spcPts val="1600"/>
               </a:spcBef>
@@ -3838,7 +3923,7 @@
               <a:buChar char="●"/>
               <a:defRPr sz="1200"/>
             </a:lvl4pPr>
-            <a:lvl5pPr indent="-304800" lvl="4" marL="2286000" rtl="0">
+            <a:lvl5pPr marL="2286000" lvl="4" indent="-304800" rtl="0">
               <a:spcBef>
                 <a:spcPts val="1600"/>
               </a:spcBef>
@@ -3849,7 +3934,7 @@
               <a:buChar char="○"/>
               <a:defRPr sz="1200"/>
             </a:lvl5pPr>
-            <a:lvl6pPr indent="-304800" lvl="5" marL="2743200" rtl="0">
+            <a:lvl6pPr marL="2743200" lvl="5" indent="-304800" rtl="0">
               <a:spcBef>
                 <a:spcPts val="1600"/>
               </a:spcBef>
@@ -3860,7 +3945,7 @@
               <a:buChar char="■"/>
               <a:defRPr sz="1200"/>
             </a:lvl6pPr>
-            <a:lvl7pPr indent="-304800" lvl="6" marL="3200400" rtl="0">
+            <a:lvl7pPr marL="3200400" lvl="6" indent="-304800" rtl="0">
               <a:spcBef>
                 <a:spcPts val="1600"/>
               </a:spcBef>
@@ -3871,7 +3956,7 @@
               <a:buChar char="●"/>
               <a:defRPr sz="1200"/>
             </a:lvl7pPr>
-            <a:lvl8pPr indent="-304800" lvl="7" marL="3657600" rtl="0">
+            <a:lvl8pPr marL="3657600" lvl="7" indent="-304800" rtl="0">
               <a:spcBef>
                 <a:spcPts val="1600"/>
               </a:spcBef>
@@ -3882,7 +3967,7 @@
               <a:buChar char="○"/>
               <a:defRPr sz="1200"/>
             </a:lvl8pPr>
-            <a:lvl9pPr indent="-304800" lvl="8" marL="4114800" rtl="0">
+            <a:lvl9pPr marL="4114800" lvl="8" indent="-304800" rtl="0">
               <a:spcBef>
                 <a:spcPts val="1600"/>
               </a:spcBef>
@@ -3894,15 +3979,19 @@
               <a:defRPr sz="1200"/>
             </a:lvl9pPr>
           </a:lstStyle>
-          <a:p/>
+          <a:p>
+            <a:endParaRPr/>
+          </a:p>
         </p:txBody>
       </p:sp>
       <p:sp>
         <p:nvSpPr>
           <p:cNvPr id="26" name="Google Shape;26;p5"/>
-          <p:cNvSpPr txBox="1"/>
+          <p:cNvSpPr txBox="1">
+            <a:spLocks noGrp="1"/>
+          </p:cNvSpPr>
           <p:nvPr>
-            <p:ph idx="2" type="body"/>
+            <p:ph type="body" idx="2"/>
           </p:nvPr>
         </p:nvSpPr>
         <p:spPr>
@@ -3915,11 +4004,11 @@
           </a:prstGeom>
         </p:spPr>
         <p:txBody>
-          <a:bodyPr anchorCtr="0" anchor="t" bIns="91425" lIns="91425" spcFirstLastPara="1" rIns="91425" wrap="square" tIns="91425">
+          <a:bodyPr spcFirstLastPara="1" wrap="square" lIns="91425" tIns="91425" rIns="91425" bIns="91425" anchor="t" anchorCtr="0">
             <a:noAutofit/>
           </a:bodyPr>
           <a:lstStyle>
-            <a:lvl1pPr indent="-317500" lvl="0" marL="457200" rtl="0">
+            <a:lvl1pPr marL="457200" lvl="0" indent="-317500" rtl="0">
               <a:spcBef>
                 <a:spcPts val="0"/>
               </a:spcBef>
@@ -3930,7 +4019,7 @@
               <a:buChar char="●"/>
               <a:defRPr sz="1400"/>
             </a:lvl1pPr>
-            <a:lvl2pPr indent="-304800" lvl="1" marL="914400" rtl="0">
+            <a:lvl2pPr marL="914400" lvl="1" indent="-304800" rtl="0">
               <a:spcBef>
                 <a:spcPts val="1600"/>
               </a:spcBef>
@@ -3941,7 +4030,7 @@
               <a:buChar char="○"/>
               <a:defRPr sz="1200"/>
             </a:lvl2pPr>
-            <a:lvl3pPr indent="-304800" lvl="2" marL="1371600" rtl="0">
+            <a:lvl3pPr marL="1371600" lvl="2" indent="-304800" rtl="0">
               <a:spcBef>
                 <a:spcPts val="1600"/>
               </a:spcBef>
@@ -3952,7 +4041,7 @@
               <a:buChar char="■"/>
               <a:defRPr sz="1200"/>
             </a:lvl3pPr>
-            <a:lvl4pPr indent="-304800" lvl="3" marL="1828800" rtl="0">
+            <a:lvl4pPr marL="1828800" lvl="3" indent="-304800" rtl="0">
               <a:spcBef>
                 <a:spcPts val="1600"/>
               </a:spcBef>
@@ -3963,7 +4052,7 @@
               <a:buChar char="●"/>
               <a:defRPr sz="1200"/>
             </a:lvl4pPr>
-            <a:lvl5pPr indent="-304800" lvl="4" marL="2286000" rtl="0">
+            <a:lvl5pPr marL="2286000" lvl="4" indent="-304800" rtl="0">
               <a:spcBef>
                 <a:spcPts val="1600"/>
               </a:spcBef>
@@ -3974,7 +4063,7 @@
               <a:buChar char="○"/>
               <a:defRPr sz="1200"/>
             </a:lvl5pPr>
-            <a:lvl6pPr indent="-304800" lvl="5" marL="2743200" rtl="0">
+            <a:lvl6pPr marL="2743200" lvl="5" indent="-304800" rtl="0">
               <a:spcBef>
                 <a:spcPts val="1600"/>
               </a:spcBef>
@@ -3985,7 +4074,7 @@
               <a:buChar char="■"/>
               <a:defRPr sz="1200"/>
             </a:lvl6pPr>
-            <a:lvl7pPr indent="-304800" lvl="6" marL="3200400" rtl="0">
+            <a:lvl7pPr marL="3200400" lvl="6" indent="-304800" rtl="0">
               <a:spcBef>
                 <a:spcPts val="1600"/>
               </a:spcBef>
@@ -3996,7 +4085,7 @@
               <a:buChar char="●"/>
               <a:defRPr sz="1200"/>
             </a:lvl7pPr>
-            <a:lvl8pPr indent="-304800" lvl="7" marL="3657600" rtl="0">
+            <a:lvl8pPr marL="3657600" lvl="7" indent="-304800" rtl="0">
               <a:spcBef>
                 <a:spcPts val="1600"/>
               </a:spcBef>
@@ -4007,7 +4096,7 @@
               <a:buChar char="○"/>
               <a:defRPr sz="1200"/>
             </a:lvl8pPr>
-            <a:lvl9pPr indent="-304800" lvl="8" marL="4114800" rtl="0">
+            <a:lvl9pPr marL="4114800" lvl="8" indent="-304800" rtl="0">
               <a:spcBef>
                 <a:spcPts val="1600"/>
               </a:spcBef>
@@ -4019,15 +4108,19 @@
               <a:defRPr sz="1200"/>
             </a:lvl9pPr>
           </a:lstStyle>
-          <a:p/>
+          <a:p>
+            <a:endParaRPr/>
+          </a:p>
         </p:txBody>
       </p:sp>
       <p:sp>
         <p:nvSpPr>
           <p:cNvPr id="27" name="Google Shape;27;p5"/>
-          <p:cNvSpPr txBox="1"/>
+          <p:cNvSpPr txBox="1">
+            <a:spLocks noGrp="1"/>
+          </p:cNvSpPr>
           <p:nvPr>
-            <p:ph idx="12" type="sldNum"/>
+            <p:ph type="sldNum" idx="12"/>
           </p:nvPr>
         </p:nvSpPr>
         <p:spPr>
@@ -4040,7 +4133,7 @@
           </a:prstGeom>
         </p:spPr>
         <p:txBody>
-          <a:bodyPr anchorCtr="0" anchor="ctr" bIns="91425" lIns="91425" spcFirstLastPara="1" rIns="91425" wrap="square" tIns="91425">
+          <a:bodyPr spcFirstLastPara="1" wrap="square" lIns="91425" tIns="91425" rIns="91425" bIns="91425" anchor="ctr" anchorCtr="0">
             <a:noAutofit/>
           </a:bodyPr>
           <a:lstStyle>
@@ -4082,7 +4175,7 @@
             </a:lvl9pPr>
           </a:lstStyle>
           <a:p>
-            <a:pPr indent="0" lvl="0" marL="0" rtl="0" algn="r">
+            <a:pPr marL="0" lvl="0" indent="0" algn="r" rtl="0">
               <a:spcBef>
                 <a:spcPts val="0"/>
               </a:spcBef>
@@ -4108,11 +4201,11 @@
 </file>
 
 <file path=ppt/slideLayouts/slideLayout5.xml><?xml version="1.0" encoding="utf-8"?>
-<p:sldLayout xmlns:a="http://schemas.openxmlformats.org/drawingml/2006/main" xmlns:r="http://schemas.openxmlformats.org/officeDocument/2006/relationships" xmlns:mc="http://schemas.openxmlformats.org/markup-compatibility/2006" xmlns:mv="urn:schemas-microsoft-com:mac:vml" xmlns:p="http://schemas.openxmlformats.org/presentationml/2006/main" xmlns:c="http://schemas.openxmlformats.org/drawingml/2006/chart" xmlns:dgm="http://schemas.openxmlformats.org/drawingml/2006/diagram" xmlns:o="urn:schemas-microsoft-com:office:office" xmlns:v="urn:schemas-microsoft-com:vml" xmlns:pvml="urn:schemas-microsoft-com:office:powerpoint" xmlns:com="http://schemas.openxmlformats.org/drawingml/2006/compatibility" xmlns:p14="http://schemas.microsoft.com/office/powerpoint/2010/main" xmlns:p15="http://schemas.microsoft.com/office/powerpoint/2012/main" matchingName="Title only" type="titleOnly">
+<p:sldLayout xmlns:a="http://schemas.openxmlformats.org/drawingml/2006/main" xmlns:r="http://schemas.openxmlformats.org/officeDocument/2006/relationships" xmlns:p="http://schemas.openxmlformats.org/presentationml/2006/main" matchingName="Title only" type="titleOnly">
   <p:cSld name="TITLE_ONLY">
     <p:spTree>
       <p:nvGrpSpPr>
-        <p:cNvPr id="28" name="Shape 28"/>
+        <p:cNvPr id="1" name="Shape 28"/>
         <p:cNvGrpSpPr/>
         <p:nvPr/>
       </p:nvGrpSpPr>
@@ -4127,7 +4220,9 @@
       <p:sp>
         <p:nvSpPr>
           <p:cNvPr id="29" name="Google Shape;29;p6"/>
-          <p:cNvSpPr txBox="1"/>
+          <p:cNvSpPr txBox="1">
+            <a:spLocks noGrp="1"/>
+          </p:cNvSpPr>
           <p:nvPr>
             <p:ph type="title"/>
           </p:nvPr>
@@ -4142,7 +4237,7 @@
           </a:prstGeom>
         </p:spPr>
         <p:txBody>
-          <a:bodyPr anchorCtr="0" anchor="t" bIns="91425" lIns="91425" spcFirstLastPara="1" rIns="91425" wrap="square" tIns="91425">
+          <a:bodyPr spcFirstLastPara="1" wrap="square" lIns="91425" tIns="91425" rIns="91425" bIns="91425" anchor="t" anchorCtr="0">
             <a:noAutofit/>
           </a:bodyPr>
           <a:lstStyle>
@@ -4246,15 +4341,19 @@
               <a:defRPr/>
             </a:lvl9pPr>
           </a:lstStyle>
-          <a:p/>
+          <a:p>
+            <a:endParaRPr/>
+          </a:p>
         </p:txBody>
       </p:sp>
       <p:sp>
         <p:nvSpPr>
           <p:cNvPr id="30" name="Google Shape;30;p6"/>
-          <p:cNvSpPr txBox="1"/>
+          <p:cNvSpPr txBox="1">
+            <a:spLocks noGrp="1"/>
+          </p:cNvSpPr>
           <p:nvPr>
-            <p:ph idx="12" type="sldNum"/>
+            <p:ph type="sldNum" idx="12"/>
           </p:nvPr>
         </p:nvSpPr>
         <p:spPr>
@@ -4267,7 +4366,7 @@
           </a:prstGeom>
         </p:spPr>
         <p:txBody>
-          <a:bodyPr anchorCtr="0" anchor="ctr" bIns="91425" lIns="91425" spcFirstLastPara="1" rIns="91425" wrap="square" tIns="91425">
+          <a:bodyPr spcFirstLastPara="1" wrap="square" lIns="91425" tIns="91425" rIns="91425" bIns="91425" anchor="ctr" anchorCtr="0">
             <a:noAutofit/>
           </a:bodyPr>
           <a:lstStyle>
@@ -4309,7 +4408,7 @@
             </a:lvl9pPr>
           </a:lstStyle>
           <a:p>
-            <a:pPr indent="0" lvl="0" marL="0" rtl="0" algn="r">
+            <a:pPr marL="0" lvl="0" indent="0" algn="r" rtl="0">
               <a:spcBef>
                 <a:spcPts val="0"/>
               </a:spcBef>
@@ -4335,11 +4434,11 @@
 </file>
 
 <file path=ppt/slideLayouts/slideLayout6.xml><?xml version="1.0" encoding="utf-8"?>
-<p:sldLayout xmlns:a="http://schemas.openxmlformats.org/drawingml/2006/main" xmlns:r="http://schemas.openxmlformats.org/officeDocument/2006/relationships" xmlns:mc="http://schemas.openxmlformats.org/markup-compatibility/2006" xmlns:mv="urn:schemas-microsoft-com:mac:vml" xmlns:p="http://schemas.openxmlformats.org/presentationml/2006/main" xmlns:c="http://schemas.openxmlformats.org/drawingml/2006/chart" xmlns:dgm="http://schemas.openxmlformats.org/drawingml/2006/diagram" xmlns:o="urn:schemas-microsoft-com:office:office" xmlns:v="urn:schemas-microsoft-com:vml" xmlns:pvml="urn:schemas-microsoft-com:office:powerpoint" xmlns:com="http://schemas.openxmlformats.org/drawingml/2006/compatibility" xmlns:p14="http://schemas.microsoft.com/office/powerpoint/2010/main" xmlns:p15="http://schemas.microsoft.com/office/powerpoint/2012/main" matchingName="One column text">
+<p:sldLayout xmlns:a="http://schemas.openxmlformats.org/drawingml/2006/main" xmlns:r="http://schemas.openxmlformats.org/officeDocument/2006/relationships" xmlns:p="http://schemas.openxmlformats.org/presentationml/2006/main" matchingName="One column text">
   <p:cSld name="ONE_COLUMN_TEXT">
     <p:spTree>
       <p:nvGrpSpPr>
-        <p:cNvPr id="31" name="Shape 31"/>
+        <p:cNvPr id="1" name="Shape 31"/>
         <p:cNvGrpSpPr/>
         <p:nvPr/>
       </p:nvGrpSpPr>
@@ -4354,7 +4453,9 @@
       <p:sp>
         <p:nvSpPr>
           <p:cNvPr id="32" name="Google Shape;32;p7"/>
-          <p:cNvSpPr txBox="1"/>
+          <p:cNvSpPr txBox="1">
+            <a:spLocks noGrp="1"/>
+          </p:cNvSpPr>
           <p:nvPr>
             <p:ph type="title"/>
           </p:nvPr>
@@ -4369,7 +4470,7 @@
           </a:prstGeom>
         </p:spPr>
         <p:txBody>
-          <a:bodyPr anchorCtr="0" anchor="b" bIns="91425" lIns="91425" spcFirstLastPara="1" rIns="91425" wrap="square" tIns="91425">
+          <a:bodyPr spcFirstLastPara="1" wrap="square" lIns="91425" tIns="91425" rIns="91425" bIns="91425" anchor="b" anchorCtr="0">
             <a:noAutofit/>
           </a:bodyPr>
           <a:lstStyle>
@@ -4473,15 +4574,19 @@
               <a:defRPr sz="2400"/>
             </a:lvl9pPr>
           </a:lstStyle>
-          <a:p/>
+          <a:p>
+            <a:endParaRPr/>
+          </a:p>
         </p:txBody>
       </p:sp>
       <p:sp>
         <p:nvSpPr>
           <p:cNvPr id="33" name="Google Shape;33;p7"/>
-          <p:cNvSpPr txBox="1"/>
+          <p:cNvSpPr txBox="1">
+            <a:spLocks noGrp="1"/>
+          </p:cNvSpPr>
           <p:nvPr>
-            <p:ph idx="1" type="body"/>
+            <p:ph type="body" idx="1"/>
           </p:nvPr>
         </p:nvSpPr>
         <p:spPr>
@@ -4494,11 +4599,11 @@
           </a:prstGeom>
         </p:spPr>
         <p:txBody>
-          <a:bodyPr anchorCtr="0" anchor="t" bIns="91425" lIns="91425" spcFirstLastPara="1" rIns="91425" wrap="square" tIns="91425">
+          <a:bodyPr spcFirstLastPara="1" wrap="square" lIns="91425" tIns="91425" rIns="91425" bIns="91425" anchor="t" anchorCtr="0">
             <a:noAutofit/>
           </a:bodyPr>
           <a:lstStyle>
-            <a:lvl1pPr indent="-304800" lvl="0" marL="457200" rtl="0">
+            <a:lvl1pPr marL="457200" lvl="0" indent="-304800" rtl="0">
               <a:spcBef>
                 <a:spcPts val="0"/>
               </a:spcBef>
@@ -4509,7 +4614,7 @@
               <a:buChar char="●"/>
               <a:defRPr sz="1200"/>
             </a:lvl1pPr>
-            <a:lvl2pPr indent="-304800" lvl="1" marL="914400" rtl="0">
+            <a:lvl2pPr marL="914400" lvl="1" indent="-304800" rtl="0">
               <a:spcBef>
                 <a:spcPts val="1600"/>
               </a:spcBef>
@@ -4520,7 +4625,7 @@
               <a:buChar char="○"/>
               <a:defRPr sz="1200"/>
             </a:lvl2pPr>
-            <a:lvl3pPr indent="-304800" lvl="2" marL="1371600" rtl="0">
+            <a:lvl3pPr marL="1371600" lvl="2" indent="-304800" rtl="0">
               <a:spcBef>
                 <a:spcPts val="1600"/>
               </a:spcBef>
@@ -4531,7 +4636,7 @@
               <a:buChar char="■"/>
               <a:defRPr sz="1200"/>
             </a:lvl3pPr>
-            <a:lvl4pPr indent="-304800" lvl="3" marL="1828800" rtl="0">
+            <a:lvl4pPr marL="1828800" lvl="3" indent="-304800" rtl="0">
               <a:spcBef>
                 <a:spcPts val="1600"/>
               </a:spcBef>
@@ -4542,7 +4647,7 @@
               <a:buChar char="●"/>
               <a:defRPr sz="1200"/>
             </a:lvl4pPr>
-            <a:lvl5pPr indent="-304800" lvl="4" marL="2286000" rtl="0">
+            <a:lvl5pPr marL="2286000" lvl="4" indent="-304800" rtl="0">
               <a:spcBef>
                 <a:spcPts val="1600"/>
               </a:spcBef>
@@ -4553,7 +4658,7 @@
               <a:buChar char="○"/>
               <a:defRPr sz="1200"/>
             </a:lvl5pPr>
-            <a:lvl6pPr indent="-304800" lvl="5" marL="2743200" rtl="0">
+            <a:lvl6pPr marL="2743200" lvl="5" indent="-304800" rtl="0">
               <a:spcBef>
                 <a:spcPts val="1600"/>
               </a:spcBef>
@@ -4564,7 +4669,7 @@
               <a:buChar char="■"/>
               <a:defRPr sz="1200"/>
             </a:lvl6pPr>
-            <a:lvl7pPr indent="-304800" lvl="6" marL="3200400" rtl="0">
+            <a:lvl7pPr marL="3200400" lvl="6" indent="-304800" rtl="0">
               <a:spcBef>
                 <a:spcPts val="1600"/>
               </a:spcBef>
@@ -4575,7 +4680,7 @@
               <a:buChar char="●"/>
               <a:defRPr sz="1200"/>
             </a:lvl7pPr>
-            <a:lvl8pPr indent="-304800" lvl="7" marL="3657600" rtl="0">
+            <a:lvl8pPr marL="3657600" lvl="7" indent="-304800" rtl="0">
               <a:spcBef>
                 <a:spcPts val="1600"/>
               </a:spcBef>
@@ -4586,7 +4691,7 @@
               <a:buChar char="○"/>
               <a:defRPr sz="1200"/>
             </a:lvl8pPr>
-            <a:lvl9pPr indent="-304800" lvl="8" marL="4114800" rtl="0">
+            <a:lvl9pPr marL="4114800" lvl="8" indent="-304800" rtl="0">
               <a:spcBef>
                 <a:spcPts val="1600"/>
               </a:spcBef>
@@ -4598,15 +4703,19 @@
               <a:defRPr sz="1200"/>
             </a:lvl9pPr>
           </a:lstStyle>
-          <a:p/>
+          <a:p>
+            <a:endParaRPr/>
+          </a:p>
         </p:txBody>
       </p:sp>
       <p:sp>
         <p:nvSpPr>
           <p:cNvPr id="34" name="Google Shape;34;p7"/>
-          <p:cNvSpPr txBox="1"/>
+          <p:cNvSpPr txBox="1">
+            <a:spLocks noGrp="1"/>
+          </p:cNvSpPr>
           <p:nvPr>
-            <p:ph idx="12" type="sldNum"/>
+            <p:ph type="sldNum" idx="12"/>
           </p:nvPr>
         </p:nvSpPr>
         <p:spPr>
@@ -4619,7 +4728,7 @@
           </a:prstGeom>
         </p:spPr>
         <p:txBody>
-          <a:bodyPr anchorCtr="0" anchor="ctr" bIns="91425" lIns="91425" spcFirstLastPara="1" rIns="91425" wrap="square" tIns="91425">
+          <a:bodyPr spcFirstLastPara="1" wrap="square" lIns="91425" tIns="91425" rIns="91425" bIns="91425" anchor="ctr" anchorCtr="0">
             <a:noAutofit/>
           </a:bodyPr>
           <a:lstStyle>
@@ -4661,7 +4770,7 @@
             </a:lvl9pPr>
           </a:lstStyle>
           <a:p>
-            <a:pPr indent="0" lvl="0" marL="0" rtl="0" algn="r">
+            <a:pPr marL="0" lvl="0" indent="0" algn="r" rtl="0">
               <a:spcBef>
                 <a:spcPts val="0"/>
               </a:spcBef>
@@ -4687,18 +4796,19 @@
 </file>
 
 <file path=ppt/slideLayouts/slideLayout7.xml><?xml version="1.0" encoding="utf-8"?>
-<p:sldLayout xmlns:a="http://schemas.openxmlformats.org/drawingml/2006/main" xmlns:r="http://schemas.openxmlformats.org/officeDocument/2006/relationships" xmlns:mc="http://schemas.openxmlformats.org/markup-compatibility/2006" xmlns:mv="urn:schemas-microsoft-com:mac:vml" xmlns:p="http://schemas.openxmlformats.org/presentationml/2006/main" xmlns:c="http://schemas.openxmlformats.org/drawingml/2006/chart" xmlns:dgm="http://schemas.openxmlformats.org/drawingml/2006/diagram" xmlns:o="urn:schemas-microsoft-com:office:office" xmlns:v="urn:schemas-microsoft-com:vml" xmlns:pvml="urn:schemas-microsoft-com:office:powerpoint" xmlns:com="http://schemas.openxmlformats.org/drawingml/2006/compatibility" xmlns:p14="http://schemas.microsoft.com/office/powerpoint/2010/main" xmlns:p15="http://schemas.microsoft.com/office/powerpoint/2012/main" matchingName="Main point">
+<p:sldLayout xmlns:a="http://schemas.openxmlformats.org/drawingml/2006/main" xmlns:r="http://schemas.openxmlformats.org/officeDocument/2006/relationships" xmlns:p="http://schemas.openxmlformats.org/presentationml/2006/main" matchingName="Main point">
   <p:cSld name="MAIN_POINT">
     <p:bg>
       <p:bgPr>
         <a:solidFill>
           <a:schemeClr val="lt2"/>
         </a:solidFill>
+        <a:effectLst/>
       </p:bgPr>
     </p:bg>
     <p:spTree>
       <p:nvGrpSpPr>
-        <p:cNvPr id="35" name="Shape 35"/>
+        <p:cNvPr id="1" name="Shape 35"/>
         <p:cNvGrpSpPr/>
         <p:nvPr/>
       </p:nvGrpSpPr>
@@ -4713,7 +4823,9 @@
       <p:sp>
         <p:nvSpPr>
           <p:cNvPr id="36" name="Google Shape;36;p8"/>
-          <p:cNvSpPr txBox="1"/>
+          <p:cNvSpPr txBox="1">
+            <a:spLocks noGrp="1"/>
+          </p:cNvSpPr>
           <p:nvPr>
             <p:ph type="title"/>
           </p:nvPr>
@@ -4728,7 +4840,7 @@
           </a:prstGeom>
         </p:spPr>
         <p:txBody>
-          <a:bodyPr anchorCtr="0" anchor="ctr" bIns="91425" lIns="91425" spcFirstLastPara="1" rIns="91425" wrap="square" tIns="91425">
+          <a:bodyPr spcFirstLastPara="1" wrap="square" lIns="91425" tIns="91425" rIns="91425" bIns="91425" anchor="ctr" anchorCtr="0">
             <a:noAutofit/>
           </a:bodyPr>
           <a:lstStyle>
@@ -4832,15 +4944,19 @@
               <a:defRPr sz="4800"/>
             </a:lvl9pPr>
           </a:lstStyle>
-          <a:p/>
+          <a:p>
+            <a:endParaRPr/>
+          </a:p>
         </p:txBody>
       </p:sp>
       <p:sp>
         <p:nvSpPr>
           <p:cNvPr id="37" name="Google Shape;37;p8"/>
-          <p:cNvSpPr txBox="1"/>
+          <p:cNvSpPr txBox="1">
+            <a:spLocks noGrp="1"/>
+          </p:cNvSpPr>
           <p:nvPr>
-            <p:ph idx="12" type="sldNum"/>
+            <p:ph type="sldNum" idx="12"/>
           </p:nvPr>
         </p:nvSpPr>
         <p:spPr>
@@ -4853,7 +4969,7 @@
           </a:prstGeom>
         </p:spPr>
         <p:txBody>
-          <a:bodyPr anchorCtr="0" anchor="ctr" bIns="91425" lIns="91425" spcFirstLastPara="1" rIns="91425" wrap="square" tIns="91425">
+          <a:bodyPr spcFirstLastPara="1" wrap="square" lIns="91425" tIns="91425" rIns="91425" bIns="91425" anchor="ctr" anchorCtr="0">
             <a:noAutofit/>
           </a:bodyPr>
           <a:lstStyle>
@@ -4895,7 +5011,7 @@
             </a:lvl9pPr>
           </a:lstStyle>
           <a:p>
-            <a:pPr indent="0" lvl="0" marL="0" rtl="0" algn="r">
+            <a:pPr marL="0" lvl="0" indent="0" algn="r" rtl="0">
               <a:spcBef>
                 <a:spcPts val="0"/>
               </a:spcBef>
@@ -4921,11 +5037,11 @@
 </file>
 
 <file path=ppt/slideLayouts/slideLayout8.xml><?xml version="1.0" encoding="utf-8"?>
-<p:sldLayout xmlns:a="http://schemas.openxmlformats.org/drawingml/2006/main" xmlns:r="http://schemas.openxmlformats.org/officeDocument/2006/relationships" xmlns:mc="http://schemas.openxmlformats.org/markup-compatibility/2006" xmlns:mv="urn:schemas-microsoft-com:mac:vml" xmlns:p="http://schemas.openxmlformats.org/presentationml/2006/main" xmlns:c="http://schemas.openxmlformats.org/drawingml/2006/chart" xmlns:dgm="http://schemas.openxmlformats.org/drawingml/2006/diagram" xmlns:o="urn:schemas-microsoft-com:office:office" xmlns:v="urn:schemas-microsoft-com:vml" xmlns:pvml="urn:schemas-microsoft-com:office:powerpoint" xmlns:com="http://schemas.openxmlformats.org/drawingml/2006/compatibility" xmlns:p14="http://schemas.microsoft.com/office/powerpoint/2010/main" xmlns:p15="http://schemas.microsoft.com/office/powerpoint/2012/main" matchingName="Section title and description">
+<p:sldLayout xmlns:a="http://schemas.openxmlformats.org/drawingml/2006/main" xmlns:r="http://schemas.openxmlformats.org/officeDocument/2006/relationships" xmlns:p="http://schemas.openxmlformats.org/presentationml/2006/main" matchingName="Section title and description">
   <p:cSld name="SECTION_TITLE_AND_DESCRIPTION">
     <p:spTree>
       <p:nvGrpSpPr>
-        <p:cNvPr id="38" name="Shape 38"/>
+        <p:cNvPr id="1" name="Shape 38"/>
         <p:cNvGrpSpPr/>
         <p:nvPr/>
       </p:nvGrpSpPr>
@@ -4959,12 +5075,12 @@
           </a:ln>
         </p:spPr>
         <p:txBody>
-          <a:bodyPr anchorCtr="0" anchor="ctr" bIns="91425" lIns="91425" spcFirstLastPara="1" rIns="91425" wrap="square" tIns="91425">
+          <a:bodyPr spcFirstLastPara="1" wrap="square" lIns="91425" tIns="91425" rIns="91425" bIns="91425" anchor="ctr" anchorCtr="0">
             <a:noAutofit/>
           </a:bodyPr>
           <a:lstStyle/>
           <a:p>
-            <a:pPr indent="0" lvl="0" marL="0" rtl="0" algn="l">
+            <a:pPr marL="0" lvl="0" indent="0" algn="l" rtl="0">
               <a:spcBef>
                 <a:spcPts val="0"/>
               </a:spcBef>
@@ -4973,9 +5089,6 @@
               </a:spcAft>
               <a:buNone/>
             </a:pPr>
-            <a:r>
-              <a:t/>
-            </a:r>
             <a:endParaRPr/>
           </a:p>
         </p:txBody>
@@ -4995,21 +5108,23 @@
             <a:avLst/>
           </a:prstGeom>
           <a:noFill/>
-          <a:ln cap="flat" cmpd="sng" w="19050">
+          <a:ln w="19050" cap="flat" cmpd="sng">
             <a:solidFill>
               <a:schemeClr val="lt2"/>
             </a:solidFill>
             <a:prstDash val="solid"/>
             <a:round/>
-            <a:headEnd len="sm" w="sm" type="none"/>
-            <a:tailEnd len="sm" w="sm" type="none"/>
+            <a:headEnd type="none" w="sm" len="sm"/>
+            <a:tailEnd type="none" w="sm" len="sm"/>
           </a:ln>
         </p:spPr>
       </p:cxnSp>
       <p:sp>
         <p:nvSpPr>
           <p:cNvPr id="41" name="Google Shape;41;p9"/>
-          <p:cNvSpPr txBox="1"/>
+          <p:cNvSpPr txBox="1">
+            <a:spLocks noGrp="1"/>
+          </p:cNvSpPr>
           <p:nvPr>
             <p:ph type="title"/>
           </p:nvPr>
@@ -5024,11 +5139,11 @@
           </a:prstGeom>
         </p:spPr>
         <p:txBody>
-          <a:bodyPr anchorCtr="0" anchor="b" bIns="91425" lIns="91425" spcFirstLastPara="1" rIns="91425" wrap="square" tIns="91425">
+          <a:bodyPr spcFirstLastPara="1" wrap="square" lIns="91425" tIns="91425" rIns="91425" bIns="91425" anchor="b" anchorCtr="0">
             <a:noAutofit/>
           </a:bodyPr>
           <a:lstStyle>
-            <a:lvl1pPr lvl="0" rtl="0" algn="ctr">
+            <a:lvl1pPr lvl="0" algn="ctr" rtl="0">
               <a:spcBef>
                 <a:spcPts val="0"/>
               </a:spcBef>
@@ -5039,7 +5154,7 @@
               <a:buNone/>
               <a:defRPr sz="4200"/>
             </a:lvl1pPr>
-            <a:lvl2pPr lvl="1" rtl="0" algn="ctr">
+            <a:lvl2pPr lvl="1" algn="ctr" rtl="0">
               <a:spcBef>
                 <a:spcPts val="0"/>
               </a:spcBef>
@@ -5050,7 +5165,7 @@
               <a:buNone/>
               <a:defRPr sz="4200"/>
             </a:lvl2pPr>
-            <a:lvl3pPr lvl="2" rtl="0" algn="ctr">
+            <a:lvl3pPr lvl="2" algn="ctr" rtl="0">
               <a:spcBef>
                 <a:spcPts val="0"/>
               </a:spcBef>
@@ -5061,7 +5176,7 @@
               <a:buNone/>
               <a:defRPr sz="4200"/>
             </a:lvl3pPr>
-            <a:lvl4pPr lvl="3" rtl="0" algn="ctr">
+            <a:lvl4pPr lvl="3" algn="ctr" rtl="0">
               <a:spcBef>
                 <a:spcPts val="0"/>
               </a:spcBef>
@@ -5072,7 +5187,7 @@
               <a:buNone/>
               <a:defRPr sz="4200"/>
             </a:lvl4pPr>
-            <a:lvl5pPr lvl="4" rtl="0" algn="ctr">
+            <a:lvl5pPr lvl="4" algn="ctr" rtl="0">
               <a:spcBef>
                 <a:spcPts val="0"/>
               </a:spcBef>
@@ -5083,7 +5198,7 @@
               <a:buNone/>
               <a:defRPr sz="4200"/>
             </a:lvl5pPr>
-            <a:lvl6pPr lvl="5" rtl="0" algn="ctr">
+            <a:lvl6pPr lvl="5" algn="ctr" rtl="0">
               <a:spcBef>
                 <a:spcPts val="0"/>
               </a:spcBef>
@@ -5094,7 +5209,7 @@
               <a:buNone/>
               <a:defRPr sz="4200"/>
             </a:lvl6pPr>
-            <a:lvl7pPr lvl="6" rtl="0" algn="ctr">
+            <a:lvl7pPr lvl="6" algn="ctr" rtl="0">
               <a:spcBef>
                 <a:spcPts val="0"/>
               </a:spcBef>
@@ -5105,7 +5220,7 @@
               <a:buNone/>
               <a:defRPr sz="4200"/>
             </a:lvl7pPr>
-            <a:lvl8pPr lvl="7" rtl="0" algn="ctr">
+            <a:lvl8pPr lvl="7" algn="ctr" rtl="0">
               <a:spcBef>
                 <a:spcPts val="0"/>
               </a:spcBef>
@@ -5116,7 +5231,7 @@
               <a:buNone/>
               <a:defRPr sz="4200"/>
             </a:lvl8pPr>
-            <a:lvl9pPr lvl="8" rtl="0" algn="ctr">
+            <a:lvl9pPr lvl="8" algn="ctr" rtl="0">
               <a:spcBef>
                 <a:spcPts val="0"/>
               </a:spcBef>
@@ -5128,15 +5243,19 @@
               <a:defRPr sz="4200"/>
             </a:lvl9pPr>
           </a:lstStyle>
-          <a:p/>
+          <a:p>
+            <a:endParaRPr/>
+          </a:p>
         </p:txBody>
       </p:sp>
       <p:sp>
         <p:nvSpPr>
           <p:cNvPr id="42" name="Google Shape;42;p9"/>
-          <p:cNvSpPr txBox="1"/>
+          <p:cNvSpPr txBox="1">
+            <a:spLocks noGrp="1"/>
+          </p:cNvSpPr>
           <p:nvPr>
-            <p:ph idx="1" type="subTitle"/>
+            <p:ph type="subTitle" idx="1"/>
           </p:nvPr>
         </p:nvSpPr>
         <p:spPr>
@@ -5149,11 +5268,11 @@
           </a:prstGeom>
         </p:spPr>
         <p:txBody>
-          <a:bodyPr anchorCtr="0" anchor="t" bIns="91425" lIns="91425" spcFirstLastPara="1" rIns="91425" wrap="square" tIns="91425">
+          <a:bodyPr spcFirstLastPara="1" wrap="square" lIns="91425" tIns="91425" rIns="91425" bIns="91425" anchor="t" anchorCtr="0">
             <a:noAutofit/>
           </a:bodyPr>
           <a:lstStyle>
-            <a:lvl1pPr lvl="0" rtl="0" algn="ctr">
+            <a:lvl1pPr lvl="0" algn="ctr" rtl="0">
               <a:lnSpc>
                 <a:spcPct val="100000"/>
               </a:lnSpc>
@@ -5167,7 +5286,7 @@
               <a:buNone/>
               <a:defRPr sz="2100"/>
             </a:lvl1pPr>
-            <a:lvl2pPr lvl="1" rtl="0" algn="ctr">
+            <a:lvl2pPr lvl="1" algn="ctr" rtl="0">
               <a:lnSpc>
                 <a:spcPct val="100000"/>
               </a:lnSpc>
@@ -5181,7 +5300,7 @@
               <a:buNone/>
               <a:defRPr sz="2100"/>
             </a:lvl2pPr>
-            <a:lvl3pPr lvl="2" rtl="0" algn="ctr">
+            <a:lvl3pPr lvl="2" algn="ctr" rtl="0">
               <a:lnSpc>
                 <a:spcPct val="100000"/>
               </a:lnSpc>
@@ -5195,7 +5314,7 @@
               <a:buNone/>
               <a:defRPr sz="2100"/>
             </a:lvl3pPr>
-            <a:lvl4pPr lvl="3" rtl="0" algn="ctr">
+            <a:lvl4pPr lvl="3" algn="ctr" rtl="0">
               <a:lnSpc>
                 <a:spcPct val="100000"/>
               </a:lnSpc>
@@ -5209,7 +5328,7 @@
               <a:buNone/>
               <a:defRPr sz="2100"/>
             </a:lvl4pPr>
-            <a:lvl5pPr lvl="4" rtl="0" algn="ctr">
+            <a:lvl5pPr lvl="4" algn="ctr" rtl="0">
               <a:lnSpc>
                 <a:spcPct val="100000"/>
               </a:lnSpc>
@@ -5223,7 +5342,7 @@
               <a:buNone/>
               <a:defRPr sz="2100"/>
             </a:lvl5pPr>
-            <a:lvl6pPr lvl="5" rtl="0" algn="ctr">
+            <a:lvl6pPr lvl="5" algn="ctr" rtl="0">
               <a:lnSpc>
                 <a:spcPct val="100000"/>
               </a:lnSpc>
@@ -5237,7 +5356,7 @@
               <a:buNone/>
               <a:defRPr sz="2100"/>
             </a:lvl6pPr>
-            <a:lvl7pPr lvl="6" rtl="0" algn="ctr">
+            <a:lvl7pPr lvl="6" algn="ctr" rtl="0">
               <a:lnSpc>
                 <a:spcPct val="100000"/>
               </a:lnSpc>
@@ -5251,7 +5370,7 @@
               <a:buNone/>
               <a:defRPr sz="2100"/>
             </a:lvl7pPr>
-            <a:lvl8pPr lvl="7" rtl="0" algn="ctr">
+            <a:lvl8pPr lvl="7" algn="ctr" rtl="0">
               <a:lnSpc>
                 <a:spcPct val="100000"/>
               </a:lnSpc>
@@ -5265,7 +5384,7 @@
               <a:buNone/>
               <a:defRPr sz="2100"/>
             </a:lvl8pPr>
-            <a:lvl9pPr lvl="8" rtl="0" algn="ctr">
+            <a:lvl9pPr lvl="8" algn="ctr" rtl="0">
               <a:lnSpc>
                 <a:spcPct val="100000"/>
               </a:lnSpc>
@@ -5280,15 +5399,19 @@
               <a:defRPr sz="2100"/>
             </a:lvl9pPr>
           </a:lstStyle>
-          <a:p/>
+          <a:p>
+            <a:endParaRPr/>
+          </a:p>
         </p:txBody>
       </p:sp>
       <p:sp>
         <p:nvSpPr>
           <p:cNvPr id="43" name="Google Shape;43;p9"/>
-          <p:cNvSpPr txBox="1"/>
+          <p:cNvSpPr txBox="1">
+            <a:spLocks noGrp="1"/>
+          </p:cNvSpPr>
           <p:nvPr>
-            <p:ph idx="2" type="body"/>
+            <p:ph type="body" idx="2"/>
           </p:nvPr>
         </p:nvSpPr>
         <p:spPr>
@@ -5301,11 +5424,11 @@
           </a:prstGeom>
         </p:spPr>
         <p:txBody>
-          <a:bodyPr anchorCtr="0" anchor="ctr" bIns="91425" lIns="91425" spcFirstLastPara="1" rIns="91425" wrap="square" tIns="91425">
+          <a:bodyPr spcFirstLastPara="1" wrap="square" lIns="91425" tIns="91425" rIns="91425" bIns="91425" anchor="ctr" anchorCtr="0">
             <a:noAutofit/>
           </a:bodyPr>
           <a:lstStyle>
-            <a:lvl1pPr indent="-342900" lvl="0" marL="457200" rtl="0">
+            <a:lvl1pPr marL="457200" lvl="0" indent="-342900" rtl="0">
               <a:spcBef>
                 <a:spcPts val="0"/>
               </a:spcBef>
@@ -5323,7 +5446,7 @@
                 </a:solidFill>
               </a:defRPr>
             </a:lvl1pPr>
-            <a:lvl2pPr indent="-317500" lvl="1" marL="914400" rtl="0">
+            <a:lvl2pPr marL="914400" lvl="1" indent="-317500" rtl="0">
               <a:spcBef>
                 <a:spcPts val="1600"/>
               </a:spcBef>
@@ -5341,7 +5464,7 @@
                 </a:solidFill>
               </a:defRPr>
             </a:lvl2pPr>
-            <a:lvl3pPr indent="-317500" lvl="2" marL="1371600" rtl="0">
+            <a:lvl3pPr marL="1371600" lvl="2" indent="-317500" rtl="0">
               <a:spcBef>
                 <a:spcPts val="1600"/>
               </a:spcBef>
@@ -5359,7 +5482,7 @@
                 </a:solidFill>
               </a:defRPr>
             </a:lvl3pPr>
-            <a:lvl4pPr indent="-317500" lvl="3" marL="1828800" rtl="0">
+            <a:lvl4pPr marL="1828800" lvl="3" indent="-317500" rtl="0">
               <a:spcBef>
                 <a:spcPts val="1600"/>
               </a:spcBef>
@@ -5377,7 +5500,7 @@
                 </a:solidFill>
               </a:defRPr>
             </a:lvl4pPr>
-            <a:lvl5pPr indent="-317500" lvl="4" marL="2286000" rtl="0">
+            <a:lvl5pPr marL="2286000" lvl="4" indent="-317500" rtl="0">
               <a:spcBef>
                 <a:spcPts val="1600"/>
               </a:spcBef>
@@ -5395,7 +5518,7 @@
                 </a:solidFill>
               </a:defRPr>
             </a:lvl5pPr>
-            <a:lvl6pPr indent="-317500" lvl="5" marL="2743200" rtl="0">
+            <a:lvl6pPr marL="2743200" lvl="5" indent="-317500" rtl="0">
               <a:spcBef>
                 <a:spcPts val="1600"/>
               </a:spcBef>
@@ -5413,7 +5536,7 @@
                 </a:solidFill>
               </a:defRPr>
             </a:lvl6pPr>
-            <a:lvl7pPr indent="-317500" lvl="6" marL="3200400" rtl="0">
+            <a:lvl7pPr marL="3200400" lvl="6" indent="-317500" rtl="0">
               <a:spcBef>
                 <a:spcPts val="1600"/>
               </a:spcBef>
@@ -5431,7 +5554,7 @@
                 </a:solidFill>
               </a:defRPr>
             </a:lvl7pPr>
-            <a:lvl8pPr indent="-317500" lvl="7" marL="3657600" rtl="0">
+            <a:lvl8pPr marL="3657600" lvl="7" indent="-317500" rtl="0">
               <a:spcBef>
                 <a:spcPts val="1600"/>
               </a:spcBef>
@@ -5449,7 +5572,7 @@
                 </a:solidFill>
               </a:defRPr>
             </a:lvl8pPr>
-            <a:lvl9pPr indent="-317500" lvl="8" marL="4114800" rtl="0">
+            <a:lvl9pPr marL="4114800" lvl="8" indent="-317500" rtl="0">
               <a:spcBef>
                 <a:spcPts val="1600"/>
               </a:spcBef>
@@ -5468,15 +5591,19 @@
               </a:defRPr>
             </a:lvl9pPr>
           </a:lstStyle>
-          <a:p/>
+          <a:p>
+            <a:endParaRPr/>
+          </a:p>
         </p:txBody>
       </p:sp>
       <p:sp>
         <p:nvSpPr>
           <p:cNvPr id="44" name="Google Shape;44;p9"/>
-          <p:cNvSpPr txBox="1"/>
+          <p:cNvSpPr txBox="1">
+            <a:spLocks noGrp="1"/>
+          </p:cNvSpPr>
           <p:nvPr>
-            <p:ph idx="12" type="sldNum"/>
+            <p:ph type="sldNum" idx="12"/>
           </p:nvPr>
         </p:nvSpPr>
         <p:spPr>
@@ -5489,7 +5616,7 @@
           </a:prstGeom>
         </p:spPr>
         <p:txBody>
-          <a:bodyPr anchorCtr="0" anchor="ctr" bIns="91425" lIns="91425" spcFirstLastPara="1" rIns="91425" wrap="square" tIns="91425">
+          <a:bodyPr spcFirstLastPara="1" wrap="square" lIns="91425" tIns="91425" rIns="91425" bIns="91425" anchor="ctr" anchorCtr="0">
             <a:noAutofit/>
           </a:bodyPr>
           <a:lstStyle>
@@ -5567,7 +5694,7 @@
             </a:lvl9pPr>
           </a:lstStyle>
           <a:p>
-            <a:pPr indent="0" lvl="0" marL="0" rtl="0" algn="r">
+            <a:pPr marL="0" lvl="0" indent="0" algn="r" rtl="0">
               <a:spcBef>
                 <a:spcPts val="0"/>
               </a:spcBef>
@@ -5593,11 +5720,11 @@
 </file>
 
 <file path=ppt/slideLayouts/slideLayout9.xml><?xml version="1.0" encoding="utf-8"?>
-<p:sldLayout xmlns:a="http://schemas.openxmlformats.org/drawingml/2006/main" xmlns:r="http://schemas.openxmlformats.org/officeDocument/2006/relationships" xmlns:mc="http://schemas.openxmlformats.org/markup-compatibility/2006" xmlns:mv="urn:schemas-microsoft-com:mac:vml" xmlns:p="http://schemas.openxmlformats.org/presentationml/2006/main" xmlns:c="http://schemas.openxmlformats.org/drawingml/2006/chart" xmlns:dgm="http://schemas.openxmlformats.org/drawingml/2006/diagram" xmlns:o="urn:schemas-microsoft-com:office:office" xmlns:v="urn:schemas-microsoft-com:vml" xmlns:pvml="urn:schemas-microsoft-com:office:powerpoint" xmlns:com="http://schemas.openxmlformats.org/drawingml/2006/compatibility" xmlns:p14="http://schemas.microsoft.com/office/powerpoint/2010/main" xmlns:p15="http://schemas.microsoft.com/office/powerpoint/2012/main" matchingName="Caption">
+<p:sldLayout xmlns:a="http://schemas.openxmlformats.org/drawingml/2006/main" xmlns:r="http://schemas.openxmlformats.org/officeDocument/2006/relationships" xmlns:p="http://schemas.openxmlformats.org/presentationml/2006/main" matchingName="Caption">
   <p:cSld name="CAPTION_ONLY">
     <p:spTree>
       <p:nvGrpSpPr>
-        <p:cNvPr id="45" name="Shape 45"/>
+        <p:cNvPr id="1" name="Shape 45"/>
         <p:cNvGrpSpPr/>
         <p:nvPr/>
       </p:nvGrpSpPr>
@@ -5612,9 +5739,11 @@
       <p:sp>
         <p:nvSpPr>
           <p:cNvPr id="46" name="Google Shape;46;p10"/>
-          <p:cNvSpPr txBox="1"/>
+          <p:cNvSpPr txBox="1">
+            <a:spLocks noGrp="1"/>
+          </p:cNvSpPr>
           <p:nvPr>
-            <p:ph idx="1" type="body"/>
+            <p:ph type="body" idx="1"/>
           </p:nvPr>
         </p:nvSpPr>
         <p:spPr>
@@ -5627,11 +5756,11 @@
           </a:prstGeom>
         </p:spPr>
         <p:txBody>
-          <a:bodyPr anchorCtr="0" anchor="ctr" bIns="91425" lIns="91425" spcFirstLastPara="1" rIns="91425" wrap="square" tIns="91425">
+          <a:bodyPr spcFirstLastPara="1" wrap="square" lIns="91425" tIns="91425" rIns="91425" bIns="91425" anchor="ctr" anchorCtr="0">
             <a:noAutofit/>
           </a:bodyPr>
           <a:lstStyle>
-            <a:lvl1pPr indent="-228600" lvl="0" marL="457200" rtl="0">
+            <a:lvl1pPr marL="457200" lvl="0" indent="-228600" rtl="0">
               <a:lnSpc>
                 <a:spcPct val="100000"/>
               </a:lnSpc>
@@ -5646,15 +5775,19 @@
               <a:defRPr sz="2100"/>
             </a:lvl1pPr>
           </a:lstStyle>
-          <a:p/>
+          <a:p>
+            <a:endParaRPr/>
+          </a:p>
         </p:txBody>
       </p:sp>
       <p:sp>
         <p:nvSpPr>
           <p:cNvPr id="47" name="Google Shape;47;p10"/>
-          <p:cNvSpPr txBox="1"/>
+          <p:cNvSpPr txBox="1">
+            <a:spLocks noGrp="1"/>
+          </p:cNvSpPr>
           <p:nvPr>
-            <p:ph idx="12" type="sldNum"/>
+            <p:ph type="sldNum" idx="12"/>
           </p:nvPr>
         </p:nvSpPr>
         <p:spPr>
@@ -5667,7 +5800,7 @@
           </a:prstGeom>
         </p:spPr>
         <p:txBody>
-          <a:bodyPr anchorCtr="0" anchor="ctr" bIns="91425" lIns="91425" spcFirstLastPara="1" rIns="91425" wrap="square" tIns="91425">
+          <a:bodyPr spcFirstLastPara="1" wrap="square" lIns="91425" tIns="91425" rIns="91425" bIns="91425" anchor="ctr" anchorCtr="0">
             <a:noAutofit/>
           </a:bodyPr>
           <a:lstStyle>
@@ -5709,7 +5842,7 @@
             </a:lvl9pPr>
           </a:lstStyle>
           <a:p>
-            <a:pPr indent="0" lvl="0" marL="0" rtl="0" algn="r">
+            <a:pPr marL="0" lvl="0" indent="0" algn="r" rtl="0">
               <a:spcBef>
                 <a:spcPts val="0"/>
               </a:spcBef>
@@ -5735,18 +5868,19 @@
 </file>
 
 <file path=ppt/slideMasters/slideMaster1.xml><?xml version="1.0" encoding="utf-8"?>
-<p:sldMaster xmlns:a="http://schemas.openxmlformats.org/drawingml/2006/main" xmlns:r="http://schemas.openxmlformats.org/officeDocument/2006/relationships" xmlns:mc="http://schemas.openxmlformats.org/markup-compatibility/2006" xmlns:mv="urn:schemas-microsoft-com:mac:vml" xmlns:p="http://schemas.openxmlformats.org/presentationml/2006/main" xmlns:c="http://schemas.openxmlformats.org/drawingml/2006/chart" xmlns:dgm="http://schemas.openxmlformats.org/drawingml/2006/diagram" xmlns:o="urn:schemas-microsoft-com:office:office" xmlns:v="urn:schemas-microsoft-com:vml" xmlns:pvml="urn:schemas-microsoft-com:office:powerpoint" xmlns:com="http://schemas.openxmlformats.org/drawingml/2006/compatibility" xmlns:p14="http://schemas.microsoft.com/office/powerpoint/2010/main" xmlns:p15="http://schemas.microsoft.com/office/powerpoint/2012/main">
+<p:sldMaster xmlns:a="http://schemas.openxmlformats.org/drawingml/2006/main" xmlns:r="http://schemas.openxmlformats.org/officeDocument/2006/relationships" xmlns:p="http://schemas.openxmlformats.org/presentationml/2006/main">
   <p:cSld name="spearmint">
     <p:bg>
       <p:bgPr>
         <a:solidFill>
           <a:schemeClr val="lt1"/>
         </a:solidFill>
+        <a:effectLst/>
       </p:bgPr>
     </p:bg>
     <p:spTree>
       <p:nvGrpSpPr>
-        <p:cNvPr id="5" name="Shape 5"/>
+        <p:cNvPr id="1" name="Shape 5"/>
         <p:cNvGrpSpPr/>
         <p:nvPr/>
       </p:nvGrpSpPr>
@@ -5761,7 +5895,9 @@
       <p:sp>
         <p:nvSpPr>
           <p:cNvPr id="6" name="Google Shape;6;p1"/>
-          <p:cNvSpPr txBox="1"/>
+          <p:cNvSpPr txBox="1">
+            <a:spLocks noGrp="1"/>
+          </p:cNvSpPr>
           <p:nvPr>
             <p:ph type="title"/>
           </p:nvPr>
@@ -5780,7 +5916,7 @@
           </a:ln>
         </p:spPr>
         <p:txBody>
-          <a:bodyPr anchorCtr="0" anchor="t" bIns="91425" lIns="91425" spcFirstLastPara="1" rIns="91425" wrap="square" tIns="91425">
+          <a:bodyPr spcFirstLastPara="1" wrap="square" lIns="91425" tIns="91425" rIns="91425" bIns="91425" anchor="t" anchorCtr="0">
             <a:noAutofit/>
           </a:bodyPr>
           <a:lstStyle>
@@ -5992,15 +6128,19 @@
               </a:defRPr>
             </a:lvl9pPr>
           </a:lstStyle>
-          <a:p/>
+          <a:p>
+            <a:endParaRPr/>
+          </a:p>
         </p:txBody>
       </p:sp>
       <p:sp>
         <p:nvSpPr>
           <p:cNvPr id="7" name="Google Shape;7;p1"/>
-          <p:cNvSpPr txBox="1"/>
+          <p:cNvSpPr txBox="1">
+            <a:spLocks noGrp="1"/>
+          </p:cNvSpPr>
           <p:nvPr>
-            <p:ph idx="1" type="body"/>
+            <p:ph type="body" idx="1"/>
           </p:nvPr>
         </p:nvSpPr>
         <p:spPr>
@@ -6017,11 +6157,11 @@
           </a:ln>
         </p:spPr>
         <p:txBody>
-          <a:bodyPr anchorCtr="0" anchor="t" bIns="91425" lIns="91425" spcFirstLastPara="1" rIns="91425" wrap="square" tIns="91425">
+          <a:bodyPr spcFirstLastPara="1" wrap="square" lIns="91425" tIns="91425" rIns="91425" bIns="91425" anchor="t" anchorCtr="0">
             <a:noAutofit/>
           </a:bodyPr>
           <a:lstStyle>
-            <a:lvl1pPr indent="-342900" lvl="0" marL="457200" rtl="0">
+            <a:lvl1pPr marL="457200" lvl="0" indent="-342900" rtl="0">
               <a:lnSpc>
                 <a:spcPct val="115000"/>
               </a:lnSpc>
@@ -6047,7 +6187,7 @@
                 <a:sym typeface="Proxima Nova"/>
               </a:defRPr>
             </a:lvl1pPr>
-            <a:lvl2pPr indent="-317500" lvl="1" marL="914400" rtl="0">
+            <a:lvl2pPr marL="914400" lvl="1" indent="-317500" rtl="0">
               <a:lnSpc>
                 <a:spcPct val="115000"/>
               </a:lnSpc>
@@ -6073,7 +6213,7 @@
                 <a:sym typeface="Proxima Nova"/>
               </a:defRPr>
             </a:lvl2pPr>
-            <a:lvl3pPr indent="-317500" lvl="2" marL="1371600" rtl="0">
+            <a:lvl3pPr marL="1371600" lvl="2" indent="-317500" rtl="0">
               <a:lnSpc>
                 <a:spcPct val="115000"/>
               </a:lnSpc>
@@ -6099,7 +6239,7 @@
                 <a:sym typeface="Proxima Nova"/>
               </a:defRPr>
             </a:lvl3pPr>
-            <a:lvl4pPr indent="-317500" lvl="3" marL="1828800" rtl="0">
+            <a:lvl4pPr marL="1828800" lvl="3" indent="-317500" rtl="0">
               <a:lnSpc>
                 <a:spcPct val="115000"/>
               </a:lnSpc>
@@ -6125,7 +6265,7 @@
                 <a:sym typeface="Proxima Nova"/>
               </a:defRPr>
             </a:lvl4pPr>
-            <a:lvl5pPr indent="-317500" lvl="4" marL="2286000" rtl="0">
+            <a:lvl5pPr marL="2286000" lvl="4" indent="-317500" rtl="0">
               <a:lnSpc>
                 <a:spcPct val="115000"/>
               </a:lnSpc>
@@ -6151,7 +6291,7 @@
                 <a:sym typeface="Proxima Nova"/>
               </a:defRPr>
             </a:lvl5pPr>
-            <a:lvl6pPr indent="-317500" lvl="5" marL="2743200" rtl="0">
+            <a:lvl6pPr marL="2743200" lvl="5" indent="-317500" rtl="0">
               <a:lnSpc>
                 <a:spcPct val="115000"/>
               </a:lnSpc>
@@ -6177,7 +6317,7 @@
                 <a:sym typeface="Proxima Nova"/>
               </a:defRPr>
             </a:lvl6pPr>
-            <a:lvl7pPr indent="-317500" lvl="6" marL="3200400" rtl="0">
+            <a:lvl7pPr marL="3200400" lvl="6" indent="-317500" rtl="0">
               <a:lnSpc>
                 <a:spcPct val="115000"/>
               </a:lnSpc>
@@ -6203,7 +6343,7 @@
                 <a:sym typeface="Proxima Nova"/>
               </a:defRPr>
             </a:lvl7pPr>
-            <a:lvl8pPr indent="-317500" lvl="7" marL="3657600" rtl="0">
+            <a:lvl8pPr marL="3657600" lvl="7" indent="-317500" rtl="0">
               <a:lnSpc>
                 <a:spcPct val="115000"/>
               </a:lnSpc>
@@ -6229,7 +6369,7 @@
                 <a:sym typeface="Proxima Nova"/>
               </a:defRPr>
             </a:lvl8pPr>
-            <a:lvl9pPr indent="-317500" lvl="8" marL="4114800" rtl="0">
+            <a:lvl9pPr marL="4114800" lvl="8" indent="-317500" rtl="0">
               <a:lnSpc>
                 <a:spcPct val="115000"/>
               </a:lnSpc>
@@ -6256,15 +6396,19 @@
               </a:defRPr>
             </a:lvl9pPr>
           </a:lstStyle>
-          <a:p/>
+          <a:p>
+            <a:endParaRPr/>
+          </a:p>
         </p:txBody>
       </p:sp>
       <p:sp>
         <p:nvSpPr>
           <p:cNvPr id="8" name="Google Shape;8;p1"/>
-          <p:cNvSpPr txBox="1"/>
+          <p:cNvSpPr txBox="1">
+            <a:spLocks noGrp="1"/>
+          </p:cNvSpPr>
           <p:nvPr>
-            <p:ph idx="12" type="sldNum"/>
+            <p:ph type="sldNum" idx="12"/>
           </p:nvPr>
         </p:nvSpPr>
         <p:spPr>
@@ -6281,11 +6425,11 @@
           </a:ln>
         </p:spPr>
         <p:txBody>
-          <a:bodyPr anchorCtr="0" anchor="ctr" bIns="91425" lIns="91425" spcFirstLastPara="1" rIns="91425" wrap="square" tIns="91425">
+          <a:bodyPr spcFirstLastPara="1" wrap="square" lIns="91425" tIns="91425" rIns="91425" bIns="91425" anchor="ctr" anchorCtr="0">
             <a:noAutofit/>
           </a:bodyPr>
           <a:lstStyle>
-            <a:lvl1pPr lvl="0" rtl="0" algn="r">
+            <a:lvl1pPr lvl="0" algn="r" rtl="0">
               <a:buNone/>
               <a:defRPr sz="1000">
                 <a:solidFill>
@@ -6297,7 +6441,7 @@
                 <a:sym typeface="Proxima Nova"/>
               </a:defRPr>
             </a:lvl1pPr>
-            <a:lvl2pPr lvl="1" rtl="0" algn="r">
+            <a:lvl2pPr lvl="1" algn="r" rtl="0">
               <a:buNone/>
               <a:defRPr sz="1000">
                 <a:solidFill>
@@ -6309,7 +6453,7 @@
                 <a:sym typeface="Proxima Nova"/>
               </a:defRPr>
             </a:lvl2pPr>
-            <a:lvl3pPr lvl="2" rtl="0" algn="r">
+            <a:lvl3pPr lvl="2" algn="r" rtl="0">
               <a:buNone/>
               <a:defRPr sz="1000">
                 <a:solidFill>
@@ -6321,7 +6465,7 @@
                 <a:sym typeface="Proxima Nova"/>
               </a:defRPr>
             </a:lvl3pPr>
-            <a:lvl4pPr lvl="3" rtl="0" algn="r">
+            <a:lvl4pPr lvl="3" algn="r" rtl="0">
               <a:buNone/>
               <a:defRPr sz="1000">
                 <a:solidFill>
@@ -6333,7 +6477,7 @@
                 <a:sym typeface="Proxima Nova"/>
               </a:defRPr>
             </a:lvl4pPr>
-            <a:lvl5pPr lvl="4" rtl="0" algn="r">
+            <a:lvl5pPr lvl="4" algn="r" rtl="0">
               <a:buNone/>
               <a:defRPr sz="1000">
                 <a:solidFill>
@@ -6345,7 +6489,7 @@
                 <a:sym typeface="Proxima Nova"/>
               </a:defRPr>
             </a:lvl5pPr>
-            <a:lvl6pPr lvl="5" rtl="0" algn="r">
+            <a:lvl6pPr lvl="5" algn="r" rtl="0">
               <a:buNone/>
               <a:defRPr sz="1000">
                 <a:solidFill>
@@ -6357,7 +6501,7 @@
                 <a:sym typeface="Proxima Nova"/>
               </a:defRPr>
             </a:lvl6pPr>
-            <a:lvl7pPr lvl="6" rtl="0" algn="r">
+            <a:lvl7pPr lvl="6" algn="r" rtl="0">
               <a:buNone/>
               <a:defRPr sz="1000">
                 <a:solidFill>
@@ -6369,7 +6513,7 @@
                 <a:sym typeface="Proxima Nova"/>
               </a:defRPr>
             </a:lvl7pPr>
-            <a:lvl8pPr lvl="7" rtl="0" algn="r">
+            <a:lvl8pPr lvl="7" algn="r" rtl="0">
               <a:buNone/>
               <a:defRPr sz="1000">
                 <a:solidFill>
@@ -6381,7 +6525,7 @@
                 <a:sym typeface="Proxima Nova"/>
               </a:defRPr>
             </a:lvl8pPr>
-            <a:lvl9pPr lvl="8" rtl="0" algn="r">
+            <a:lvl9pPr lvl="8" algn="r" rtl="0">
               <a:buNone/>
               <a:defRPr sz="1000">
                 <a:solidFill>
@@ -6395,7 +6539,7 @@
             </a:lvl9pPr>
           </a:lstStyle>
           <a:p>
-            <a:pPr indent="0" lvl="0" marL="0" rtl="0" algn="r">
+            <a:pPr marL="0" lvl="0" indent="0" algn="r" rtl="0">
               <a:spcBef>
                 <a:spcPts val="0"/>
               </a:spcBef>
@@ -6414,7 +6558,7 @@
       </p:sp>
     </p:spTree>
   </p:cSld>
-  <p:clrMap accent1="accent1" accent2="accent2" accent3="accent3" accent4="accent4" accent5="accent5" accent6="accent6" bg1="lt1" bg2="dk2" tx1="dk1" tx2="lt2" folHlink="folHlink" hlink="hlink"/>
+  <p:clrMap bg1="lt1" tx1="dk1" bg2="dk2" tx2="lt2" accent1="accent1" accent2="accent2" accent3="accent3" accent4="accent4" accent5="accent5" accent6="accent6" hlink="hlink" folHlink="folHlink"/>
   <p:sldLayoutIdLst>
     <p:sldLayoutId id="2147483648" r:id="rId1"/>
     <p:sldLayoutId id="2147483649" r:id="rId2"/>
@@ -6428,10 +6572,10 @@
     <p:sldLayoutId id="2147483657" r:id="rId10"/>
     <p:sldLayoutId id="2147483658" r:id="rId11"/>
   </p:sldLayoutIdLst>
-  <p:hf dt="0" ftr="0" hdr="0" sldNum="0"/>
+  <p:hf sldNum="0" hdr="0" ftr="0" dt="0"/>
   <p:txStyles>
     <p:titleStyle>
-      <a:defPPr lvl="0" marR="0" rtl="0" algn="l">
+      <a:defPPr marR="0" lvl="0" algn="l" rtl="0">
         <a:lnSpc>
           <a:spcPct val="100000"/>
         </a:lnSpc>
@@ -6442,7 +6586,7 @@
           <a:spcPts val="0"/>
         </a:spcAft>
       </a:defPPr>
-      <a:lvl1pPr lvl="0" marR="0" rtl="0" algn="l">
+      <a:lvl1pPr marR="0" lvl="0" algn="l" rtl="0">
         <a:lnSpc>
           <a:spcPct val="100000"/>
         </a:lnSpc>
@@ -6456,7 +6600,7 @@
           <a:srgbClr val="000000"/>
         </a:buClr>
         <a:buFont typeface="Arial"/>
-        <a:defRPr b="0" i="0" sz="1400" u="none" cap="none" strike="noStrike">
+        <a:defRPr sz="1400" b="0" i="0" u="none" strike="noStrike" cap="none">
           <a:solidFill>
             <a:srgbClr val="000000"/>
           </a:solidFill>
@@ -6466,7 +6610,7 @@
           <a:sym typeface="Arial"/>
         </a:defRPr>
       </a:lvl1pPr>
-      <a:lvl2pPr lvl="1" marR="0" rtl="0" algn="l">
+      <a:lvl2pPr marR="0" lvl="1" algn="l" rtl="0">
         <a:lnSpc>
           <a:spcPct val="100000"/>
         </a:lnSpc>
@@ -6480,7 +6624,7 @@
           <a:srgbClr val="000000"/>
         </a:buClr>
         <a:buFont typeface="Arial"/>
-        <a:defRPr b="0" i="0" sz="1400" u="none" cap="none" strike="noStrike">
+        <a:defRPr sz="1400" b="0" i="0" u="none" strike="noStrike" cap="none">
           <a:solidFill>
             <a:srgbClr val="000000"/>
           </a:solidFill>
@@ -6490,7 +6634,7 @@
           <a:sym typeface="Arial"/>
         </a:defRPr>
       </a:lvl2pPr>
-      <a:lvl3pPr lvl="2" marR="0" rtl="0" algn="l">
+      <a:lvl3pPr marR="0" lvl="2" algn="l" rtl="0">
         <a:lnSpc>
           <a:spcPct val="100000"/>
         </a:lnSpc>
@@ -6504,7 +6648,7 @@
           <a:srgbClr val="000000"/>
         </a:buClr>
         <a:buFont typeface="Arial"/>
-        <a:defRPr b="0" i="0" sz="1400" u="none" cap="none" strike="noStrike">
+        <a:defRPr sz="1400" b="0" i="0" u="none" strike="noStrike" cap="none">
           <a:solidFill>
             <a:srgbClr val="000000"/>
           </a:solidFill>
@@ -6514,7 +6658,7 @@
           <a:sym typeface="Arial"/>
         </a:defRPr>
       </a:lvl3pPr>
-      <a:lvl4pPr lvl="3" marR="0" rtl="0" algn="l">
+      <a:lvl4pPr marR="0" lvl="3" algn="l" rtl="0">
         <a:lnSpc>
           <a:spcPct val="100000"/>
         </a:lnSpc>
@@ -6528,7 +6672,7 @@
           <a:srgbClr val="000000"/>
         </a:buClr>
         <a:buFont typeface="Arial"/>
-        <a:defRPr b="0" i="0" sz="1400" u="none" cap="none" strike="noStrike">
+        <a:defRPr sz="1400" b="0" i="0" u="none" strike="noStrike" cap="none">
           <a:solidFill>
             <a:srgbClr val="000000"/>
           </a:solidFill>
@@ -6538,7 +6682,7 @@
           <a:sym typeface="Arial"/>
         </a:defRPr>
       </a:lvl4pPr>
-      <a:lvl5pPr lvl="4" marR="0" rtl="0" algn="l">
+      <a:lvl5pPr marR="0" lvl="4" algn="l" rtl="0">
         <a:lnSpc>
           <a:spcPct val="100000"/>
         </a:lnSpc>
@@ -6552,7 +6696,7 @@
           <a:srgbClr val="000000"/>
         </a:buClr>
         <a:buFont typeface="Arial"/>
-        <a:defRPr b="0" i="0" sz="1400" u="none" cap="none" strike="noStrike">
+        <a:defRPr sz="1400" b="0" i="0" u="none" strike="noStrike" cap="none">
           <a:solidFill>
             <a:srgbClr val="000000"/>
           </a:solidFill>
@@ -6562,7 +6706,7 @@
           <a:sym typeface="Arial"/>
         </a:defRPr>
       </a:lvl5pPr>
-      <a:lvl6pPr lvl="5" marR="0" rtl="0" algn="l">
+      <a:lvl6pPr marR="0" lvl="5" algn="l" rtl="0">
         <a:lnSpc>
           <a:spcPct val="100000"/>
         </a:lnSpc>
@@ -6576,7 +6720,7 @@
           <a:srgbClr val="000000"/>
         </a:buClr>
         <a:buFont typeface="Arial"/>
-        <a:defRPr b="0" i="0" sz="1400" u="none" cap="none" strike="noStrike">
+        <a:defRPr sz="1400" b="0" i="0" u="none" strike="noStrike" cap="none">
           <a:solidFill>
             <a:srgbClr val="000000"/>
           </a:solidFill>
@@ -6586,7 +6730,7 @@
           <a:sym typeface="Arial"/>
         </a:defRPr>
       </a:lvl6pPr>
-      <a:lvl7pPr lvl="6" marR="0" rtl="0" algn="l">
+      <a:lvl7pPr marR="0" lvl="6" algn="l" rtl="0">
         <a:lnSpc>
           <a:spcPct val="100000"/>
         </a:lnSpc>
@@ -6600,7 +6744,7 @@
           <a:srgbClr val="000000"/>
         </a:buClr>
         <a:buFont typeface="Arial"/>
-        <a:defRPr b="0" i="0" sz="1400" u="none" cap="none" strike="noStrike">
+        <a:defRPr sz="1400" b="0" i="0" u="none" strike="noStrike" cap="none">
           <a:solidFill>
             <a:srgbClr val="000000"/>
           </a:solidFill>
@@ -6610,7 +6754,7 @@
           <a:sym typeface="Arial"/>
         </a:defRPr>
       </a:lvl7pPr>
-      <a:lvl8pPr lvl="7" marR="0" rtl="0" algn="l">
+      <a:lvl8pPr marR="0" lvl="7" algn="l" rtl="0">
         <a:lnSpc>
           <a:spcPct val="100000"/>
         </a:lnSpc>
@@ -6624,7 +6768,7 @@
           <a:srgbClr val="000000"/>
         </a:buClr>
         <a:buFont typeface="Arial"/>
-        <a:defRPr b="0" i="0" sz="1400" u="none" cap="none" strike="noStrike">
+        <a:defRPr sz="1400" b="0" i="0" u="none" strike="noStrike" cap="none">
           <a:solidFill>
             <a:srgbClr val="000000"/>
           </a:solidFill>
@@ -6634,7 +6778,7 @@
           <a:sym typeface="Arial"/>
         </a:defRPr>
       </a:lvl8pPr>
-      <a:lvl9pPr lvl="8" marR="0" rtl="0" algn="l">
+      <a:lvl9pPr marR="0" lvl="8" algn="l" rtl="0">
         <a:lnSpc>
           <a:spcPct val="100000"/>
         </a:lnSpc>
@@ -6648,7 +6792,7 @@
           <a:srgbClr val="000000"/>
         </a:buClr>
         <a:buFont typeface="Arial"/>
-        <a:defRPr b="0" i="0" sz="1400" u="none" cap="none" strike="noStrike">
+        <a:defRPr sz="1400" b="0" i="0" u="none" strike="noStrike" cap="none">
           <a:solidFill>
             <a:srgbClr val="000000"/>
           </a:solidFill>
@@ -6660,7 +6804,7 @@
       </a:lvl9pPr>
     </p:titleStyle>
     <p:bodyStyle>
-      <a:defPPr lvl="0" marR="0" rtl="0" algn="l">
+      <a:defPPr marR="0" lvl="0" algn="l" rtl="0">
         <a:lnSpc>
           <a:spcPct val="100000"/>
         </a:lnSpc>
@@ -6671,7 +6815,7 @@
           <a:spcPts val="0"/>
         </a:spcAft>
       </a:defPPr>
-      <a:lvl1pPr lvl="0" marR="0" rtl="0" algn="l">
+      <a:lvl1pPr marR="0" lvl="0" algn="l" rtl="0">
         <a:lnSpc>
           <a:spcPct val="100000"/>
         </a:lnSpc>
@@ -6685,7 +6829,7 @@
           <a:srgbClr val="000000"/>
         </a:buClr>
         <a:buFont typeface="Arial"/>
-        <a:defRPr b="0" i="0" sz="1400" u="none" cap="none" strike="noStrike">
+        <a:defRPr sz="1400" b="0" i="0" u="none" strike="noStrike" cap="none">
           <a:solidFill>
             <a:srgbClr val="000000"/>
           </a:solidFill>
@@ -6695,7 +6839,7 @@
           <a:sym typeface="Arial"/>
         </a:defRPr>
       </a:lvl1pPr>
-      <a:lvl2pPr lvl="1" marR="0" rtl="0" algn="l">
+      <a:lvl2pPr marR="0" lvl="1" algn="l" rtl="0">
         <a:lnSpc>
           <a:spcPct val="100000"/>
         </a:lnSpc>
@@ -6709,7 +6853,7 @@
           <a:srgbClr val="000000"/>
         </a:buClr>
         <a:buFont typeface="Arial"/>
-        <a:defRPr b="0" i="0" sz="1400" u="none" cap="none" strike="noStrike">
+        <a:defRPr sz="1400" b="0" i="0" u="none" strike="noStrike" cap="none">
           <a:solidFill>
             <a:srgbClr val="000000"/>
           </a:solidFill>
@@ -6719,7 +6863,7 @@
           <a:sym typeface="Arial"/>
         </a:defRPr>
       </a:lvl2pPr>
-      <a:lvl3pPr lvl="2" marR="0" rtl="0" algn="l">
+      <a:lvl3pPr marR="0" lvl="2" algn="l" rtl="0">
         <a:lnSpc>
           <a:spcPct val="100000"/>
         </a:lnSpc>
@@ -6733,7 +6877,7 @@
           <a:srgbClr val="000000"/>
         </a:buClr>
         <a:buFont typeface="Arial"/>
-        <a:defRPr b="0" i="0" sz="1400" u="none" cap="none" strike="noStrike">
+        <a:defRPr sz="1400" b="0" i="0" u="none" strike="noStrike" cap="none">
           <a:solidFill>
             <a:srgbClr val="000000"/>
           </a:solidFill>
@@ -6743,7 +6887,7 @@
           <a:sym typeface="Arial"/>
         </a:defRPr>
       </a:lvl3pPr>
-      <a:lvl4pPr lvl="3" marR="0" rtl="0" algn="l">
+      <a:lvl4pPr marR="0" lvl="3" algn="l" rtl="0">
         <a:lnSpc>
           <a:spcPct val="100000"/>
         </a:lnSpc>
@@ -6757,7 +6901,7 @@
           <a:srgbClr val="000000"/>
         </a:buClr>
         <a:buFont typeface="Arial"/>
-        <a:defRPr b="0" i="0" sz="1400" u="none" cap="none" strike="noStrike">
+        <a:defRPr sz="1400" b="0" i="0" u="none" strike="noStrike" cap="none">
           <a:solidFill>
             <a:srgbClr val="000000"/>
           </a:solidFill>
@@ -6767,7 +6911,7 @@
           <a:sym typeface="Arial"/>
         </a:defRPr>
       </a:lvl4pPr>
-      <a:lvl5pPr lvl="4" marR="0" rtl="0" algn="l">
+      <a:lvl5pPr marR="0" lvl="4" algn="l" rtl="0">
         <a:lnSpc>
           <a:spcPct val="100000"/>
         </a:lnSpc>
@@ -6781,7 +6925,7 @@
           <a:srgbClr val="000000"/>
         </a:buClr>
         <a:buFont typeface="Arial"/>
-        <a:defRPr b="0" i="0" sz="1400" u="none" cap="none" strike="noStrike">
+        <a:defRPr sz="1400" b="0" i="0" u="none" strike="noStrike" cap="none">
           <a:solidFill>
             <a:srgbClr val="000000"/>
           </a:solidFill>
@@ -6791,7 +6935,7 @@
           <a:sym typeface="Arial"/>
         </a:defRPr>
       </a:lvl5pPr>
-      <a:lvl6pPr lvl="5" marR="0" rtl="0" algn="l">
+      <a:lvl6pPr marR="0" lvl="5" algn="l" rtl="0">
         <a:lnSpc>
           <a:spcPct val="100000"/>
         </a:lnSpc>
@@ -6805,7 +6949,7 @@
           <a:srgbClr val="000000"/>
         </a:buClr>
         <a:buFont typeface="Arial"/>
-        <a:defRPr b="0" i="0" sz="1400" u="none" cap="none" strike="noStrike">
+        <a:defRPr sz="1400" b="0" i="0" u="none" strike="noStrike" cap="none">
           <a:solidFill>
             <a:srgbClr val="000000"/>
           </a:solidFill>
@@ -6815,7 +6959,7 @@
           <a:sym typeface="Arial"/>
         </a:defRPr>
       </a:lvl6pPr>
-      <a:lvl7pPr lvl="6" marR="0" rtl="0" algn="l">
+      <a:lvl7pPr marR="0" lvl="6" algn="l" rtl="0">
         <a:lnSpc>
           <a:spcPct val="100000"/>
         </a:lnSpc>
@@ -6829,7 +6973,7 @@
           <a:srgbClr val="000000"/>
         </a:buClr>
         <a:buFont typeface="Arial"/>
-        <a:defRPr b="0" i="0" sz="1400" u="none" cap="none" strike="noStrike">
+        <a:defRPr sz="1400" b="0" i="0" u="none" strike="noStrike" cap="none">
           <a:solidFill>
             <a:srgbClr val="000000"/>
           </a:solidFill>
@@ -6839,7 +6983,7 @@
           <a:sym typeface="Arial"/>
         </a:defRPr>
       </a:lvl7pPr>
-      <a:lvl8pPr lvl="7" marR="0" rtl="0" algn="l">
+      <a:lvl8pPr marR="0" lvl="7" algn="l" rtl="0">
         <a:lnSpc>
           <a:spcPct val="100000"/>
         </a:lnSpc>
@@ -6853,7 +6997,7 @@
           <a:srgbClr val="000000"/>
         </a:buClr>
         <a:buFont typeface="Arial"/>
-        <a:defRPr b="0" i="0" sz="1400" u="none" cap="none" strike="noStrike">
+        <a:defRPr sz="1400" b="0" i="0" u="none" strike="noStrike" cap="none">
           <a:solidFill>
             <a:srgbClr val="000000"/>
           </a:solidFill>
@@ -6863,7 +7007,7 @@
           <a:sym typeface="Arial"/>
         </a:defRPr>
       </a:lvl8pPr>
-      <a:lvl9pPr lvl="8" marR="0" rtl="0" algn="l">
+      <a:lvl9pPr marR="0" lvl="8" algn="l" rtl="0">
         <a:lnSpc>
           <a:spcPct val="100000"/>
         </a:lnSpc>
@@ -6877,7 +7021,7 @@
           <a:srgbClr val="000000"/>
         </a:buClr>
         <a:buFont typeface="Arial"/>
-        <a:defRPr b="0" i="0" sz="1400" u="none" cap="none" strike="noStrike">
+        <a:defRPr sz="1400" b="0" i="0" u="none" strike="noStrike" cap="none">
           <a:solidFill>
             <a:srgbClr val="000000"/>
           </a:solidFill>
@@ -6889,7 +7033,7 @@
       </a:lvl9pPr>
     </p:bodyStyle>
     <p:otherStyle>
-      <a:defPPr lvl="0" marR="0" rtl="0" algn="l">
+      <a:defPPr marR="0" lvl="0" algn="l" rtl="0">
         <a:lnSpc>
           <a:spcPct val="100000"/>
         </a:lnSpc>
@@ -6900,7 +7044,7 @@
           <a:spcPts val="0"/>
         </a:spcAft>
       </a:defPPr>
-      <a:lvl1pPr lvl="0" marR="0" rtl="0" algn="l">
+      <a:lvl1pPr marR="0" lvl="0" algn="l" rtl="0">
         <a:lnSpc>
           <a:spcPct val="100000"/>
         </a:lnSpc>
@@ -6914,7 +7058,7 @@
           <a:srgbClr val="000000"/>
         </a:buClr>
         <a:buFont typeface="Arial"/>
-        <a:defRPr b="0" i="0" sz="1400" u="none" cap="none" strike="noStrike">
+        <a:defRPr sz="1400" b="0" i="0" u="none" strike="noStrike" cap="none">
           <a:solidFill>
             <a:srgbClr val="000000"/>
           </a:solidFill>
@@ -6924,7 +7068,7 @@
           <a:sym typeface="Arial"/>
         </a:defRPr>
       </a:lvl1pPr>
-      <a:lvl2pPr lvl="1" marR="0" rtl="0" algn="l">
+      <a:lvl2pPr marR="0" lvl="1" algn="l" rtl="0">
         <a:lnSpc>
           <a:spcPct val="100000"/>
         </a:lnSpc>
@@ -6938,7 +7082,7 @@
           <a:srgbClr val="000000"/>
         </a:buClr>
         <a:buFont typeface="Arial"/>
-        <a:defRPr b="0" i="0" sz="1400" u="none" cap="none" strike="noStrike">
+        <a:defRPr sz="1400" b="0" i="0" u="none" strike="noStrike" cap="none">
           <a:solidFill>
             <a:srgbClr val="000000"/>
           </a:solidFill>
@@ -6948,7 +7092,7 @@
           <a:sym typeface="Arial"/>
         </a:defRPr>
       </a:lvl2pPr>
-      <a:lvl3pPr lvl="2" marR="0" rtl="0" algn="l">
+      <a:lvl3pPr marR="0" lvl="2" algn="l" rtl="0">
         <a:lnSpc>
           <a:spcPct val="100000"/>
         </a:lnSpc>
@@ -6962,7 +7106,7 @@
           <a:srgbClr val="000000"/>
         </a:buClr>
         <a:buFont typeface="Arial"/>
-        <a:defRPr b="0" i="0" sz="1400" u="none" cap="none" strike="noStrike">
+        <a:defRPr sz="1400" b="0" i="0" u="none" strike="noStrike" cap="none">
           <a:solidFill>
             <a:srgbClr val="000000"/>
           </a:solidFill>
@@ -6972,7 +7116,7 @@
           <a:sym typeface="Arial"/>
         </a:defRPr>
       </a:lvl3pPr>
-      <a:lvl4pPr lvl="3" marR="0" rtl="0" algn="l">
+      <a:lvl4pPr marR="0" lvl="3" algn="l" rtl="0">
         <a:lnSpc>
           <a:spcPct val="100000"/>
         </a:lnSpc>
@@ -6986,7 +7130,7 @@
           <a:srgbClr val="000000"/>
         </a:buClr>
         <a:buFont typeface="Arial"/>
-        <a:defRPr b="0" i="0" sz="1400" u="none" cap="none" strike="noStrike">
+        <a:defRPr sz="1400" b="0" i="0" u="none" strike="noStrike" cap="none">
           <a:solidFill>
             <a:srgbClr val="000000"/>
           </a:solidFill>
@@ -6996,7 +7140,7 @@
           <a:sym typeface="Arial"/>
         </a:defRPr>
       </a:lvl4pPr>
-      <a:lvl5pPr lvl="4" marR="0" rtl="0" algn="l">
+      <a:lvl5pPr marR="0" lvl="4" algn="l" rtl="0">
         <a:lnSpc>
           <a:spcPct val="100000"/>
         </a:lnSpc>
@@ -7010,7 +7154,7 @@
           <a:srgbClr val="000000"/>
         </a:buClr>
         <a:buFont typeface="Arial"/>
-        <a:defRPr b="0" i="0" sz="1400" u="none" cap="none" strike="noStrike">
+        <a:defRPr sz="1400" b="0" i="0" u="none" strike="noStrike" cap="none">
           <a:solidFill>
             <a:srgbClr val="000000"/>
           </a:solidFill>
@@ -7020,7 +7164,7 @@
           <a:sym typeface="Arial"/>
         </a:defRPr>
       </a:lvl5pPr>
-      <a:lvl6pPr lvl="5" marR="0" rtl="0" algn="l">
+      <a:lvl6pPr marR="0" lvl="5" algn="l" rtl="0">
         <a:lnSpc>
           <a:spcPct val="100000"/>
         </a:lnSpc>
@@ -7034,7 +7178,7 @@
           <a:srgbClr val="000000"/>
         </a:buClr>
         <a:buFont typeface="Arial"/>
-        <a:defRPr b="0" i="0" sz="1400" u="none" cap="none" strike="noStrike">
+        <a:defRPr sz="1400" b="0" i="0" u="none" strike="noStrike" cap="none">
           <a:solidFill>
             <a:srgbClr val="000000"/>
           </a:solidFill>
@@ -7044,7 +7188,7 @@
           <a:sym typeface="Arial"/>
         </a:defRPr>
       </a:lvl6pPr>
-      <a:lvl7pPr lvl="6" marR="0" rtl="0" algn="l">
+      <a:lvl7pPr marR="0" lvl="6" algn="l" rtl="0">
         <a:lnSpc>
           <a:spcPct val="100000"/>
         </a:lnSpc>
@@ -7058,7 +7202,7 @@
           <a:srgbClr val="000000"/>
         </a:buClr>
         <a:buFont typeface="Arial"/>
-        <a:defRPr b="0" i="0" sz="1400" u="none" cap="none" strike="noStrike">
+        <a:defRPr sz="1400" b="0" i="0" u="none" strike="noStrike" cap="none">
           <a:solidFill>
             <a:srgbClr val="000000"/>
           </a:solidFill>
@@ -7068,7 +7212,7 @@
           <a:sym typeface="Arial"/>
         </a:defRPr>
       </a:lvl7pPr>
-      <a:lvl8pPr lvl="7" marR="0" rtl="0" algn="l">
+      <a:lvl8pPr marR="0" lvl="7" algn="l" rtl="0">
         <a:lnSpc>
           <a:spcPct val="100000"/>
         </a:lnSpc>
@@ -7082,7 +7226,7 @@
           <a:srgbClr val="000000"/>
         </a:buClr>
         <a:buFont typeface="Arial"/>
-        <a:defRPr b="0" i="0" sz="1400" u="none" cap="none" strike="noStrike">
+        <a:defRPr sz="1400" b="0" i="0" u="none" strike="noStrike" cap="none">
           <a:solidFill>
             <a:srgbClr val="000000"/>
           </a:solidFill>
@@ -7092,7 +7236,7 @@
           <a:sym typeface="Arial"/>
         </a:defRPr>
       </a:lvl8pPr>
-      <a:lvl9pPr lvl="8" marR="0" rtl="0" algn="l">
+      <a:lvl9pPr marR="0" lvl="8" algn="l" rtl="0">
         <a:lnSpc>
           <a:spcPct val="100000"/>
         </a:lnSpc>
@@ -7106,7 +7250,7 @@
           <a:srgbClr val="000000"/>
         </a:buClr>
         <a:buFont typeface="Arial"/>
-        <a:defRPr b="0" i="0" sz="1400" u="none" cap="none" strike="noStrike">
+        <a:defRPr sz="1400" b="0" i="0" u="none" strike="noStrike" cap="none">
           <a:solidFill>
             <a:srgbClr val="000000"/>
           </a:solidFill>
@@ -7122,11 +7266,11 @@
 </file>
 
 <file path=ppt/slides/slide1.xml><?xml version="1.0" encoding="utf-8"?>
-<p:sld xmlns:a="http://schemas.openxmlformats.org/drawingml/2006/main" xmlns:r="http://schemas.openxmlformats.org/officeDocument/2006/relationships" xmlns:mc="http://schemas.openxmlformats.org/markup-compatibility/2006" xmlns:mv="urn:schemas-microsoft-com:mac:vml" xmlns:p="http://schemas.openxmlformats.org/presentationml/2006/main" xmlns:c="http://schemas.openxmlformats.org/drawingml/2006/chart" xmlns:dgm="http://schemas.openxmlformats.org/drawingml/2006/diagram" xmlns:o="urn:schemas-microsoft-com:office:office" xmlns:v="urn:schemas-microsoft-com:vml" xmlns:pvml="urn:schemas-microsoft-com:office:powerpoint" xmlns:com="http://schemas.openxmlformats.org/drawingml/2006/compatibility" xmlns:p14="http://schemas.microsoft.com/office/powerpoint/2010/main" xmlns:p15="http://schemas.microsoft.com/office/powerpoint/2012/main">
+<p:sld xmlns:a="http://schemas.openxmlformats.org/drawingml/2006/main" xmlns:r="http://schemas.openxmlformats.org/officeDocument/2006/relationships" xmlns:p="http://schemas.openxmlformats.org/presentationml/2006/main">
   <p:cSld>
     <p:spTree>
       <p:nvGrpSpPr>
-        <p:cNvPr id="58" name="Shape 58"/>
+        <p:cNvPr id="1" name="Shape 58"/>
         <p:cNvGrpSpPr/>
         <p:nvPr/>
       </p:nvGrpSpPr>
@@ -7141,7 +7285,9 @@
       <p:sp>
         <p:nvSpPr>
           <p:cNvPr id="59" name="Google Shape;59;p13"/>
-          <p:cNvSpPr txBox="1"/>
+          <p:cNvSpPr txBox="1">
+            <a:spLocks noGrp="1"/>
+          </p:cNvSpPr>
           <p:nvPr>
             <p:ph type="ctrTitle"/>
           </p:nvPr>
@@ -7156,12 +7302,12 @@
           </a:prstGeom>
         </p:spPr>
         <p:txBody>
-          <a:bodyPr anchorCtr="0" anchor="b" bIns="91425" lIns="91425" spcFirstLastPara="1" rIns="91425" wrap="square" tIns="91425">
+          <a:bodyPr spcFirstLastPara="1" wrap="square" lIns="91425" tIns="91425" rIns="91425" bIns="91425" anchor="b" anchorCtr="0">
             <a:noAutofit/>
           </a:bodyPr>
           <a:lstStyle/>
           <a:p>
-            <a:pPr indent="0" lvl="0" marL="0" rtl="0" algn="l">
+            <a:pPr marL="0" lvl="0" indent="0" algn="l" rtl="0">
               <a:spcBef>
                 <a:spcPts val="0"/>
               </a:spcBef>
@@ -7201,9 +7347,11 @@
       <p:sp>
         <p:nvSpPr>
           <p:cNvPr id="60" name="Google Shape;60;p13"/>
-          <p:cNvSpPr txBox="1"/>
+          <p:cNvSpPr txBox="1">
+            <a:spLocks noGrp="1"/>
+          </p:cNvSpPr>
           <p:nvPr>
-            <p:ph idx="1" type="subTitle"/>
+            <p:ph type="subTitle" idx="1"/>
           </p:nvPr>
         </p:nvSpPr>
         <p:spPr>
@@ -7216,12 +7364,12 @@
           </a:prstGeom>
         </p:spPr>
         <p:txBody>
-          <a:bodyPr anchorCtr="0" anchor="t" bIns="91425" lIns="91425" spcFirstLastPara="1" rIns="91425" wrap="square" tIns="91425">
+          <a:bodyPr spcFirstLastPara="1" wrap="square" lIns="91425" tIns="91425" rIns="91425" bIns="91425" anchor="t" anchorCtr="0">
             <a:noAutofit/>
           </a:bodyPr>
           <a:lstStyle/>
           <a:p>
-            <a:pPr indent="0" lvl="0" marL="0" rtl="0" algn="r">
+            <a:pPr marL="0" lvl="0" indent="0" algn="r" rtl="0">
               <a:lnSpc>
                 <a:spcPct val="115000"/>
               </a:lnSpc>
@@ -7234,7 +7382,7 @@
               <a:buNone/>
             </a:pPr>
             <a:r>
-              <a:rPr b="1" lang="pt-PT" sz="1600">
+              <a:rPr lang="pt-PT" sz="1600" b="1">
                 <a:solidFill>
                   <a:srgbClr val="7F7F7F"/>
                 </a:solidFill>
@@ -7245,7 +7393,7 @@
               </a:rPr>
               <a:t>UC 42532 – Bases de Dados (p2g1)</a:t>
             </a:r>
-            <a:endParaRPr b="1" sz="1600">
+            <a:endParaRPr sz="1600" b="1">
               <a:solidFill>
                 <a:srgbClr val="7F7F7F"/>
               </a:solidFill>
@@ -7256,7 +7404,7 @@
             </a:endParaRPr>
           </a:p>
           <a:p>
-            <a:pPr indent="0" lvl="0" marL="0" rtl="0" algn="r">
+            <a:pPr marL="0" lvl="0" indent="0" algn="r" rtl="0">
               <a:lnSpc>
                 <a:spcPct val="115000"/>
               </a:lnSpc>
@@ -7291,7 +7439,7 @@
             </a:endParaRPr>
           </a:p>
           <a:p>
-            <a:pPr indent="0" lvl="0" marL="0" rtl="0" algn="r">
+            <a:pPr marL="0" lvl="0" indent="0" algn="r" rtl="0">
               <a:spcBef>
                 <a:spcPts val="0"/>
               </a:spcBef>
@@ -7325,84 +7473,11 @@
 </file>
 
 <file path=ppt/slides/slide10.xml><?xml version="1.0" encoding="utf-8"?>
-<p:sld xmlns:a="http://schemas.openxmlformats.org/drawingml/2006/main" xmlns:r="http://schemas.openxmlformats.org/officeDocument/2006/relationships" xmlns:mc="http://schemas.openxmlformats.org/markup-compatibility/2006" xmlns:mv="urn:schemas-microsoft-com:mac:vml" xmlns:p="http://schemas.openxmlformats.org/presentationml/2006/main" xmlns:c="http://schemas.openxmlformats.org/drawingml/2006/chart" xmlns:dgm="http://schemas.openxmlformats.org/drawingml/2006/diagram" xmlns:o="urn:schemas-microsoft-com:office:office" xmlns:v="urn:schemas-microsoft-com:vml" xmlns:pvml="urn:schemas-microsoft-com:office:powerpoint" xmlns:com="http://schemas.openxmlformats.org/drawingml/2006/compatibility" xmlns:p14="http://schemas.microsoft.com/office/powerpoint/2010/main" xmlns:p15="http://schemas.microsoft.com/office/powerpoint/2012/main">
+<p:sld xmlns:a="http://schemas.openxmlformats.org/drawingml/2006/main" xmlns:r="http://schemas.openxmlformats.org/officeDocument/2006/relationships" xmlns:p="http://schemas.openxmlformats.org/presentationml/2006/main">
   <p:cSld>
     <p:spTree>
       <p:nvGrpSpPr>
-        <p:cNvPr id="126" name="Shape 126"/>
-        <p:cNvGrpSpPr/>
-        <p:nvPr/>
-      </p:nvGrpSpPr>
-      <p:grpSpPr>
-        <a:xfrm>
-          <a:off x="0" y="0"/>
-          <a:ext cx="0" cy="0"/>
-          <a:chOff x="0" y="0"/>
-          <a:chExt cx="0" cy="0"/>
-        </a:xfrm>
-      </p:grpSpPr>
-      <p:sp>
-        <p:nvSpPr>
-          <p:cNvPr id="127" name="Google Shape;127;p22"/>
-          <p:cNvSpPr txBox="1"/>
-          <p:nvPr>
-            <p:ph type="ctrTitle"/>
-          </p:nvPr>
-        </p:nvSpPr>
-        <p:spPr>
-          <a:xfrm>
-            <a:off x="3574350" y="2081250"/>
-            <a:ext cx="1995300" cy="981000"/>
-          </a:xfrm>
-          <a:prstGeom prst="rect">
-            <a:avLst/>
-          </a:prstGeom>
-        </p:spPr>
-        <p:txBody>
-          <a:bodyPr anchorCtr="0" anchor="b" bIns="91425" lIns="91425" spcFirstLastPara="1" rIns="91425" wrap="square" tIns="91425">
-            <a:noAutofit/>
-          </a:bodyPr>
-          <a:lstStyle/>
-          <a:p>
-            <a:pPr indent="0" lvl="0" marL="0" rtl="0" algn="l">
-              <a:spcBef>
-                <a:spcPts val="0"/>
-              </a:spcBef>
-              <a:spcAft>
-                <a:spcPts val="0"/>
-              </a:spcAft>
-              <a:buNone/>
-            </a:pPr>
-            <a:r>
-              <a:rPr lang="pt-PT" sz="5400">
-                <a:solidFill>
-                  <a:srgbClr val="5FCBEF"/>
-                </a:solidFill>
-                <a:latin typeface="Trebuchet MS"/>
-                <a:ea typeface="Trebuchet MS"/>
-                <a:cs typeface="Trebuchet MS"/>
-                <a:sym typeface="Trebuchet MS"/>
-              </a:rPr>
-              <a:t>DEMO</a:t>
-            </a:r>
-            <a:endParaRPr/>
-          </a:p>
-        </p:txBody>
-      </p:sp>
-    </p:spTree>
-  </p:cSld>
-  <p:clrMapOvr>
-    <a:masterClrMapping/>
-  </p:clrMapOvr>
-</p:sld>
-</file>
-
-<file path=ppt/slides/slide11.xml><?xml version="1.0" encoding="utf-8"?>
-<p:sld xmlns:a="http://schemas.openxmlformats.org/drawingml/2006/main" xmlns:r="http://schemas.openxmlformats.org/officeDocument/2006/relationships" xmlns:mc="http://schemas.openxmlformats.org/markup-compatibility/2006" xmlns:mv="urn:schemas-microsoft-com:mac:vml" xmlns:p="http://schemas.openxmlformats.org/presentationml/2006/main" xmlns:c="http://schemas.openxmlformats.org/drawingml/2006/chart" xmlns:dgm="http://schemas.openxmlformats.org/drawingml/2006/diagram" xmlns:o="urn:schemas-microsoft-com:office:office" xmlns:v="urn:schemas-microsoft-com:vml" xmlns:pvml="urn:schemas-microsoft-com:office:powerpoint" xmlns:com="http://schemas.openxmlformats.org/drawingml/2006/compatibility" xmlns:p14="http://schemas.microsoft.com/office/powerpoint/2010/main" xmlns:p15="http://schemas.microsoft.com/office/powerpoint/2012/main">
-  <p:cSld>
-    <p:spTree>
-      <p:nvGrpSpPr>
-        <p:cNvPr id="131" name="Shape 131"/>
+        <p:cNvPr id="1" name="Shape 131"/>
         <p:cNvGrpSpPr/>
         <p:nvPr/>
       </p:nvGrpSpPr>
@@ -7417,7 +7492,9 @@
       <p:sp>
         <p:nvSpPr>
           <p:cNvPr id="132" name="Google Shape;132;p23"/>
-          <p:cNvSpPr txBox="1"/>
+          <p:cNvSpPr txBox="1">
+            <a:spLocks noGrp="1"/>
+          </p:cNvSpPr>
           <p:nvPr>
             <p:ph type="ctrTitle"/>
           </p:nvPr>
@@ -7432,12 +7509,12 @@
           </a:prstGeom>
         </p:spPr>
         <p:txBody>
-          <a:bodyPr anchorCtr="0" anchor="b" bIns="91425" lIns="91425" spcFirstLastPara="1" rIns="91425" wrap="square" tIns="91425">
+          <a:bodyPr spcFirstLastPara="1" wrap="square" lIns="91425" tIns="91425" rIns="91425" bIns="91425" anchor="b" anchorCtr="0">
             <a:noAutofit/>
           </a:bodyPr>
           <a:lstStyle/>
           <a:p>
-            <a:pPr indent="0" lvl="0" marL="0" rtl="0" algn="l">
+            <a:pPr marL="0" lvl="0" indent="0" algn="l" rtl="0">
               <a:spcBef>
                 <a:spcPts val="0"/>
               </a:spcBef>
@@ -7483,11 +7560,11 @@
 </file>
 
 <file path=ppt/slides/slide2.xml><?xml version="1.0" encoding="utf-8"?>
-<p:sld xmlns:a="http://schemas.openxmlformats.org/drawingml/2006/main" xmlns:r="http://schemas.openxmlformats.org/officeDocument/2006/relationships" xmlns:mc="http://schemas.openxmlformats.org/markup-compatibility/2006" xmlns:mv="urn:schemas-microsoft-com:mac:vml" xmlns:p="http://schemas.openxmlformats.org/presentationml/2006/main" xmlns:c="http://schemas.openxmlformats.org/drawingml/2006/chart" xmlns:dgm="http://schemas.openxmlformats.org/drawingml/2006/diagram" xmlns:o="urn:schemas-microsoft-com:office:office" xmlns:v="urn:schemas-microsoft-com:vml" xmlns:pvml="urn:schemas-microsoft-com:office:powerpoint" xmlns:com="http://schemas.openxmlformats.org/drawingml/2006/compatibility" xmlns:p14="http://schemas.microsoft.com/office/powerpoint/2010/main" xmlns:p15="http://schemas.microsoft.com/office/powerpoint/2012/main">
+<p:sld xmlns:a="http://schemas.openxmlformats.org/drawingml/2006/main" xmlns:r="http://schemas.openxmlformats.org/officeDocument/2006/relationships" xmlns:p="http://schemas.openxmlformats.org/presentationml/2006/main">
   <p:cSld>
     <p:spTree>
       <p:nvGrpSpPr>
-        <p:cNvPr id="64" name="Shape 64"/>
+        <p:cNvPr id="1" name="Shape 64"/>
         <p:cNvGrpSpPr/>
         <p:nvPr/>
       </p:nvGrpSpPr>
@@ -7502,7 +7579,9 @@
       <p:sp>
         <p:nvSpPr>
           <p:cNvPr id="65" name="Google Shape;65;p14"/>
-          <p:cNvSpPr txBox="1"/>
+          <p:cNvSpPr txBox="1">
+            <a:spLocks noGrp="1"/>
+          </p:cNvSpPr>
           <p:nvPr>
             <p:ph type="title"/>
           </p:nvPr>
@@ -7517,12 +7596,12 @@
           </a:prstGeom>
         </p:spPr>
         <p:txBody>
-          <a:bodyPr anchorCtr="0" anchor="t" bIns="91425" lIns="91425" spcFirstLastPara="1" rIns="91425" wrap="square" tIns="91425">
+          <a:bodyPr spcFirstLastPara="1" wrap="square" lIns="91425" tIns="91425" rIns="91425" bIns="91425" anchor="t" anchorCtr="0">
             <a:noAutofit/>
           </a:bodyPr>
           <a:lstStyle/>
           <a:p>
-            <a:pPr indent="0" lvl="0" marL="0" rtl="0" algn="l">
+            <a:pPr marL="0" lvl="0" indent="0" algn="l" rtl="0">
               <a:spcBef>
                 <a:spcPts val="0"/>
               </a:spcBef>
@@ -7542,9 +7621,11 @@
       <p:sp>
         <p:nvSpPr>
           <p:cNvPr id="66" name="Google Shape;66;p14"/>
-          <p:cNvSpPr txBox="1"/>
+          <p:cNvSpPr txBox="1">
+            <a:spLocks noGrp="1"/>
+          </p:cNvSpPr>
           <p:nvPr>
-            <p:ph idx="1" type="body"/>
+            <p:ph type="body" idx="1"/>
           </p:nvPr>
         </p:nvSpPr>
         <p:spPr>
@@ -7557,12 +7638,12 @@
           </a:prstGeom>
         </p:spPr>
         <p:txBody>
-          <a:bodyPr anchorCtr="0" anchor="t" bIns="91425" lIns="91425" spcFirstLastPara="1" rIns="91425" wrap="square" tIns="91425">
+          <a:bodyPr spcFirstLastPara="1" wrap="square" lIns="91425" tIns="91425" rIns="91425" bIns="91425" anchor="t" anchorCtr="0">
             <a:noAutofit/>
           </a:bodyPr>
           <a:lstStyle/>
           <a:p>
-            <a:pPr indent="0" lvl="0" marL="0" rtl="0" algn="l">
+            <a:pPr marL="0" lvl="0" indent="0" algn="l" rtl="0">
               <a:spcBef>
                 <a:spcPts val="0"/>
               </a:spcBef>
@@ -7578,7 +7659,7 @@
             <a:endParaRPr sz="1400"/>
           </a:p>
           <a:p>
-            <a:pPr indent="-317500" lvl="0" marL="457200" rtl="0" algn="l">
+            <a:pPr marL="457200" lvl="0" indent="-317500" algn="l" rtl="0">
               <a:spcBef>
                 <a:spcPts val="1600"/>
               </a:spcBef>
@@ -7595,7 +7676,7 @@
             <a:endParaRPr sz="1400"/>
           </a:p>
           <a:p>
-            <a:pPr indent="-317500" lvl="0" marL="457200" rtl="0" algn="l">
+            <a:pPr marL="457200" lvl="0" indent="-317500" algn="l" rtl="0">
               <a:spcBef>
                 <a:spcPts val="0"/>
               </a:spcBef>
@@ -7612,7 +7693,7 @@
             <a:endParaRPr sz="1400"/>
           </a:p>
           <a:p>
-            <a:pPr indent="-317500" lvl="0" marL="457200" rtl="0" algn="l">
+            <a:pPr marL="457200" lvl="0" indent="-317500" algn="l" rtl="0">
               <a:spcBef>
                 <a:spcPts val="0"/>
               </a:spcBef>
@@ -7629,7 +7710,7 @@
             <a:endParaRPr sz="1400"/>
           </a:p>
           <a:p>
-            <a:pPr indent="0" lvl="0" marL="0" rtl="0" algn="l">
+            <a:pPr marL="0" lvl="0" indent="0" algn="l" rtl="0">
               <a:spcBef>
                 <a:spcPts val="1600"/>
               </a:spcBef>
@@ -7645,7 +7726,7 @@
             <a:endParaRPr sz="1400"/>
           </a:p>
           <a:p>
-            <a:pPr indent="-317500" lvl="0" marL="457200" rtl="0" algn="l">
+            <a:pPr marL="457200" lvl="0" indent="-317500" algn="l" rtl="0">
               <a:spcBef>
                 <a:spcPts val="1600"/>
               </a:spcBef>
@@ -7662,7 +7743,7 @@
             <a:endParaRPr sz="1400"/>
           </a:p>
           <a:p>
-            <a:pPr indent="-317500" lvl="0" marL="457200" rtl="0" algn="l">
+            <a:pPr marL="457200" lvl="0" indent="-317500" algn="l" rtl="0">
               <a:spcBef>
                 <a:spcPts val="0"/>
               </a:spcBef>
@@ -7679,7 +7760,7 @@
             <a:endParaRPr sz="1400"/>
           </a:p>
           <a:p>
-            <a:pPr indent="-317500" lvl="0" marL="457200" rtl="0" algn="l">
+            <a:pPr marL="457200" lvl="0" indent="-317500" algn="l" rtl="0">
               <a:spcBef>
                 <a:spcPts val="0"/>
               </a:spcBef>
@@ -7696,7 +7777,7 @@
             <a:endParaRPr sz="1400"/>
           </a:p>
           <a:p>
-            <a:pPr indent="-317500" lvl="0" marL="457200" rtl="0" algn="l">
+            <a:pPr marL="457200" lvl="0" indent="-317500" algn="l" rtl="0">
               <a:spcBef>
                 <a:spcPts val="0"/>
               </a:spcBef>
@@ -7713,7 +7794,7 @@
             <a:endParaRPr sz="1400"/>
           </a:p>
           <a:p>
-            <a:pPr indent="0" lvl="0" marL="0" rtl="0" algn="l">
+            <a:pPr marL="0" lvl="0" indent="0" algn="l" rtl="0">
               <a:spcBef>
                 <a:spcPts val="1600"/>
               </a:spcBef>
@@ -7729,7 +7810,7 @@
             <a:endParaRPr sz="1400"/>
           </a:p>
           <a:p>
-            <a:pPr indent="-317500" lvl="0" marL="457200" rtl="0" algn="l">
+            <a:pPr marL="457200" lvl="0" indent="-317500" algn="l" rtl="0">
               <a:spcBef>
                 <a:spcPts val="1600"/>
               </a:spcBef>
@@ -7746,7 +7827,7 @@
             <a:endParaRPr sz="1400"/>
           </a:p>
           <a:p>
-            <a:pPr indent="-317500" lvl="0" marL="457200" rtl="0" algn="l">
+            <a:pPr marL="457200" lvl="0" indent="-317500" algn="l" rtl="0">
               <a:spcBef>
                 <a:spcPts val="0"/>
               </a:spcBef>
@@ -7773,11 +7854,11 @@
 </file>
 
 <file path=ppt/slides/slide3.xml><?xml version="1.0" encoding="utf-8"?>
-<p:sld xmlns:a="http://schemas.openxmlformats.org/drawingml/2006/main" xmlns:r="http://schemas.openxmlformats.org/officeDocument/2006/relationships" xmlns:mc="http://schemas.openxmlformats.org/markup-compatibility/2006" xmlns:mv="urn:schemas-microsoft-com:mac:vml" xmlns:p="http://schemas.openxmlformats.org/presentationml/2006/main" xmlns:c="http://schemas.openxmlformats.org/drawingml/2006/chart" xmlns:dgm="http://schemas.openxmlformats.org/drawingml/2006/diagram" xmlns:o="urn:schemas-microsoft-com:office:office" xmlns:v="urn:schemas-microsoft-com:vml" xmlns:pvml="urn:schemas-microsoft-com:office:powerpoint" xmlns:com="http://schemas.openxmlformats.org/drawingml/2006/compatibility" xmlns:p14="http://schemas.microsoft.com/office/powerpoint/2010/main" xmlns:p15="http://schemas.microsoft.com/office/powerpoint/2012/main">
+<p:sld xmlns:a="http://schemas.openxmlformats.org/drawingml/2006/main" xmlns:r="http://schemas.openxmlformats.org/officeDocument/2006/relationships" xmlns:p="http://schemas.openxmlformats.org/presentationml/2006/main">
   <p:cSld>
     <p:spTree>
       <p:nvGrpSpPr>
-        <p:cNvPr id="70" name="Shape 70"/>
+        <p:cNvPr id="1" name="Shape 70"/>
         <p:cNvGrpSpPr/>
         <p:nvPr/>
       </p:nvGrpSpPr>
@@ -7792,7 +7873,9 @@
       <p:sp>
         <p:nvSpPr>
           <p:cNvPr id="71" name="Google Shape;71;p15"/>
-          <p:cNvSpPr txBox="1"/>
+          <p:cNvSpPr txBox="1">
+            <a:spLocks noGrp="1"/>
+          </p:cNvSpPr>
           <p:nvPr>
             <p:ph type="title"/>
           </p:nvPr>
@@ -7807,12 +7890,12 @@
           </a:prstGeom>
         </p:spPr>
         <p:txBody>
-          <a:bodyPr anchorCtr="0" anchor="t" bIns="91425" lIns="91425" spcFirstLastPara="1" rIns="91425" wrap="square" tIns="91425">
+          <a:bodyPr spcFirstLastPara="1" wrap="square" lIns="91425" tIns="91425" rIns="91425" bIns="91425" anchor="t" anchorCtr="0">
             <a:noAutofit/>
           </a:bodyPr>
           <a:lstStyle/>
           <a:p>
-            <a:pPr indent="0" lvl="0" marL="0" rtl="0" algn="l">
+            <a:pPr marL="0" lvl="0" indent="0" algn="l" rtl="0">
               <a:spcBef>
                 <a:spcPts val="0"/>
               </a:spcBef>
@@ -7823,11 +7906,7 @@
             </a:pPr>
             <a:r>
               <a:rPr lang="pt-PT"/>
-              <a:t>Main features/</a:t>
-            </a:r>
-            <a:r>
-              <a:rPr lang="pt-PT"/>
-              <a:t>functionalities</a:t>
+              <a:t>Main features/functionalities</a:t>
             </a:r>
             <a:endParaRPr/>
           </a:p>
@@ -7836,9 +7915,11 @@
       <p:sp>
         <p:nvSpPr>
           <p:cNvPr id="72" name="Google Shape;72;p15"/>
-          <p:cNvSpPr txBox="1"/>
+          <p:cNvSpPr txBox="1">
+            <a:spLocks noGrp="1"/>
+          </p:cNvSpPr>
           <p:nvPr>
-            <p:ph idx="1" type="body"/>
+            <p:ph type="body" idx="1"/>
           </p:nvPr>
         </p:nvSpPr>
         <p:spPr>
@@ -7851,12 +7932,12 @@
           </a:prstGeom>
         </p:spPr>
         <p:txBody>
-          <a:bodyPr anchorCtr="0" anchor="t" bIns="91425" lIns="91425" spcFirstLastPara="1" rIns="91425" wrap="square" tIns="91425">
+          <a:bodyPr spcFirstLastPara="1" wrap="square" lIns="91425" tIns="91425" rIns="91425" bIns="91425" anchor="t" anchorCtr="0">
             <a:noAutofit/>
           </a:bodyPr>
           <a:lstStyle/>
           <a:p>
-            <a:pPr indent="-342900" lvl="0" marL="457200" rtl="0" algn="l">
+            <a:pPr marL="457200" lvl="0" indent="-342900" algn="l" rtl="0">
               <a:spcBef>
                 <a:spcPts val="0"/>
               </a:spcBef>
@@ -7873,7 +7954,7 @@
             <a:endParaRPr/>
           </a:p>
           <a:p>
-            <a:pPr indent="-342900" lvl="0" marL="457200" rtl="0" algn="l">
+            <a:pPr marL="457200" lvl="0" indent="-342900" algn="l" rtl="0">
               <a:spcBef>
                 <a:spcPts val="0"/>
               </a:spcBef>
@@ -7890,7 +7971,7 @@
             <a:endParaRPr/>
           </a:p>
           <a:p>
-            <a:pPr indent="-342900" lvl="0" marL="457200" rtl="0" algn="l">
+            <a:pPr marL="457200" lvl="0" indent="-342900" algn="l" rtl="0">
               <a:spcBef>
                 <a:spcPts val="0"/>
               </a:spcBef>
@@ -7907,7 +7988,7 @@
             <a:endParaRPr/>
           </a:p>
           <a:p>
-            <a:pPr indent="-342900" lvl="0" marL="457200" rtl="0" algn="l">
+            <a:pPr marL="457200" lvl="0" indent="-342900" algn="l" rtl="0">
               <a:spcBef>
                 <a:spcPts val="0"/>
               </a:spcBef>
@@ -7924,7 +8005,7 @@
             <a:endParaRPr/>
           </a:p>
           <a:p>
-            <a:pPr indent="-342900" lvl="0" marL="457200" rtl="0" algn="l">
+            <a:pPr marL="457200" lvl="0" indent="-342900" algn="l" rtl="0">
               <a:spcBef>
                 <a:spcPts val="0"/>
               </a:spcBef>
@@ -7941,7 +8022,7 @@
             <a:endParaRPr/>
           </a:p>
           <a:p>
-            <a:pPr indent="-342900" lvl="0" marL="457200" rtl="0" algn="l">
+            <a:pPr marL="457200" lvl="0" indent="-342900" algn="l" rtl="0">
               <a:spcBef>
                 <a:spcPts val="0"/>
               </a:spcBef>
@@ -7968,11 +8049,11 @@
 </file>
 
 <file path=ppt/slides/slide4.xml><?xml version="1.0" encoding="utf-8"?>
-<p:sld xmlns:a="http://schemas.openxmlformats.org/drawingml/2006/main" xmlns:r="http://schemas.openxmlformats.org/officeDocument/2006/relationships" xmlns:mc="http://schemas.openxmlformats.org/markup-compatibility/2006" xmlns:mv="urn:schemas-microsoft-com:mac:vml" xmlns:p="http://schemas.openxmlformats.org/presentationml/2006/main" xmlns:c="http://schemas.openxmlformats.org/drawingml/2006/chart" xmlns:dgm="http://schemas.openxmlformats.org/drawingml/2006/diagram" xmlns:o="urn:schemas-microsoft-com:office:office" xmlns:v="urn:schemas-microsoft-com:vml" xmlns:pvml="urn:schemas-microsoft-com:office:powerpoint" xmlns:com="http://schemas.openxmlformats.org/drawingml/2006/compatibility" xmlns:p14="http://schemas.microsoft.com/office/powerpoint/2010/main" xmlns:p15="http://schemas.microsoft.com/office/powerpoint/2012/main">
+<p:sld xmlns:a="http://schemas.openxmlformats.org/drawingml/2006/main" xmlns:r="http://schemas.openxmlformats.org/officeDocument/2006/relationships" xmlns:p="http://schemas.openxmlformats.org/presentationml/2006/main">
   <p:cSld>
     <p:spTree>
       <p:nvGrpSpPr>
-        <p:cNvPr id="76" name="Shape 76"/>
+        <p:cNvPr id="1" name="Shape 76"/>
         <p:cNvGrpSpPr/>
         <p:nvPr/>
       </p:nvGrpSpPr>
@@ -8015,9 +8096,11 @@
       <p:sp>
         <p:nvSpPr>
           <p:cNvPr id="78" name="Google Shape;78;p16"/>
-          <p:cNvSpPr txBox="1"/>
+          <p:cNvSpPr txBox="1">
+            <a:spLocks noGrp="1"/>
+          </p:cNvSpPr>
           <p:nvPr>
-            <p:ph idx="4294967295" type="title"/>
+            <p:ph type="title" idx="4294967295"/>
           </p:nvPr>
         </p:nvSpPr>
         <p:spPr>
@@ -8030,12 +8113,12 @@
           </a:prstGeom>
         </p:spPr>
         <p:txBody>
-          <a:bodyPr anchorCtr="0" anchor="t" bIns="91425" lIns="91425" spcFirstLastPara="1" rIns="91425" wrap="square" tIns="91425">
+          <a:bodyPr spcFirstLastPara="1" wrap="square" lIns="91425" tIns="91425" rIns="91425" bIns="91425" anchor="t" anchorCtr="0">
             <a:noAutofit/>
           </a:bodyPr>
           <a:lstStyle/>
           <a:p>
-            <a:pPr indent="0" lvl="0" marL="0" rtl="0" algn="ctr">
+            <a:pPr marL="0" lvl="0" indent="0" algn="ctr" rtl="0">
               <a:spcBef>
                 <a:spcPts val="0"/>
               </a:spcBef>
@@ -8045,7 +8128,7 @@
               <a:buNone/>
             </a:pPr>
             <a:r>
-              <a:rPr b="1" lang="pt-PT" sz="4000">
+              <a:rPr lang="pt-PT" sz="4000" b="1">
                 <a:latin typeface="EB Garamond"/>
                 <a:ea typeface="EB Garamond"/>
                 <a:cs typeface="EB Garamond"/>
@@ -8053,7 +8136,7 @@
               </a:rPr>
               <a:t>SQL PROGRAMMING</a:t>
             </a:r>
-            <a:endParaRPr b="1" sz="4000">
+            <a:endParaRPr sz="4000" b="1">
               <a:latin typeface="EB Garamond"/>
               <a:ea typeface="EB Garamond"/>
               <a:cs typeface="EB Garamond"/>
@@ -8099,11 +8182,11 @@
 </file>
 
 <file path=ppt/slides/slide5.xml><?xml version="1.0" encoding="utf-8"?>
-<p:sld xmlns:a="http://schemas.openxmlformats.org/drawingml/2006/main" xmlns:r="http://schemas.openxmlformats.org/officeDocument/2006/relationships" xmlns:mc="http://schemas.openxmlformats.org/markup-compatibility/2006" xmlns:mv="urn:schemas-microsoft-com:mac:vml" xmlns:p="http://schemas.openxmlformats.org/presentationml/2006/main" xmlns:c="http://schemas.openxmlformats.org/drawingml/2006/chart" xmlns:dgm="http://schemas.openxmlformats.org/drawingml/2006/diagram" xmlns:o="urn:schemas-microsoft-com:office:office" xmlns:v="urn:schemas-microsoft-com:vml" xmlns:pvml="urn:schemas-microsoft-com:office:powerpoint" xmlns:com="http://schemas.openxmlformats.org/drawingml/2006/compatibility" xmlns:p14="http://schemas.microsoft.com/office/powerpoint/2010/main" xmlns:p15="http://schemas.microsoft.com/office/powerpoint/2012/main">
+<p:sld xmlns:a="http://schemas.openxmlformats.org/drawingml/2006/main" xmlns:r="http://schemas.openxmlformats.org/officeDocument/2006/relationships" xmlns:p="http://schemas.openxmlformats.org/presentationml/2006/main">
   <p:cSld>
     <p:spTree>
       <p:nvGrpSpPr>
-        <p:cNvPr id="83" name="Shape 83"/>
+        <p:cNvPr id="1" name="Shape 83"/>
         <p:cNvGrpSpPr/>
         <p:nvPr/>
       </p:nvGrpSpPr>
@@ -8118,7 +8201,9 @@
       <p:sp>
         <p:nvSpPr>
           <p:cNvPr id="84" name="Google Shape;84;p17"/>
-          <p:cNvSpPr txBox="1"/>
+          <p:cNvSpPr txBox="1">
+            <a:spLocks noGrp="1"/>
+          </p:cNvSpPr>
           <p:nvPr>
             <p:ph type="title"/>
           </p:nvPr>
@@ -8133,12 +8218,12 @@
           </a:prstGeom>
         </p:spPr>
         <p:txBody>
-          <a:bodyPr anchorCtr="0" anchor="t" bIns="91425" lIns="91425" spcFirstLastPara="1" rIns="91425" wrap="square" tIns="91425">
+          <a:bodyPr spcFirstLastPara="1" wrap="square" lIns="91425" tIns="91425" rIns="91425" bIns="91425" anchor="t" anchorCtr="0">
             <a:noAutofit/>
           </a:bodyPr>
           <a:lstStyle/>
           <a:p>
-            <a:pPr indent="0" lvl="0" marL="0" rtl="0" algn="l">
+            <a:pPr marL="0" lvl="0" indent="0" algn="l" rtl="0">
               <a:spcBef>
                 <a:spcPts val="0"/>
               </a:spcBef>
@@ -8158,9 +8243,11 @@
       <p:sp>
         <p:nvSpPr>
           <p:cNvPr id="85" name="Google Shape;85;p17"/>
-          <p:cNvSpPr txBox="1"/>
+          <p:cNvSpPr txBox="1">
+            <a:spLocks noGrp="1"/>
+          </p:cNvSpPr>
           <p:nvPr>
-            <p:ph idx="1" type="body"/>
+            <p:ph type="body" idx="1"/>
           </p:nvPr>
         </p:nvSpPr>
         <p:spPr>
@@ -8173,12 +8260,12 @@
           </a:prstGeom>
         </p:spPr>
         <p:txBody>
-          <a:bodyPr anchorCtr="0" anchor="t" bIns="91425" lIns="91425" spcFirstLastPara="1" rIns="91425" wrap="square" tIns="91425">
+          <a:bodyPr spcFirstLastPara="1" wrap="square" lIns="91425" tIns="91425" rIns="91425" bIns="91425" anchor="t" anchorCtr="0">
             <a:noAutofit/>
           </a:bodyPr>
           <a:lstStyle/>
           <a:p>
-            <a:pPr indent="0" lvl="0" marL="0" rtl="0" algn="l">
+            <a:pPr marL="0" lvl="0" indent="0" algn="l" rtl="0">
               <a:spcBef>
                 <a:spcPts val="0"/>
               </a:spcBef>
@@ -8194,7 +8281,7 @@
             <a:endParaRPr/>
           </a:p>
           <a:p>
-            <a:pPr indent="-304800" lvl="0" marL="457200" rtl="0" algn="l">
+            <a:pPr marL="457200" lvl="0" indent="-304800" algn="l" rtl="0">
               <a:spcBef>
                 <a:spcPts val="1600"/>
               </a:spcBef>
@@ -8211,7 +8298,7 @@
             <a:endParaRPr sz="1200"/>
           </a:p>
           <a:p>
-            <a:pPr indent="0" lvl="0" marL="0" rtl="0" algn="l">
+            <a:pPr marL="0" lvl="0" indent="0" algn="l" rtl="0">
               <a:spcBef>
                 <a:spcPts val="1600"/>
               </a:spcBef>
@@ -8227,7 +8314,7 @@
             <a:endParaRPr/>
           </a:p>
           <a:p>
-            <a:pPr indent="0" lvl="0" marL="0" rtl="0" algn="l">
+            <a:pPr marL="0" lvl="0" indent="0" algn="l" rtl="0">
               <a:spcBef>
                 <a:spcPts val="1600"/>
               </a:spcBef>
@@ -8243,7 +8330,7 @@
             <a:endParaRPr/>
           </a:p>
           <a:p>
-            <a:pPr indent="-317500" lvl="0" marL="457200" rtl="0" algn="l">
+            <a:pPr marL="457200" lvl="0" indent="-317500" algn="l" rtl="0">
               <a:spcBef>
                 <a:spcPts val="1600"/>
               </a:spcBef>
@@ -8260,7 +8347,7 @@
             <a:endParaRPr sz="1400"/>
           </a:p>
           <a:p>
-            <a:pPr indent="0" lvl="0" marL="0" rtl="0" algn="l">
+            <a:pPr marL="0" lvl="0" indent="0" algn="l" rtl="0">
               <a:spcBef>
                 <a:spcPts val="1600"/>
               </a:spcBef>
@@ -8276,7 +8363,7 @@
             <a:endParaRPr/>
           </a:p>
           <a:p>
-            <a:pPr indent="-317500" lvl="0" marL="457200" rtl="0" algn="l">
+            <a:pPr marL="457200" lvl="0" indent="-317500" algn="l" rtl="0">
               <a:spcBef>
                 <a:spcPts val="1600"/>
               </a:spcBef>
@@ -8293,7 +8380,7 @@
             <a:endParaRPr sz="1400"/>
           </a:p>
           <a:p>
-            <a:pPr indent="0" lvl="0" marL="0" rtl="0" algn="l">
+            <a:pPr marL="0" lvl="0" indent="0" algn="l" rtl="0">
               <a:spcBef>
                 <a:spcPts val="1600"/>
               </a:spcBef>
@@ -8302,9 +8389,6 @@
               </a:spcAft>
               <a:buNone/>
             </a:pPr>
-            <a:r>
-              <a:t/>
-            </a:r>
             <a:endParaRPr/>
           </a:p>
         </p:txBody>
@@ -8332,14 +8416,14 @@
             <a:avLst/>
           </a:prstGeom>
           <a:noFill/>
-          <a:ln cap="flat" cmpd="sng" w="9525">
+          <a:ln w="9525" cap="flat" cmpd="sng">
             <a:solidFill>
               <a:srgbClr val="000000"/>
             </a:solidFill>
             <a:prstDash val="solid"/>
             <a:round/>
-            <a:headEnd len="sm" w="sm" type="none"/>
-            <a:tailEnd len="sm" w="sm" type="none"/>
+            <a:headEnd type="none" w="sm" len="sm"/>
+            <a:tailEnd type="none" w="sm" len="sm"/>
           </a:ln>
         </p:spPr>
       </p:pic>
@@ -8366,14 +8450,14 @@
             <a:avLst/>
           </a:prstGeom>
           <a:noFill/>
-          <a:ln cap="flat" cmpd="sng" w="9525">
+          <a:ln w="9525" cap="flat" cmpd="sng">
             <a:solidFill>
               <a:srgbClr val="000000"/>
             </a:solidFill>
             <a:prstDash val="solid"/>
             <a:round/>
-            <a:headEnd len="sm" w="sm" type="none"/>
-            <a:tailEnd len="sm" w="sm" type="none"/>
+            <a:headEnd type="none" w="sm" len="sm"/>
+            <a:tailEnd type="none" w="sm" len="sm"/>
           </a:ln>
         </p:spPr>
       </p:pic>
@@ -8400,14 +8484,14 @@
             <a:avLst/>
           </a:prstGeom>
           <a:noFill/>
-          <a:ln cap="flat" cmpd="sng" w="9525">
+          <a:ln w="9525" cap="flat" cmpd="sng">
             <a:solidFill>
               <a:srgbClr val="000000"/>
             </a:solidFill>
             <a:prstDash val="solid"/>
             <a:round/>
-            <a:headEnd len="sm" w="sm" type="none"/>
-            <a:tailEnd len="sm" w="sm" type="none"/>
+            <a:headEnd type="none" w="sm" len="sm"/>
+            <a:tailEnd type="none" w="sm" len="sm"/>
           </a:ln>
         </p:spPr>
       </p:pic>
@@ -8420,11 +8504,11 @@
 </file>
 
 <file path=ppt/slides/slide6.xml><?xml version="1.0" encoding="utf-8"?>
-<p:sld xmlns:a="http://schemas.openxmlformats.org/drawingml/2006/main" xmlns:r="http://schemas.openxmlformats.org/officeDocument/2006/relationships" xmlns:mc="http://schemas.openxmlformats.org/markup-compatibility/2006" xmlns:mv="urn:schemas-microsoft-com:mac:vml" xmlns:p="http://schemas.openxmlformats.org/presentationml/2006/main" xmlns:c="http://schemas.openxmlformats.org/drawingml/2006/chart" xmlns:dgm="http://schemas.openxmlformats.org/drawingml/2006/diagram" xmlns:o="urn:schemas-microsoft-com:office:office" xmlns:v="urn:schemas-microsoft-com:vml" xmlns:pvml="urn:schemas-microsoft-com:office:powerpoint" xmlns:com="http://schemas.openxmlformats.org/drawingml/2006/compatibility" xmlns:p14="http://schemas.microsoft.com/office/powerpoint/2010/main" xmlns:p15="http://schemas.microsoft.com/office/powerpoint/2012/main">
+<p:sld xmlns:a="http://schemas.openxmlformats.org/drawingml/2006/main" xmlns:r="http://schemas.openxmlformats.org/officeDocument/2006/relationships" xmlns:p="http://schemas.openxmlformats.org/presentationml/2006/main">
   <p:cSld>
     <p:spTree>
       <p:nvGrpSpPr>
-        <p:cNvPr id="92" name="Shape 92"/>
+        <p:cNvPr id="1" name="Shape 92"/>
         <p:cNvGrpSpPr/>
         <p:nvPr/>
       </p:nvGrpSpPr>
@@ -8439,7 +8523,9 @@
       <p:sp>
         <p:nvSpPr>
           <p:cNvPr id="93" name="Google Shape;93;p18"/>
-          <p:cNvSpPr txBox="1"/>
+          <p:cNvSpPr txBox="1">
+            <a:spLocks noGrp="1"/>
+          </p:cNvSpPr>
           <p:nvPr>
             <p:ph type="title"/>
           </p:nvPr>
@@ -8454,12 +8540,12 @@
           </a:prstGeom>
         </p:spPr>
         <p:txBody>
-          <a:bodyPr anchorCtr="0" anchor="t" bIns="91425" lIns="91425" spcFirstLastPara="1" rIns="91425" wrap="square" tIns="91425">
+          <a:bodyPr spcFirstLastPara="1" wrap="square" lIns="91425" tIns="91425" rIns="91425" bIns="91425" anchor="t" anchorCtr="0">
             <a:noAutofit/>
           </a:bodyPr>
           <a:lstStyle/>
           <a:p>
-            <a:pPr indent="0" lvl="0" marL="0" rtl="0" algn="l">
+            <a:pPr marL="0" lvl="0" indent="0" algn="l" rtl="0">
               <a:spcBef>
                 <a:spcPts val="0"/>
               </a:spcBef>
@@ -8479,9 +8565,11 @@
       <p:sp>
         <p:nvSpPr>
           <p:cNvPr id="94" name="Google Shape;94;p18"/>
-          <p:cNvSpPr txBox="1"/>
+          <p:cNvSpPr txBox="1">
+            <a:spLocks noGrp="1"/>
+          </p:cNvSpPr>
           <p:nvPr>
-            <p:ph idx="1" type="body"/>
+            <p:ph type="body" idx="1"/>
           </p:nvPr>
         </p:nvSpPr>
         <p:spPr>
@@ -8494,12 +8582,12 @@
           </a:prstGeom>
         </p:spPr>
         <p:txBody>
-          <a:bodyPr anchorCtr="0" anchor="t" bIns="91425" lIns="91425" spcFirstLastPara="1" rIns="91425" wrap="square" tIns="91425">
+          <a:bodyPr spcFirstLastPara="1" wrap="square" lIns="91425" tIns="91425" rIns="91425" bIns="91425" anchor="t" anchorCtr="0">
             <a:noAutofit/>
           </a:bodyPr>
           <a:lstStyle/>
           <a:p>
-            <a:pPr indent="0" lvl="0" marL="0" rtl="0" algn="l">
+            <a:pPr marL="0" lvl="0" indent="0" algn="l" rtl="0">
               <a:spcBef>
                 <a:spcPts val="0"/>
               </a:spcBef>
@@ -8508,13 +8596,10 @@
               </a:spcAft>
               <a:buNone/>
             </a:pPr>
-            <a:r>
-              <a:t/>
-            </a:r>
             <a:endParaRPr sz="1300"/>
           </a:p>
           <a:p>
-            <a:pPr indent="0" lvl="0" marL="0" rtl="0" algn="l">
+            <a:pPr marL="0" lvl="0" indent="0" algn="l" rtl="0">
               <a:spcBef>
                 <a:spcPts val="1600"/>
               </a:spcBef>
@@ -8523,13 +8608,10 @@
               </a:spcAft>
               <a:buNone/>
             </a:pPr>
-            <a:r>
-              <a:t/>
-            </a:r>
             <a:endParaRPr sz="1300"/>
           </a:p>
           <a:p>
-            <a:pPr indent="0" lvl="0" marL="0" rtl="0" algn="l">
+            <a:pPr marL="0" lvl="0" indent="0" algn="l" rtl="0">
               <a:spcBef>
                 <a:spcPts val="1600"/>
               </a:spcBef>
@@ -8545,7 +8627,7 @@
             <a:endParaRPr sz="1300"/>
           </a:p>
           <a:p>
-            <a:pPr indent="0" lvl="0" marL="0" rtl="0" algn="l">
+            <a:pPr marL="0" lvl="0" indent="0" algn="l" rtl="0">
               <a:spcBef>
                 <a:spcPts val="1600"/>
               </a:spcBef>
@@ -8561,7 +8643,7 @@
             <a:endParaRPr sz="1300"/>
           </a:p>
           <a:p>
-            <a:pPr indent="0" lvl="0" marL="0" rtl="0" algn="l">
+            <a:pPr marL="0" lvl="0" indent="0" algn="l" rtl="0">
               <a:spcBef>
                 <a:spcPts val="1600"/>
               </a:spcBef>
@@ -8577,7 +8659,7 @@
             <a:endParaRPr sz="1300"/>
           </a:p>
           <a:p>
-            <a:pPr indent="0" lvl="0" marL="0" rtl="0" algn="l">
+            <a:pPr marL="0" lvl="0" indent="0" algn="l" rtl="0">
               <a:spcBef>
                 <a:spcPts val="1600"/>
               </a:spcBef>
@@ -8593,7 +8675,7 @@
             <a:endParaRPr sz="1300"/>
           </a:p>
           <a:p>
-            <a:pPr indent="0" lvl="0" marL="0" rtl="0" algn="l">
+            <a:pPr marL="0" lvl="0" indent="0" algn="l" rtl="0">
               <a:spcBef>
                 <a:spcPts val="1600"/>
               </a:spcBef>
@@ -8609,7 +8691,7 @@
             <a:endParaRPr sz="1300"/>
           </a:p>
           <a:p>
-            <a:pPr indent="0" lvl="0" marL="0" rtl="0" algn="l">
+            <a:pPr marL="0" lvl="0" indent="0" algn="l" rtl="0">
               <a:spcBef>
                 <a:spcPts val="1600"/>
               </a:spcBef>
@@ -8618,13 +8700,10 @@
               </a:spcAft>
               <a:buNone/>
             </a:pPr>
-            <a:r>
-              <a:t/>
-            </a:r>
             <a:endParaRPr sz="1600"/>
           </a:p>
           <a:p>
-            <a:pPr indent="0" lvl="0" marL="0" rtl="0" algn="l">
+            <a:pPr marL="0" lvl="0" indent="0" algn="l" rtl="0">
               <a:spcBef>
                 <a:spcPts val="1600"/>
               </a:spcBef>
@@ -8633,9 +8712,6 @@
               </a:spcAft>
               <a:buNone/>
             </a:pPr>
-            <a:r>
-              <a:t/>
-            </a:r>
             <a:endParaRPr sz="1600"/>
           </a:p>
         </p:txBody>
@@ -8663,14 +8739,14 @@
             <a:avLst/>
           </a:prstGeom>
           <a:noFill/>
-          <a:ln cap="flat" cmpd="sng" w="9525">
+          <a:ln w="9525" cap="flat" cmpd="sng">
             <a:solidFill>
               <a:srgbClr val="000000"/>
             </a:solidFill>
             <a:prstDash val="solid"/>
             <a:round/>
-            <a:headEnd len="sm" w="sm" type="none"/>
-            <a:tailEnd len="sm" w="sm" type="none"/>
+            <a:headEnd type="none" w="sm" len="sm"/>
+            <a:tailEnd type="none" w="sm" len="sm"/>
           </a:ln>
         </p:spPr>
       </p:pic>
@@ -8697,14 +8773,14 @@
             <a:avLst/>
           </a:prstGeom>
           <a:noFill/>
-          <a:ln cap="flat" cmpd="sng" w="9525">
+          <a:ln w="9525" cap="flat" cmpd="sng">
             <a:solidFill>
               <a:srgbClr val="000000"/>
             </a:solidFill>
             <a:prstDash val="solid"/>
             <a:round/>
-            <a:headEnd len="sm" w="sm" type="none"/>
-            <a:tailEnd len="sm" w="sm" type="none"/>
+            <a:headEnd type="none" w="sm" len="sm"/>
+            <a:tailEnd type="none" w="sm" len="sm"/>
           </a:ln>
         </p:spPr>
       </p:pic>
@@ -8717,11 +8793,11 @@
 </file>
 
 <file path=ppt/slides/slide7.xml><?xml version="1.0" encoding="utf-8"?>
-<p:sld xmlns:a="http://schemas.openxmlformats.org/drawingml/2006/main" xmlns:r="http://schemas.openxmlformats.org/officeDocument/2006/relationships" xmlns:mc="http://schemas.openxmlformats.org/markup-compatibility/2006" xmlns:mv="urn:schemas-microsoft-com:mac:vml" xmlns:p="http://schemas.openxmlformats.org/presentationml/2006/main" xmlns:c="http://schemas.openxmlformats.org/drawingml/2006/chart" xmlns:dgm="http://schemas.openxmlformats.org/drawingml/2006/diagram" xmlns:o="urn:schemas-microsoft-com:office:office" xmlns:v="urn:schemas-microsoft-com:vml" xmlns:pvml="urn:schemas-microsoft-com:office:powerpoint" xmlns:com="http://schemas.openxmlformats.org/drawingml/2006/compatibility" xmlns:p14="http://schemas.microsoft.com/office/powerpoint/2010/main" xmlns:p15="http://schemas.microsoft.com/office/powerpoint/2012/main">
+<p:sld xmlns:a="http://schemas.openxmlformats.org/drawingml/2006/main" xmlns:r="http://schemas.openxmlformats.org/officeDocument/2006/relationships" xmlns:p="http://schemas.openxmlformats.org/presentationml/2006/main">
   <p:cSld>
     <p:spTree>
       <p:nvGrpSpPr>
-        <p:cNvPr id="100" name="Shape 100"/>
+        <p:cNvPr id="1" name="Shape 100"/>
         <p:cNvGrpSpPr/>
         <p:nvPr/>
       </p:nvGrpSpPr>
@@ -8736,7 +8812,9 @@
       <p:sp>
         <p:nvSpPr>
           <p:cNvPr id="101" name="Google Shape;101;p19"/>
-          <p:cNvSpPr txBox="1"/>
+          <p:cNvSpPr txBox="1">
+            <a:spLocks noGrp="1"/>
+          </p:cNvSpPr>
           <p:nvPr>
             <p:ph type="title"/>
           </p:nvPr>
@@ -8751,12 +8829,12 @@
           </a:prstGeom>
         </p:spPr>
         <p:txBody>
-          <a:bodyPr anchorCtr="0" anchor="t" bIns="91425" lIns="91425" spcFirstLastPara="1" rIns="91425" wrap="square" tIns="91425">
+          <a:bodyPr spcFirstLastPara="1" wrap="square" lIns="91425" tIns="91425" rIns="91425" bIns="91425" anchor="t" anchorCtr="0">
             <a:noAutofit/>
           </a:bodyPr>
           <a:lstStyle/>
           <a:p>
-            <a:pPr indent="0" lvl="0" marL="0" rtl="0" algn="l">
+            <a:pPr marL="0" lvl="0" indent="0" algn="l" rtl="0">
               <a:spcBef>
                 <a:spcPts val="0"/>
               </a:spcBef>
@@ -8776,9 +8854,11 @@
       <p:sp>
         <p:nvSpPr>
           <p:cNvPr id="102" name="Google Shape;102;p19"/>
-          <p:cNvSpPr txBox="1"/>
+          <p:cNvSpPr txBox="1">
+            <a:spLocks noGrp="1"/>
+          </p:cNvSpPr>
           <p:nvPr>
-            <p:ph idx="1" type="body"/>
+            <p:ph type="body" idx="1"/>
           </p:nvPr>
         </p:nvSpPr>
         <p:spPr>
@@ -8791,12 +8871,12 @@
           </a:prstGeom>
         </p:spPr>
         <p:txBody>
-          <a:bodyPr anchorCtr="0" anchor="t" bIns="91425" lIns="91425" spcFirstLastPara="1" rIns="91425" wrap="square" tIns="91425">
+          <a:bodyPr spcFirstLastPara="1" wrap="square" lIns="91425" tIns="91425" rIns="91425" bIns="91425" anchor="t" anchorCtr="0">
             <a:noAutofit/>
           </a:bodyPr>
           <a:lstStyle/>
           <a:p>
-            <a:pPr indent="0" lvl="0" marL="0" rtl="0" algn="l">
+            <a:pPr marL="0" lvl="0" indent="0" algn="l" rtl="0">
               <a:spcBef>
                 <a:spcPts val="0"/>
               </a:spcBef>
@@ -8816,7 +8896,7 @@
             <a:endParaRPr sz="1500"/>
           </a:p>
           <a:p>
-            <a:pPr indent="0" lvl="0" marL="0" rtl="0" algn="l">
+            <a:pPr marL="0" lvl="0" indent="0" algn="l" rtl="0">
               <a:lnSpc>
                 <a:spcPct val="100000"/>
               </a:lnSpc>
@@ -8838,11 +8918,7 @@
             </a:r>
             <a:r>
               <a:rPr lang="pt-PT" sz="1500"/>
-              <a:t>And </a:t>
-            </a:r>
-            <a:r>
-              <a:rPr lang="pt-PT" sz="1500"/>
-              <a:t>check for more information in other tables</a:t>
+              <a:t>And check for more information in other tables</a:t>
             </a:r>
             <a:endParaRPr sz="1500"/>
           </a:p>
@@ -8871,14 +8947,14 @@
             <a:avLst/>
           </a:prstGeom>
           <a:noFill/>
-          <a:ln cap="flat" cmpd="sng" w="9525">
+          <a:ln w="9525" cap="flat" cmpd="sng">
             <a:solidFill>
               <a:srgbClr val="000000"/>
             </a:solidFill>
             <a:prstDash val="solid"/>
             <a:round/>
-            <a:headEnd len="sm" w="sm" type="none"/>
-            <a:tailEnd len="sm" w="sm" type="none"/>
+            <a:headEnd type="none" w="sm" len="sm"/>
+            <a:tailEnd type="none" w="sm" len="sm"/>
           </a:ln>
         </p:spPr>
       </p:pic>
@@ -8905,14 +8981,14 @@
             <a:avLst/>
           </a:prstGeom>
           <a:noFill/>
-          <a:ln cap="flat" cmpd="sng" w="9525">
+          <a:ln w="9525" cap="flat" cmpd="sng">
             <a:solidFill>
               <a:srgbClr val="000000"/>
             </a:solidFill>
             <a:prstDash val="solid"/>
             <a:round/>
-            <a:headEnd len="sm" w="sm" type="none"/>
-            <a:tailEnd len="sm" w="sm" type="none"/>
+            <a:headEnd type="none" w="sm" len="sm"/>
+            <a:tailEnd type="none" w="sm" len="sm"/>
           </a:ln>
         </p:spPr>
       </p:pic>
@@ -8936,12 +9012,12 @@
           </a:ln>
         </p:spPr>
         <p:txBody>
-          <a:bodyPr anchorCtr="0" anchor="t" bIns="91425" lIns="91425" spcFirstLastPara="1" rIns="91425" wrap="square" tIns="91425">
+          <a:bodyPr spcFirstLastPara="1" wrap="square" lIns="91425" tIns="91425" rIns="91425" bIns="91425" anchor="t" anchorCtr="0">
             <a:noAutofit/>
           </a:bodyPr>
           <a:lstStyle/>
           <a:p>
-            <a:pPr indent="0" lvl="0" marL="0" rtl="0" algn="l">
+            <a:pPr marL="0" lvl="0" indent="0" algn="l" rtl="0">
               <a:spcBef>
                 <a:spcPts val="0"/>
               </a:spcBef>
@@ -8982,7 +9058,7 @@
             </a:endParaRPr>
           </a:p>
           <a:p>
-            <a:pPr indent="0" lvl="0" marL="0" rtl="0" algn="l">
+            <a:pPr marL="0" lvl="0" indent="0" algn="l" rtl="0">
               <a:spcBef>
                 <a:spcPts val="0"/>
               </a:spcBef>
@@ -8991,9 +9067,6 @@
               </a:spcAft>
               <a:buNone/>
             </a:pPr>
-            <a:r>
-              <a:t/>
-            </a:r>
             <a:endParaRPr sz="1500">
               <a:solidFill>
                 <a:schemeClr val="accent3"/>
@@ -9005,7 +9078,7 @@
             </a:endParaRPr>
           </a:p>
           <a:p>
-            <a:pPr indent="0" lvl="0" marL="0" rtl="0" algn="l">
+            <a:pPr marL="0" lvl="0" indent="0" algn="l" rtl="0">
               <a:spcBef>
                 <a:spcPts val="0"/>
               </a:spcBef>
@@ -9037,7 +9110,7 @@
             </a:endParaRPr>
           </a:p>
           <a:p>
-            <a:pPr indent="0" lvl="0" marL="0" rtl="0" algn="l">
+            <a:pPr marL="0" lvl="0" indent="0" algn="l" rtl="0">
               <a:spcBef>
                 <a:spcPts val="0"/>
               </a:spcBef>
@@ -9046,9 +9119,6 @@
               </a:spcAft>
               <a:buNone/>
             </a:pPr>
-            <a:r>
-              <a:t/>
-            </a:r>
             <a:endParaRPr sz="1500">
               <a:latin typeface="Proxima Nova"/>
               <a:ea typeface="Proxima Nova"/>
@@ -9057,7 +9127,7 @@
             </a:endParaRPr>
           </a:p>
           <a:p>
-            <a:pPr indent="0" lvl="0" marL="0" rtl="0" algn="l">
+            <a:pPr marL="0" lvl="0" indent="0" algn="l" rtl="0">
               <a:spcBef>
                 <a:spcPts val="0"/>
               </a:spcBef>
@@ -9093,11 +9163,11 @@
 </file>
 
 <file path=ppt/slides/slide8.xml><?xml version="1.0" encoding="utf-8"?>
-<p:sld xmlns:a="http://schemas.openxmlformats.org/drawingml/2006/main" xmlns:r="http://schemas.openxmlformats.org/officeDocument/2006/relationships" xmlns:mc="http://schemas.openxmlformats.org/markup-compatibility/2006" xmlns:mv="urn:schemas-microsoft-com:mac:vml" xmlns:p="http://schemas.openxmlformats.org/presentationml/2006/main" xmlns:c="http://schemas.openxmlformats.org/drawingml/2006/chart" xmlns:dgm="http://schemas.openxmlformats.org/drawingml/2006/diagram" xmlns:o="urn:schemas-microsoft-com:office:office" xmlns:v="urn:schemas-microsoft-com:vml" xmlns:pvml="urn:schemas-microsoft-com:office:powerpoint" xmlns:com="http://schemas.openxmlformats.org/drawingml/2006/compatibility" xmlns:p14="http://schemas.microsoft.com/office/powerpoint/2010/main" xmlns:p15="http://schemas.microsoft.com/office/powerpoint/2012/main">
+<p:sld xmlns:a="http://schemas.openxmlformats.org/drawingml/2006/main" xmlns:r="http://schemas.openxmlformats.org/officeDocument/2006/relationships" xmlns:p="http://schemas.openxmlformats.org/presentationml/2006/main">
   <p:cSld>
     <p:spTree>
       <p:nvGrpSpPr>
-        <p:cNvPr id="109" name="Shape 109"/>
+        <p:cNvPr id="1" name="Shape 118"/>
         <p:cNvGrpSpPr/>
         <p:nvPr/>
       </p:nvGrpSpPr>
@@ -9111,8 +9181,10 @@
       </p:grpSpPr>
       <p:sp>
         <p:nvSpPr>
-          <p:cNvPr id="110" name="Google Shape;110;p20"/>
-          <p:cNvSpPr txBox="1"/>
+          <p:cNvPr id="119" name="Google Shape;119;p21"/>
+          <p:cNvSpPr txBox="1">
+            <a:spLocks noGrp="1"/>
+          </p:cNvSpPr>
           <p:nvPr>
             <p:ph type="title"/>
           </p:nvPr>
@@ -9127,241 +9199,52 @@
           </a:prstGeom>
         </p:spPr>
         <p:txBody>
-          <a:bodyPr anchorCtr="0" anchor="t" bIns="91425" lIns="91425" spcFirstLastPara="1" rIns="91425" wrap="square" tIns="91425">
+          <a:bodyPr spcFirstLastPara="1" wrap="square" lIns="91425" tIns="91425" rIns="91425" bIns="91425" anchor="t" anchorCtr="0">
             <a:noAutofit/>
           </a:bodyPr>
           <a:lstStyle/>
           <a:p>
-            <a:pPr indent="0" lvl="0" marL="0" rtl="0" algn="l">
-              <a:spcBef>
-                <a:spcPts val="0"/>
-              </a:spcBef>
-              <a:spcAft>
-                <a:spcPts val="0"/>
-              </a:spcAft>
-              <a:buNone/>
-            </a:pPr>
+            <a:pPr lvl="0"/>
             <a:r>
-              <a:rPr lang="pt-PT"/>
-              <a:t>Transactions</a:t>
+              <a:rPr lang="pt-PT" sz="2400" dirty="0"/>
+              <a:t>Login </a:t>
             </a:r>
-            <a:endParaRPr/>
-          </a:p>
-        </p:txBody>
-      </p:sp>
-      <p:sp>
-        <p:nvSpPr>
-          <p:cNvPr id="111" name="Google Shape;111;p20"/>
-          <p:cNvSpPr txBox="1"/>
-          <p:nvPr>
-            <p:ph idx="1" type="body"/>
-          </p:nvPr>
-        </p:nvSpPr>
-        <p:spPr>
-          <a:xfrm>
-            <a:off x="6764100" y="1712713"/>
-            <a:ext cx="1711800" cy="681900"/>
-          </a:xfrm>
-          <a:prstGeom prst="rect">
-            <a:avLst/>
-          </a:prstGeom>
-        </p:spPr>
-        <p:txBody>
-          <a:bodyPr anchorCtr="0" anchor="t" bIns="91425" lIns="91425" spcFirstLastPara="1" rIns="91425" wrap="square" tIns="91425">
-            <a:noAutofit/>
-          </a:bodyPr>
-          <a:lstStyle/>
-          <a:p>
-            <a:pPr indent="0" lvl="0" marL="0" rtl="0" algn="ctr">
-              <a:spcBef>
-                <a:spcPts val="0"/>
-              </a:spcBef>
-              <a:spcAft>
-                <a:spcPts val="1600"/>
-              </a:spcAft>
-              <a:buNone/>
-            </a:pPr>
             <a:r>
-              <a:rPr lang="pt-PT"/>
-              <a:t>insertRecibo</a:t>
+              <a:rPr lang="pt-PT" sz="2400" dirty="0" err="1"/>
+              <a:t>verification</a:t>
             </a:r>
-            <a:endParaRPr/>
-          </a:p>
-        </p:txBody>
-      </p:sp>
-      <p:pic>
-        <p:nvPicPr>
-          <p:cNvPr id="112" name="Google Shape;112;p20"/>
-          <p:cNvPicPr preferRelativeResize="0"/>
-          <p:nvPr/>
-        </p:nvPicPr>
-        <p:blipFill>
-          <a:blip r:embed="rId3">
-            <a:alphaModFix/>
-          </a:blip>
-          <a:stretch>
-            <a:fillRect/>
-          </a:stretch>
-        </p:blipFill>
-        <p:spPr>
-          <a:xfrm>
-            <a:off x="311700" y="1143301"/>
-            <a:ext cx="6195375" cy="1820725"/>
-          </a:xfrm>
-          <a:prstGeom prst="rect">
-            <a:avLst/>
-          </a:prstGeom>
-          <a:noFill/>
-          <a:ln cap="flat" cmpd="sng" w="9525">
-            <a:solidFill>
-              <a:srgbClr val="000000"/>
-            </a:solidFill>
-            <a:prstDash val="solid"/>
-            <a:round/>
-            <a:headEnd len="sm" w="sm" type="none"/>
-            <a:tailEnd len="sm" w="sm" type="none"/>
-          </a:ln>
-        </p:spPr>
-      </p:pic>
-      <p:pic>
-        <p:nvPicPr>
-          <p:cNvPr id="113" name="Google Shape;113;p20"/>
-          <p:cNvPicPr preferRelativeResize="0"/>
-          <p:nvPr/>
-        </p:nvPicPr>
-        <p:blipFill>
-          <a:blip r:embed="rId4">
-            <a:alphaModFix/>
-          </a:blip>
-          <a:stretch>
-            <a:fillRect/>
-          </a:stretch>
-        </p:blipFill>
-        <p:spPr>
-          <a:xfrm>
-            <a:off x="311700" y="3528337"/>
-            <a:ext cx="5295501" cy="852225"/>
-          </a:xfrm>
-          <a:prstGeom prst="rect">
-            <a:avLst/>
-          </a:prstGeom>
-          <a:noFill/>
-          <a:ln cap="flat" cmpd="sng" w="9525">
-            <a:solidFill>
-              <a:srgbClr val="000000"/>
-            </a:solidFill>
-            <a:prstDash val="solid"/>
-            <a:round/>
-            <a:headEnd len="sm" w="sm" type="none"/>
-            <a:tailEnd len="sm" w="sm" type="none"/>
-          </a:ln>
-        </p:spPr>
-      </p:pic>
-      <p:pic>
-        <p:nvPicPr>
-          <p:cNvPr id="114" name="Google Shape;114;p20"/>
-          <p:cNvPicPr preferRelativeResize="0"/>
-          <p:nvPr/>
-        </p:nvPicPr>
-        <p:blipFill>
-          <a:blip r:embed="rId5">
-            <a:alphaModFix/>
-          </a:blip>
-          <a:stretch>
-            <a:fillRect/>
-          </a:stretch>
-        </p:blipFill>
-        <p:spPr>
-          <a:xfrm>
-            <a:off x="5853675" y="3089600"/>
-            <a:ext cx="3189175" cy="1729700"/>
-          </a:xfrm>
-          <a:prstGeom prst="rect">
-            <a:avLst/>
-          </a:prstGeom>
-          <a:noFill/>
-          <a:ln cap="flat" cmpd="sng" w="9525">
-            <a:solidFill>
-              <a:srgbClr val="000000"/>
-            </a:solidFill>
-            <a:prstDash val="solid"/>
-            <a:round/>
-            <a:headEnd len="sm" w="sm" type="none"/>
-            <a:tailEnd len="sm" w="sm" type="none"/>
-          </a:ln>
-        </p:spPr>
-      </p:pic>
-    </p:spTree>
-  </p:cSld>
-  <p:clrMapOvr>
-    <a:masterClrMapping/>
-  </p:clrMapOvr>
-</p:sld>
-</file>
-
-<file path=ppt/slides/slide9.xml><?xml version="1.0" encoding="utf-8"?>
-<p:sld xmlns:a="http://schemas.openxmlformats.org/drawingml/2006/main" xmlns:r="http://schemas.openxmlformats.org/officeDocument/2006/relationships" xmlns:mc="http://schemas.openxmlformats.org/markup-compatibility/2006" xmlns:mv="urn:schemas-microsoft-com:mac:vml" xmlns:p="http://schemas.openxmlformats.org/presentationml/2006/main" xmlns:c="http://schemas.openxmlformats.org/drawingml/2006/chart" xmlns:dgm="http://schemas.openxmlformats.org/drawingml/2006/diagram" xmlns:o="urn:schemas-microsoft-com:office:office" xmlns:v="urn:schemas-microsoft-com:vml" xmlns:pvml="urn:schemas-microsoft-com:office:powerpoint" xmlns:com="http://schemas.openxmlformats.org/drawingml/2006/compatibility" xmlns:p14="http://schemas.microsoft.com/office/powerpoint/2010/main" xmlns:p15="http://schemas.microsoft.com/office/powerpoint/2012/main">
-  <p:cSld>
-    <p:spTree>
-      <p:nvGrpSpPr>
-        <p:cNvPr id="118" name="Shape 118"/>
-        <p:cNvGrpSpPr/>
-        <p:nvPr/>
-      </p:nvGrpSpPr>
-      <p:grpSpPr>
-        <a:xfrm>
-          <a:off x="0" y="0"/>
-          <a:ext cx="0" cy="0"/>
-          <a:chOff x="0" y="0"/>
-          <a:chExt cx="0" cy="0"/>
-        </a:xfrm>
-      </p:grpSpPr>
-      <p:sp>
-        <p:nvSpPr>
-          <p:cNvPr id="119" name="Google Shape;119;p21"/>
-          <p:cNvSpPr txBox="1"/>
-          <p:nvPr>
-            <p:ph type="title"/>
-          </p:nvPr>
-        </p:nvSpPr>
-        <p:spPr>
-          <a:xfrm>
-            <a:off x="311700" y="445025"/>
-            <a:ext cx="8520600" cy="572700"/>
-          </a:xfrm>
-          <a:prstGeom prst="rect">
-            <a:avLst/>
-          </a:prstGeom>
-        </p:spPr>
-        <p:txBody>
-          <a:bodyPr anchorCtr="0" anchor="t" bIns="91425" lIns="91425" spcFirstLastPara="1" rIns="91425" wrap="square" tIns="91425">
-            <a:noAutofit/>
-          </a:bodyPr>
-          <a:lstStyle/>
-          <a:p>
-            <a:pPr indent="0" lvl="0" marL="0" rtl="0" algn="l">
-              <a:spcBef>
-                <a:spcPts val="0"/>
-              </a:spcBef>
-              <a:spcAft>
-                <a:spcPts val="0"/>
-              </a:spcAft>
-              <a:buNone/>
-            </a:pPr>
             <a:r>
-              <a:rPr lang="pt-PT"/>
-              <a:t>Login verification &amp; hashing password</a:t>
+              <a:rPr lang="pt-PT" sz="2400" dirty="0"/>
+              <a:t> &amp; password </a:t>
             </a:r>
-            <a:endParaRPr/>
+            <a:r>
+              <a:rPr lang="pt-PT" sz="2400" dirty="0" err="1"/>
+              <a:t>hashing</a:t>
+            </a:r>
+            <a:r>
+              <a:rPr lang="pt-PT" sz="2400" dirty="0"/>
+              <a:t> (MD5 </a:t>
+            </a:r>
+            <a:r>
+              <a:rPr lang="pt-PT" sz="2400" dirty="0" err="1"/>
+              <a:t>algorithm</a:t>
+            </a:r>
+            <a:r>
+              <a:rPr lang="pt-PT" sz="2400" dirty="0"/>
+              <a:t>)</a:t>
+            </a:r>
+            <a:endParaRPr sz="2400" dirty="0"/>
           </a:p>
         </p:txBody>
       </p:sp>
       <p:sp>
         <p:nvSpPr>
           <p:cNvPr id="120" name="Google Shape;120;p21"/>
-          <p:cNvSpPr txBox="1"/>
+          <p:cNvSpPr txBox="1">
+            <a:spLocks noGrp="1"/>
+          </p:cNvSpPr>
           <p:nvPr>
-            <p:ph idx="1" type="body"/>
+            <p:ph type="body" idx="1"/>
           </p:nvPr>
         </p:nvSpPr>
         <p:spPr>
@@ -9374,12 +9257,12 @@
           </a:prstGeom>
         </p:spPr>
         <p:txBody>
-          <a:bodyPr anchorCtr="0" anchor="t" bIns="91425" lIns="91425" spcFirstLastPara="1" rIns="91425" wrap="square" tIns="91425">
+          <a:bodyPr spcFirstLastPara="1" wrap="square" lIns="91425" tIns="91425" rIns="91425" bIns="91425" anchor="t" anchorCtr="0">
             <a:noAutofit/>
           </a:bodyPr>
           <a:lstStyle/>
           <a:p>
-            <a:pPr indent="0" lvl="0" marL="0" rtl="0" algn="l">
+            <a:pPr marL="0" lvl="0" indent="0" algn="l" rtl="0">
               <a:spcBef>
                 <a:spcPts val="0"/>
               </a:spcBef>
@@ -9388,13 +9271,10 @@
               </a:spcAft>
               <a:buNone/>
             </a:pPr>
-            <a:r>
-              <a:t/>
-            </a:r>
             <a:endParaRPr/>
           </a:p>
           <a:p>
-            <a:pPr indent="0" lvl="0" marL="0" rtl="0" algn="l">
+            <a:pPr marL="0" lvl="0" indent="0" algn="l" rtl="0">
               <a:spcBef>
                 <a:spcPts val="1600"/>
               </a:spcBef>
@@ -9403,13 +9283,10 @@
               </a:spcAft>
               <a:buNone/>
             </a:pPr>
-            <a:r>
-              <a:t/>
-            </a:r>
             <a:endParaRPr/>
           </a:p>
           <a:p>
-            <a:pPr indent="0" lvl="0" marL="0" rtl="0" algn="l">
+            <a:pPr marL="0" lvl="0" indent="0" algn="l" rtl="0">
               <a:spcBef>
                 <a:spcPts val="1600"/>
               </a:spcBef>
@@ -9418,9 +9295,6 @@
               </a:spcAft>
               <a:buNone/>
             </a:pPr>
-            <a:r>
-              <a:t/>
-            </a:r>
             <a:endParaRPr/>
           </a:p>
         </p:txBody>
@@ -9448,14 +9322,14 @@
             <a:avLst/>
           </a:prstGeom>
           <a:noFill/>
-          <a:ln cap="flat" cmpd="sng" w="9525">
+          <a:ln w="9525" cap="flat" cmpd="sng">
             <a:solidFill>
               <a:srgbClr val="000000"/>
             </a:solidFill>
             <a:prstDash val="solid"/>
             <a:round/>
-            <a:headEnd len="sm" w="sm" type="none"/>
-            <a:tailEnd len="sm" w="sm" type="none"/>
+            <a:headEnd type="none" w="sm" len="sm"/>
+            <a:tailEnd type="none" w="sm" len="sm"/>
           </a:ln>
         </p:spPr>
       </p:pic>
@@ -9482,14 +9356,14 @@
             <a:avLst/>
           </a:prstGeom>
           <a:noFill/>
-          <a:ln cap="flat" cmpd="sng" w="9525">
+          <a:ln w="9525" cap="flat" cmpd="sng">
             <a:solidFill>
               <a:srgbClr val="000000"/>
             </a:solidFill>
             <a:prstDash val="solid"/>
             <a:round/>
-            <a:headEnd len="sm" w="sm" type="none"/>
-            <a:tailEnd len="sm" w="sm" type="none"/>
+            <a:headEnd type="none" w="sm" len="sm"/>
+            <a:tailEnd type="none" w="sm" len="sm"/>
           </a:ln>
         </p:spPr>
       </p:pic>
@@ -9501,8 +9375,83 @@
 </p:sld>
 </file>
 
+<file path=ppt/slides/slide9.xml><?xml version="1.0" encoding="utf-8"?>
+<p:sld xmlns:a="http://schemas.openxmlformats.org/drawingml/2006/main" xmlns:r="http://schemas.openxmlformats.org/officeDocument/2006/relationships" xmlns:p="http://schemas.openxmlformats.org/presentationml/2006/main">
+  <p:cSld>
+    <p:spTree>
+      <p:nvGrpSpPr>
+        <p:cNvPr id="1" name="Shape 126"/>
+        <p:cNvGrpSpPr/>
+        <p:nvPr/>
+      </p:nvGrpSpPr>
+      <p:grpSpPr>
+        <a:xfrm>
+          <a:off x="0" y="0"/>
+          <a:ext cx="0" cy="0"/>
+          <a:chOff x="0" y="0"/>
+          <a:chExt cx="0" cy="0"/>
+        </a:xfrm>
+      </p:grpSpPr>
+      <p:sp>
+        <p:nvSpPr>
+          <p:cNvPr id="127" name="Google Shape;127;p22"/>
+          <p:cNvSpPr txBox="1">
+            <a:spLocks noGrp="1"/>
+          </p:cNvSpPr>
+          <p:nvPr>
+            <p:ph type="ctrTitle"/>
+          </p:nvPr>
+        </p:nvSpPr>
+        <p:spPr>
+          <a:xfrm>
+            <a:off x="3574350" y="2081250"/>
+            <a:ext cx="1995300" cy="981000"/>
+          </a:xfrm>
+          <a:prstGeom prst="rect">
+            <a:avLst/>
+          </a:prstGeom>
+        </p:spPr>
+        <p:txBody>
+          <a:bodyPr spcFirstLastPara="1" wrap="square" lIns="91425" tIns="91425" rIns="91425" bIns="91425" anchor="b" anchorCtr="0">
+            <a:noAutofit/>
+          </a:bodyPr>
+          <a:lstStyle/>
+          <a:p>
+            <a:pPr marL="0" lvl="0" indent="0" algn="l" rtl="0">
+              <a:spcBef>
+                <a:spcPts val="0"/>
+              </a:spcBef>
+              <a:spcAft>
+                <a:spcPts val="0"/>
+              </a:spcAft>
+              <a:buNone/>
+            </a:pPr>
+            <a:r>
+              <a:rPr lang="pt-PT" sz="5400">
+                <a:solidFill>
+                  <a:srgbClr val="5FCBEF"/>
+                </a:solidFill>
+                <a:latin typeface="Trebuchet MS"/>
+                <a:ea typeface="Trebuchet MS"/>
+                <a:cs typeface="Trebuchet MS"/>
+                <a:sym typeface="Trebuchet MS"/>
+              </a:rPr>
+              <a:t>DEMO</a:t>
+            </a:r>
+            <a:endParaRPr/>
+          </a:p>
+        </p:txBody>
+      </p:sp>
+    </p:spTree>
+  </p:cSld>
+  <p:clrMapOvr>
+    <a:masterClrMapping/>
+  </p:clrMapOvr>
+</p:sld>
+</file>
+
 <file path=ppt/theme/theme1.xml><?xml version="1.0" encoding="utf-8"?>
-<a:theme xmlns:a="http://schemas.openxmlformats.org/drawingml/2006/main" xmlns:r="http://schemas.openxmlformats.org/officeDocument/2006/relationships" name="Spearmint">
+<a:theme xmlns:a="http://schemas.openxmlformats.org/drawingml/2006/main" name="Spearmint">
   <a:themeElements>
     <a:clrScheme name="Spearmint">
       <a:dk1>
@@ -9777,11 +9726,13 @@
       </a:bgFillStyleLst>
     </a:fmtScheme>
   </a:themeElements>
+  <a:objectDefaults/>
+  <a:extraClrSchemeLst/>
 </a:theme>
 </file>
 
 <file path=ppt/theme/theme2.xml><?xml version="1.0" encoding="utf-8"?>
-<a:theme xmlns:a="http://schemas.openxmlformats.org/drawingml/2006/main" xmlns:r="http://schemas.openxmlformats.org/officeDocument/2006/relationships">
+<a:theme xmlns:a="http://schemas.openxmlformats.org/drawingml/2006/main">
   <a:themeElements>
     <a:clrScheme name="Default">
       <a:dk1>
@@ -10056,5 +10007,7 @@
       </a:bgFillStyleLst>
     </a:fmtScheme>
   </a:themeElements>
+  <a:objectDefaults/>
+  <a:extraClrSchemeLst/>
 </a:theme>
 </file>